--- a/Documentation/home_nurse.pptx
+++ b/Documentation/home_nurse.pptx
@@ -226,7 +226,7 @@
           <a:p>
             <a:fld id="{C452ADB1-275D-430A-89EE-5C7E6CFF6FF2}" type="datetimeFigureOut">
               <a:rPr lang="en-US" smtClean="0"/>
-              <a:t>10/13/21</a:t>
+              <a:t>10/14/21</a:t>
             </a:fld>
             <a:endParaRPr lang="en-US" dirty="0"/>
           </a:p>
@@ -9286,7 +9286,7 @@
           <a:p>
             <a:fld id="{7005E26E-BCB2-4FD5-8FD5-81A5EAE94C21}" type="datetime1">
               <a:rPr lang="en-US" smtClean="0"/>
-              <a:t>10/13/21</a:t>
+              <a:t>10/14/21</a:t>
             </a:fld>
             <a:endParaRPr lang="en-US" dirty="0"/>
           </a:p>
@@ -9488,7 +9488,7 @@
           <a:p>
             <a:fld id="{9CC2E9B8-0487-42E4-B571-744A3D775783}" type="datetime1">
               <a:rPr lang="en-US" smtClean="0"/>
-              <a:t>10/13/21</a:t>
+              <a:t>10/14/21</a:t>
             </a:fld>
             <a:endParaRPr lang="en-US" dirty="0"/>
           </a:p>
@@ -9663,7 +9663,7 @@
           <a:p>
             <a:fld id="{9052E32D-1E84-43FD-8158-FFFE757EB0E8}" type="datetime1">
               <a:rPr lang="en-US" smtClean="0"/>
-              <a:t>10/13/21</a:t>
+              <a:t>10/14/21</a:t>
             </a:fld>
             <a:endParaRPr lang="en-US" dirty="0"/>
           </a:p>
@@ -9863,7 +9863,7 @@
           <a:p>
             <a:fld id="{8585C470-CD19-455C-B830-6D252EAD7FE5}" type="datetime1">
               <a:rPr lang="en-US" smtClean="0"/>
-              <a:t>10/13/21</a:t>
+              <a:t>10/14/21</a:t>
             </a:fld>
             <a:endParaRPr lang="en-US" dirty="0"/>
           </a:p>
@@ -18756,7 +18756,7 @@
           <a:p>
             <a:fld id="{7F85C43C-50D9-4F49-A136-0EFF292F93ED}" type="datetime1">
               <a:rPr lang="en-US" smtClean="0"/>
-              <a:t>10/13/21</a:t>
+              <a:t>10/14/21</a:t>
             </a:fld>
             <a:endParaRPr lang="en-US" dirty="0"/>
           </a:p>
@@ -19025,7 +19025,7 @@
           <a:p>
             <a:fld id="{7B53B1A3-0AEF-4064-A724-D27D660C8653}" type="datetime1">
               <a:rPr lang="en-US" smtClean="0"/>
-              <a:t>10/13/21</a:t>
+              <a:t>10/14/21</a:t>
             </a:fld>
             <a:endParaRPr lang="en-US" dirty="0"/>
           </a:p>
@@ -19418,7 +19418,7 @@
           <a:p>
             <a:fld id="{37D5D0F2-BF66-4A24-9384-A0129B196518}" type="datetime1">
               <a:rPr lang="en-US" smtClean="0"/>
-              <a:t>10/13/21</a:t>
+              <a:t>10/14/21</a:t>
             </a:fld>
             <a:endParaRPr lang="en-US" dirty="0"/>
           </a:p>
@@ -19531,7 +19531,7 @@
           <a:p>
             <a:fld id="{8C318A6C-4F6B-48D2-BDB0-D7413B3FDB0A}" type="datetime1">
               <a:rPr lang="en-US" smtClean="0"/>
-              <a:t>10/13/21</a:t>
+              <a:t>10/14/21</a:t>
             </a:fld>
             <a:endParaRPr lang="en-US" dirty="0"/>
           </a:p>
@@ -19621,7 +19621,7 @@
           <a:p>
             <a:fld id="{BF01ECED-6ECE-4989-B917-9D4D7E6D3C76}" type="datetime1">
               <a:rPr lang="en-US" smtClean="0"/>
-              <a:t>10/13/21</a:t>
+              <a:t>10/14/21</a:t>
             </a:fld>
             <a:endParaRPr lang="en-US" dirty="0"/>
           </a:p>
@@ -19906,7 +19906,7 @@
           <a:p>
             <a:fld id="{E3B570E1-CB40-488E-8C6F-EF4211DFFCB0}" type="datetime1">
               <a:rPr lang="en-US" smtClean="0"/>
-              <a:t>10/13/21</a:t>
+              <a:t>10/14/21</a:t>
             </a:fld>
             <a:endParaRPr lang="en-US" dirty="0"/>
           </a:p>
@@ -20181,7 +20181,7 @@
           <a:p>
             <a:fld id="{D1CEB6AF-9F5C-43BE-879E-CB9514111250}" type="datetime1">
               <a:rPr lang="en-US" smtClean="0"/>
-              <a:t>10/13/21</a:t>
+              <a:t>10/14/21</a:t>
             </a:fld>
             <a:endParaRPr lang="en-US" dirty="0"/>
           </a:p>
@@ -20426,7 +20426,7 @@
           <a:p>
             <a:fld id="{E7EE424C-FCA3-4EDD-B274-8E055D649B7D}" type="datetime1">
               <a:rPr lang="en-US" smtClean="0"/>
-              <a:t>10/13/21</a:t>
+              <a:t>10/14/21</a:t>
             </a:fld>
             <a:endParaRPr lang="en-US" dirty="0"/>
           </a:p>
@@ -21232,13 +21232,13 @@
   <p:clrMapOvr>
     <a:masterClrMapping/>
   </p:clrMapOvr>
-  <mc:AlternateContent xmlns:mc="http://schemas.openxmlformats.org/markup-compatibility/2006">
-    <mc:Choice xmlns:p159="http://schemas.microsoft.com/office/powerpoint/2015/09/main" Requires="p159">
+  <mc:AlternateContent xmlns:mc="http://schemas.openxmlformats.org/markup-compatibility/2006" xmlns:p159="http://schemas.microsoft.com/office/powerpoint/2015/09/main">
+    <mc:Choice Requires="p159">
       <p:transition xmlns:p14="http://schemas.microsoft.com/office/powerpoint/2010/main" spd="slow" p14:dur="2000">
         <p159:morph option="byObject"/>
       </p:transition>
     </mc:Choice>
-    <mc:Fallback>
+    <mc:Fallback xmlns="">
       <p:transition spd="slow">
         <p:fade/>
       </p:transition>
@@ -21337,13 +21337,13 @@
   <p:clrMapOvr>
     <a:masterClrMapping/>
   </p:clrMapOvr>
-  <mc:AlternateContent xmlns:mc="http://schemas.openxmlformats.org/markup-compatibility/2006">
-    <mc:Choice xmlns:p159="http://schemas.microsoft.com/office/powerpoint/2015/09/main" Requires="p159">
+  <mc:AlternateContent xmlns:mc="http://schemas.openxmlformats.org/markup-compatibility/2006" xmlns:p159="http://schemas.microsoft.com/office/powerpoint/2015/09/main">
+    <mc:Choice Requires="p159">
       <p:transition xmlns:p14="http://schemas.microsoft.com/office/powerpoint/2010/main" spd="slow" p14:dur="2000" advClick="0">
         <p159:morph option="byObject"/>
       </p:transition>
     </mc:Choice>
-    <mc:Fallback>
+    <mc:Fallback xmlns="">
       <p:transition spd="slow" advClick="0">
         <p:fade/>
       </p:transition>
@@ -21733,13 +21733,13 @@
   <p:clrMapOvr>
     <a:masterClrMapping/>
   </p:clrMapOvr>
-  <mc:AlternateContent xmlns:mc="http://schemas.openxmlformats.org/markup-compatibility/2006">
-    <mc:Choice xmlns:p159="http://schemas.microsoft.com/office/powerpoint/2015/09/main" Requires="p159">
+  <mc:AlternateContent xmlns:mc="http://schemas.openxmlformats.org/markup-compatibility/2006" xmlns:p159="http://schemas.microsoft.com/office/powerpoint/2015/09/main">
+    <mc:Choice Requires="p159">
       <p:transition xmlns:p14="http://schemas.microsoft.com/office/powerpoint/2010/main" spd="slow" p14:dur="2000" advClick="0">
         <p159:morph option="byObject"/>
       </p:transition>
     </mc:Choice>
-    <mc:Fallback>
+    <mc:Fallback xmlns="">
       <p:transition spd="slow" advClick="0">
         <p:fade/>
       </p:transition>
@@ -22344,13 +22344,13 @@
   <p:clrMapOvr>
     <a:masterClrMapping/>
   </p:clrMapOvr>
-  <mc:AlternateContent xmlns:mc="http://schemas.openxmlformats.org/markup-compatibility/2006">
-    <mc:Choice xmlns:p159="http://schemas.microsoft.com/office/powerpoint/2015/09/main" Requires="p159">
+  <mc:AlternateContent xmlns:mc="http://schemas.openxmlformats.org/markup-compatibility/2006" xmlns:p159="http://schemas.microsoft.com/office/powerpoint/2015/09/main">
+    <mc:Choice Requires="p159">
       <p:transition xmlns:p14="http://schemas.microsoft.com/office/powerpoint/2010/main" spd="slow" p14:dur="2000">
         <p159:morph option="byObject"/>
       </p:transition>
     </mc:Choice>
-    <mc:Fallback>
+    <mc:Fallback xmlns="">
       <p:transition spd="slow">
         <p:fade/>
       </p:transition>
@@ -22793,13 +22793,13 @@
   <p:clrMapOvr>
     <a:masterClrMapping/>
   </p:clrMapOvr>
-  <mc:AlternateContent xmlns:mc="http://schemas.openxmlformats.org/markup-compatibility/2006">
-    <mc:Choice xmlns:p159="http://schemas.microsoft.com/office/powerpoint/2015/09/main" Requires="p159">
+  <mc:AlternateContent xmlns:mc="http://schemas.openxmlformats.org/markup-compatibility/2006" xmlns:p159="http://schemas.microsoft.com/office/powerpoint/2015/09/main">
+    <mc:Choice Requires="p159">
       <p:transition xmlns:p14="http://schemas.microsoft.com/office/powerpoint/2010/main" spd="slow" p14:dur="2000">
         <p159:morph option="byObject"/>
       </p:transition>
     </mc:Choice>
-    <mc:Fallback>
+    <mc:Fallback xmlns="">
       <p:transition spd="slow">
         <p:fade/>
       </p:transition>
@@ -23544,13 +23544,13 @@
   <p:clrMapOvr>
     <a:masterClrMapping/>
   </p:clrMapOvr>
-  <mc:AlternateContent xmlns:mc="http://schemas.openxmlformats.org/markup-compatibility/2006">
-    <mc:Choice xmlns:p159="http://schemas.microsoft.com/office/powerpoint/2015/09/main" Requires="p159">
+  <mc:AlternateContent xmlns:mc="http://schemas.openxmlformats.org/markup-compatibility/2006" xmlns:p159="http://schemas.microsoft.com/office/powerpoint/2015/09/main">
+    <mc:Choice Requires="p159">
       <p:transition xmlns:p14="http://schemas.microsoft.com/office/powerpoint/2010/main" spd="slow" p14:dur="2000">
         <p159:morph option="byObject"/>
       </p:transition>
     </mc:Choice>
-    <mc:Fallback>
+    <mc:Fallback xmlns="">
       <p:transition spd="slow">
         <p:fade/>
       </p:transition>
@@ -24477,13 +24477,13 @@
   <p:clrMapOvr>
     <a:masterClrMapping/>
   </p:clrMapOvr>
-  <mc:AlternateContent xmlns:mc="http://schemas.openxmlformats.org/markup-compatibility/2006">
-    <mc:Choice xmlns:p159="http://schemas.microsoft.com/office/powerpoint/2015/09/main" Requires="p159">
+  <mc:AlternateContent xmlns:mc="http://schemas.openxmlformats.org/markup-compatibility/2006" xmlns:p159="http://schemas.microsoft.com/office/powerpoint/2015/09/main">
+    <mc:Choice Requires="p159">
       <p:transition xmlns:p14="http://schemas.microsoft.com/office/powerpoint/2010/main" spd="slow" p14:dur="2000">
         <p159:morph option="byObject"/>
       </p:transition>
     </mc:Choice>
-    <mc:Fallback>
+    <mc:Fallback xmlns="">
       <p:transition spd="slow">
         <p:fade/>
       </p:transition>
@@ -25146,13 +25146,13 @@
   <p:clrMapOvr>
     <a:masterClrMapping/>
   </p:clrMapOvr>
-  <mc:AlternateContent xmlns:mc="http://schemas.openxmlformats.org/markup-compatibility/2006">
-    <mc:Choice xmlns:p159="http://schemas.microsoft.com/office/powerpoint/2015/09/main" Requires="p159">
+  <mc:AlternateContent xmlns:mc="http://schemas.openxmlformats.org/markup-compatibility/2006" xmlns:p159="http://schemas.microsoft.com/office/powerpoint/2015/09/main">
+    <mc:Choice Requires="p159">
       <p:transition xmlns:p14="http://schemas.microsoft.com/office/powerpoint/2010/main" spd="slow" p14:dur="2000">
         <p159:morph option="byObject"/>
       </p:transition>
     </mc:Choice>
-    <mc:Fallback>
+    <mc:Fallback xmlns="">
       <p:transition spd="slow">
         <p:fade/>
       </p:transition>
@@ -25400,13 +25400,13 @@
   <p:clrMapOvr>
     <a:masterClrMapping/>
   </p:clrMapOvr>
-  <mc:AlternateContent xmlns:mc="http://schemas.openxmlformats.org/markup-compatibility/2006">
-    <mc:Choice xmlns:p159="http://schemas.microsoft.com/office/powerpoint/2015/09/main" Requires="p159">
+  <mc:AlternateContent xmlns:mc="http://schemas.openxmlformats.org/markup-compatibility/2006" xmlns:p159="http://schemas.microsoft.com/office/powerpoint/2015/09/main">
+    <mc:Choice Requires="p159">
       <p:transition xmlns:p14="http://schemas.microsoft.com/office/powerpoint/2010/main" spd="slow" p14:dur="2000">
         <p159:morph option="byObject"/>
       </p:transition>
     </mc:Choice>
-    <mc:Fallback>
+    <mc:Fallback xmlns="">
       <p:transition spd="slow">
         <p:fade/>
       </p:transition>
@@ -25921,13 +25921,13 @@
   <p:clrMapOvr>
     <a:masterClrMapping/>
   </p:clrMapOvr>
-  <mc:AlternateContent xmlns:mc="http://schemas.openxmlformats.org/markup-compatibility/2006">
-    <mc:Choice xmlns:p159="http://schemas.microsoft.com/office/powerpoint/2015/09/main" Requires="p159">
+  <mc:AlternateContent xmlns:mc="http://schemas.openxmlformats.org/markup-compatibility/2006" xmlns:p159="http://schemas.microsoft.com/office/powerpoint/2015/09/main">
+    <mc:Choice Requires="p159">
       <p:transition xmlns:p14="http://schemas.microsoft.com/office/powerpoint/2010/main" spd="slow" p14:dur="2000">
         <p159:morph option="byObject"/>
       </p:transition>
     </mc:Choice>
-    <mc:Fallback>
+    <mc:Fallback xmlns="">
       <p:transition spd="slow">
         <p:fade/>
       </p:transition>
@@ -26507,8 +26507,8 @@
           </a:p>
         </p:txBody>
       </p:sp>
-      <mc:AlternateContent xmlns:mc="http://schemas.openxmlformats.org/markup-compatibility/2006">
-        <mc:Choice xmlns:a14="http://schemas.microsoft.com/office/drawing/2010/main" Requires="a14">
+      <mc:AlternateContent xmlns:mc="http://schemas.openxmlformats.org/markup-compatibility/2006" xmlns:a14="http://schemas.microsoft.com/office/drawing/2010/main">
+        <mc:Choice Requires="a14">
           <p:sp>
             <p:nvSpPr>
               <p:cNvPr id="8" name="TextBox 7">
@@ -26773,7 +26773,7 @@
             </p:txBody>
           </p:sp>
         </mc:Choice>
-        <mc:Fallback>
+        <mc:Fallback xmlns="">
           <p:sp>
             <p:nvSpPr>
               <p:cNvPr id="8" name="TextBox 7">
@@ -26828,13 +26828,13 @@
   <p:clrMapOvr>
     <a:masterClrMapping/>
   </p:clrMapOvr>
-  <mc:AlternateContent xmlns:mc="http://schemas.openxmlformats.org/markup-compatibility/2006">
-    <mc:Choice xmlns:p159="http://schemas.microsoft.com/office/powerpoint/2015/09/main" Requires="p159">
+  <mc:AlternateContent xmlns:mc="http://schemas.openxmlformats.org/markup-compatibility/2006" xmlns:p159="http://schemas.microsoft.com/office/powerpoint/2015/09/main">
+    <mc:Choice Requires="p159">
       <p:transition xmlns:p14="http://schemas.microsoft.com/office/powerpoint/2010/main" spd="slow" p14:dur="2000">
         <p159:morph option="byObject"/>
       </p:transition>
     </mc:Choice>
-    <mc:Fallback>
+    <mc:Fallback xmlns="">
       <p:transition spd="slow">
         <p:fade/>
       </p:transition>
@@ -27340,13 +27340,13 @@
   <p:clrMapOvr>
     <a:masterClrMapping/>
   </p:clrMapOvr>
-  <mc:AlternateContent xmlns:mc="http://schemas.openxmlformats.org/markup-compatibility/2006">
-    <mc:Choice xmlns:p159="http://schemas.microsoft.com/office/powerpoint/2015/09/main" Requires="p159">
+  <mc:AlternateContent xmlns:mc="http://schemas.openxmlformats.org/markup-compatibility/2006" xmlns:p159="http://schemas.microsoft.com/office/powerpoint/2015/09/main">
+    <mc:Choice Requires="p159">
       <p:transition xmlns:p14="http://schemas.microsoft.com/office/powerpoint/2010/main" spd="slow" p14:dur="2000">
         <p159:morph option="byObject"/>
       </p:transition>
     </mc:Choice>
-    <mc:Fallback>
+    <mc:Fallback xmlns="">
       <p:transition spd="slow">
         <p:fade/>
       </p:transition>
@@ -27689,8 +27689,8 @@
           </a:p>
         </p:txBody>
       </p:sp>
-      <mc:AlternateContent xmlns:mc="http://schemas.openxmlformats.org/markup-compatibility/2006">
-        <mc:Choice xmlns:a14="http://schemas.microsoft.com/office/drawing/2010/main" Requires="a14">
+      <mc:AlternateContent xmlns:mc="http://schemas.openxmlformats.org/markup-compatibility/2006" xmlns:a14="http://schemas.microsoft.com/office/drawing/2010/main">
+        <mc:Choice Requires="a14">
           <p:sp>
             <p:nvSpPr>
               <p:cNvPr id="10" name="TextBox 9">
@@ -28540,7 +28540,7 @@
             </p:txBody>
           </p:sp>
         </mc:Choice>
-        <mc:Fallback>
+        <mc:Fallback xmlns="">
           <p:sp>
             <p:nvSpPr>
               <p:cNvPr id="10" name="TextBox 9">
@@ -28595,13 +28595,13 @@
   <p:clrMapOvr>
     <a:masterClrMapping/>
   </p:clrMapOvr>
-  <mc:AlternateContent xmlns:mc="http://schemas.openxmlformats.org/markup-compatibility/2006">
-    <mc:Choice xmlns:p159="http://schemas.microsoft.com/office/powerpoint/2015/09/main" Requires="p159">
+  <mc:AlternateContent xmlns:mc="http://schemas.openxmlformats.org/markup-compatibility/2006" xmlns:p159="http://schemas.microsoft.com/office/powerpoint/2015/09/main">
+    <mc:Choice Requires="p159">
       <p:transition xmlns:p14="http://schemas.microsoft.com/office/powerpoint/2010/main" spd="slow" p14:dur="2000">
         <p159:morph option="byObject"/>
       </p:transition>
     </mc:Choice>
-    <mc:Fallback>
+    <mc:Fallback xmlns="">
       <p:transition spd="slow">
         <p:fade/>
       </p:transition>
@@ -28944,8 +28944,8 @@
           </a:p>
         </p:txBody>
       </p:sp>
-      <mc:AlternateContent xmlns:mc="http://schemas.openxmlformats.org/markup-compatibility/2006">
-        <mc:Choice xmlns:a14="http://schemas.microsoft.com/office/drawing/2010/main" Requires="a14">
+      <mc:AlternateContent xmlns:mc="http://schemas.openxmlformats.org/markup-compatibility/2006" xmlns:a14="http://schemas.microsoft.com/office/drawing/2010/main">
+        <mc:Choice Requires="a14">
           <p:sp>
             <p:nvSpPr>
               <p:cNvPr id="8" name="TextBox 7">
@@ -29903,7 +29903,7 @@
             </p:txBody>
           </p:sp>
         </mc:Choice>
-        <mc:Fallback>
+        <mc:Fallback xmlns="">
           <p:sp>
             <p:nvSpPr>
               <p:cNvPr id="8" name="TextBox 7">
@@ -29958,13 +29958,13 @@
   <p:clrMapOvr>
     <a:masterClrMapping/>
   </p:clrMapOvr>
-  <mc:AlternateContent xmlns:mc="http://schemas.openxmlformats.org/markup-compatibility/2006">
-    <mc:Choice xmlns:p159="http://schemas.microsoft.com/office/powerpoint/2015/09/main" Requires="p159">
+  <mc:AlternateContent xmlns:mc="http://schemas.openxmlformats.org/markup-compatibility/2006" xmlns:p159="http://schemas.microsoft.com/office/powerpoint/2015/09/main">
+    <mc:Choice Requires="p159">
       <p:transition xmlns:p14="http://schemas.microsoft.com/office/powerpoint/2010/main" spd="slow" p14:dur="2000">
         <p159:morph option="byObject"/>
       </p:transition>
     </mc:Choice>
-    <mc:Fallback>
+    <mc:Fallback xmlns="">
       <p:transition spd="slow">
         <p:fade/>
       </p:transition>
@@ -30614,13 +30614,13 @@
     <a:masterClrMapping/>
   </p:clrMapOvr>
   <mc:AlternateContent xmlns:mc="http://schemas.openxmlformats.org/markup-compatibility/2006">
-    <mc:Choice xmlns:p159="http://schemas.microsoft.com/office/powerpoint/2015/09/main" Requires="p159">
-      <p:transition xmlns:p14="http://schemas.microsoft.com/office/powerpoint/2010/main" spd="slow" p14:dur="2000">
-        <p159:morph option="byObject"/>
+    <mc:Choice xmlns:p14="http://schemas.microsoft.com/office/powerpoint/2010/main" Requires="p14">
+      <p:transition spd="med" p14:dur="700">
+        <p:fade/>
       </p:transition>
     </mc:Choice>
     <mc:Fallback>
-      <p:transition spd="slow">
+      <p:transition spd="med">
         <p:fade/>
       </p:transition>
     </mc:Fallback>
@@ -31071,13 +31071,13 @@
   <p:clrMapOvr>
     <a:masterClrMapping/>
   </p:clrMapOvr>
-  <mc:AlternateContent xmlns:mc="http://schemas.openxmlformats.org/markup-compatibility/2006">
-    <mc:Choice xmlns:p159="http://schemas.microsoft.com/office/powerpoint/2015/09/main" Requires="p159">
+  <mc:AlternateContent xmlns:mc="http://schemas.openxmlformats.org/markup-compatibility/2006" xmlns:p159="http://schemas.microsoft.com/office/powerpoint/2015/09/main">
+    <mc:Choice Requires="p159">
       <p:transition xmlns:p14="http://schemas.microsoft.com/office/powerpoint/2010/main" spd="slow" p14:dur="2000">
         <p159:morph option="byObject"/>
       </p:transition>
     </mc:Choice>
-    <mc:Fallback>
+    <mc:Fallback xmlns="">
       <p:transition spd="slow">
         <p:fade/>
       </p:transition>
@@ -31178,13 +31178,13 @@
   <p:clrMapOvr>
     <a:masterClrMapping/>
   </p:clrMapOvr>
-  <mc:AlternateContent xmlns:mc="http://schemas.openxmlformats.org/markup-compatibility/2006">
-    <mc:Choice xmlns:p159="http://schemas.microsoft.com/office/powerpoint/2015/09/main" Requires="p159">
+  <mc:AlternateContent xmlns:mc="http://schemas.openxmlformats.org/markup-compatibility/2006" xmlns:p159="http://schemas.microsoft.com/office/powerpoint/2015/09/main">
+    <mc:Choice Requires="p159">
       <p:transition xmlns:p14="http://schemas.microsoft.com/office/powerpoint/2010/main" spd="slow" p14:dur="2000" advClick="0">
         <p159:morph option="byObject"/>
       </p:transition>
     </mc:Choice>
-    <mc:Fallback>
+    <mc:Fallback xmlns="">
       <p:transition spd="slow" advClick="0">
         <p:fade/>
       </p:transition>
@@ -31497,13 +31497,13 @@
   <p:clrMapOvr>
     <a:masterClrMapping/>
   </p:clrMapOvr>
-  <mc:AlternateContent xmlns:mc="http://schemas.openxmlformats.org/markup-compatibility/2006">
-    <mc:Choice xmlns:p159="http://schemas.microsoft.com/office/powerpoint/2015/09/main" Requires="p159">
+  <mc:AlternateContent xmlns:mc="http://schemas.openxmlformats.org/markup-compatibility/2006" xmlns:p159="http://schemas.microsoft.com/office/powerpoint/2015/09/main">
+    <mc:Choice Requires="p159">
       <p:transition xmlns:p14="http://schemas.microsoft.com/office/powerpoint/2010/main" spd="slow" p14:dur="2000" advClick="0">
         <p159:morph option="byObject"/>
       </p:transition>
     </mc:Choice>
-    <mc:Fallback>
+    <mc:Fallback xmlns="">
       <p:transition spd="slow" advClick="0">
         <p:fade/>
       </p:transition>
@@ -32028,13 +32028,13 @@
   <p:clrMapOvr>
     <a:masterClrMapping/>
   </p:clrMapOvr>
-  <mc:AlternateContent xmlns:mc="http://schemas.openxmlformats.org/markup-compatibility/2006">
-    <mc:Choice xmlns:p159="http://schemas.microsoft.com/office/powerpoint/2015/09/main" Requires="p159">
+  <mc:AlternateContent xmlns:mc="http://schemas.openxmlformats.org/markup-compatibility/2006" xmlns:p159="http://schemas.microsoft.com/office/powerpoint/2015/09/main">
+    <mc:Choice Requires="p159">
       <p:transition xmlns:p14="http://schemas.microsoft.com/office/powerpoint/2010/main" spd="slow" p14:dur="2000" advClick="0">
         <p159:morph option="byObject"/>
       </p:transition>
     </mc:Choice>
-    <mc:Fallback>
+    <mc:Fallback xmlns="">
       <p:transition spd="slow" advClick="0">
         <p:fade/>
       </p:transition>
@@ -32502,13 +32502,13 @@
   <p:clrMapOvr>
     <a:masterClrMapping/>
   </p:clrMapOvr>
-  <mc:AlternateContent xmlns:mc="http://schemas.openxmlformats.org/markup-compatibility/2006">
-    <mc:Choice xmlns:p159="http://schemas.microsoft.com/office/powerpoint/2015/09/main" Requires="p159">
+  <mc:AlternateContent xmlns:mc="http://schemas.openxmlformats.org/markup-compatibility/2006" xmlns:p159="http://schemas.microsoft.com/office/powerpoint/2015/09/main">
+    <mc:Choice Requires="p159">
       <p:transition xmlns:p14="http://schemas.microsoft.com/office/powerpoint/2010/main" spd="slow" p14:dur="2000" advClick="0">
         <p159:morph option="byObject"/>
       </p:transition>
     </mc:Choice>
-    <mc:Fallback>
+    <mc:Fallback xmlns="">
       <p:transition spd="slow" advClick="0">
         <p:fade/>
       </p:transition>
@@ -33036,13 +33036,13 @@
   <p:clrMapOvr>
     <a:masterClrMapping/>
   </p:clrMapOvr>
-  <mc:AlternateContent xmlns:mc="http://schemas.openxmlformats.org/markup-compatibility/2006">
-    <mc:Choice xmlns:p14="http://schemas.microsoft.com/office/powerpoint/2010/main" Requires="p14">
+  <mc:AlternateContent xmlns:mc="http://schemas.openxmlformats.org/markup-compatibility/2006" xmlns:p14="http://schemas.microsoft.com/office/powerpoint/2010/main">
+    <mc:Choice Requires="p14">
       <p:transition spd="med" p14:dur="700" advClick="0">
         <p:fade/>
       </p:transition>
     </mc:Choice>
-    <mc:Fallback>
+    <mc:Fallback xmlns="">
       <p:transition spd="med" advClick="0">
         <p:fade/>
       </p:transition>
@@ -33385,13 +33385,13 @@
   <p:clrMapOvr>
     <a:masterClrMapping/>
   </p:clrMapOvr>
-  <mc:AlternateContent xmlns:mc="http://schemas.openxmlformats.org/markup-compatibility/2006">
-    <mc:Choice xmlns:p159="http://schemas.microsoft.com/office/powerpoint/2015/09/main" Requires="p159">
+  <mc:AlternateContent xmlns:mc="http://schemas.openxmlformats.org/markup-compatibility/2006" xmlns:p159="http://schemas.microsoft.com/office/powerpoint/2015/09/main">
+    <mc:Choice Requires="p159">
       <p:transition xmlns:p14="http://schemas.microsoft.com/office/powerpoint/2010/main" spd="slow" p14:dur="2000">
         <p159:morph option="byObject"/>
       </p:transition>
     </mc:Choice>
-    <mc:Fallback>
+    <mc:Fallback xmlns="">
       <p:transition spd="slow">
         <p:fade/>
       </p:transition>
@@ -33594,13 +33594,13 @@
   <p:clrMapOvr>
     <a:masterClrMapping/>
   </p:clrMapOvr>
-  <mc:AlternateContent xmlns:mc="http://schemas.openxmlformats.org/markup-compatibility/2006">
-    <mc:Choice xmlns:p159="http://schemas.microsoft.com/office/powerpoint/2015/09/main" Requires="p159">
+  <mc:AlternateContent xmlns:mc="http://schemas.openxmlformats.org/markup-compatibility/2006" xmlns:p159="http://schemas.microsoft.com/office/powerpoint/2015/09/main">
+    <mc:Choice Requires="p159">
       <p:transition xmlns:p14="http://schemas.microsoft.com/office/powerpoint/2010/main" spd="slow" p14:dur="2000">
         <p159:morph option="byObject"/>
       </p:transition>
     </mc:Choice>
-    <mc:Fallback>
+    <mc:Fallback xmlns="">
       <p:transition spd="slow">
         <p:fade/>
       </p:transition>
@@ -33976,13 +33976,13 @@
   <p:clrMapOvr>
     <a:masterClrMapping/>
   </p:clrMapOvr>
-  <mc:AlternateContent xmlns:mc="http://schemas.openxmlformats.org/markup-compatibility/2006">
-    <mc:Choice xmlns:p159="http://schemas.microsoft.com/office/powerpoint/2015/09/main" Requires="p159">
+  <mc:AlternateContent xmlns:mc="http://schemas.openxmlformats.org/markup-compatibility/2006" xmlns:p159="http://schemas.microsoft.com/office/powerpoint/2015/09/main">
+    <mc:Choice Requires="p159">
       <p:transition xmlns:p14="http://schemas.microsoft.com/office/powerpoint/2010/main" spd="slow" p14:dur="2000">
         <p159:morph option="byObject"/>
       </p:transition>
     </mc:Choice>
-    <mc:Fallback>
+    <mc:Fallback xmlns="">
       <p:transition spd="slow">
         <p:fade/>
       </p:transition>
@@ -34294,13 +34294,13 @@
   <p:clrMapOvr>
     <a:masterClrMapping/>
   </p:clrMapOvr>
-  <mc:AlternateContent xmlns:mc="http://schemas.openxmlformats.org/markup-compatibility/2006">
-    <mc:Choice xmlns:p159="http://schemas.microsoft.com/office/powerpoint/2015/09/main" Requires="p159">
+  <mc:AlternateContent xmlns:mc="http://schemas.openxmlformats.org/markup-compatibility/2006" xmlns:p159="http://schemas.microsoft.com/office/powerpoint/2015/09/main">
+    <mc:Choice Requires="p159">
       <p:transition xmlns:p14="http://schemas.microsoft.com/office/powerpoint/2010/main" spd="slow" p14:dur="2000">
         <p159:morph option="byObject"/>
       </p:transition>
     </mc:Choice>
-    <mc:Fallback>
+    <mc:Fallback xmlns="">
       <p:transition spd="slow">
         <p:fade/>
       </p:transition>
@@ -34762,13 +34762,13 @@
   <p:clrMapOvr>
     <a:masterClrMapping/>
   </p:clrMapOvr>
-  <mc:AlternateContent xmlns:mc="http://schemas.openxmlformats.org/markup-compatibility/2006">
-    <mc:Choice xmlns:p159="http://schemas.microsoft.com/office/powerpoint/2015/09/main" Requires="p159">
+  <mc:AlternateContent xmlns:mc="http://schemas.openxmlformats.org/markup-compatibility/2006" xmlns:p159="http://schemas.microsoft.com/office/powerpoint/2015/09/main">
+    <mc:Choice Requires="p159">
       <p:transition xmlns:p14="http://schemas.microsoft.com/office/powerpoint/2010/main" spd="slow" p14:dur="2000" advClick="0">
         <p159:morph option="byObject"/>
       </p:transition>
     </mc:Choice>
-    <mc:Fallback>
+    <mc:Fallback xmlns="">
       <p:transition spd="slow" advClick="0">
         <p:fade/>
       </p:transition>
@@ -35248,13 +35248,13 @@
   <p:clrMapOvr>
     <a:masterClrMapping/>
   </p:clrMapOvr>
-  <mc:AlternateContent xmlns:mc="http://schemas.openxmlformats.org/markup-compatibility/2006">
-    <mc:Choice xmlns:p159="http://schemas.microsoft.com/office/powerpoint/2015/09/main" Requires="p159">
+  <mc:AlternateContent xmlns:mc="http://schemas.openxmlformats.org/markup-compatibility/2006" xmlns:p159="http://schemas.microsoft.com/office/powerpoint/2015/09/main">
+    <mc:Choice Requires="p159">
       <p:transition xmlns:p14="http://schemas.microsoft.com/office/powerpoint/2010/main" spd="slow" p14:dur="2000" advClick="0">
         <p159:morph option="byObject"/>
       </p:transition>
     </mc:Choice>
-    <mc:Fallback>
+    <mc:Fallback xmlns="">
       <p:transition spd="slow" advClick="0">
         <p:fade/>
       </p:transition>
@@ -36005,13 +36005,13 @@
   <p:clrMapOvr>
     <a:masterClrMapping/>
   </p:clrMapOvr>
-  <mc:AlternateContent xmlns:mc="http://schemas.openxmlformats.org/markup-compatibility/2006">
-    <mc:Choice xmlns:p159="http://schemas.microsoft.com/office/powerpoint/2015/09/main" Requires="p159">
+  <mc:AlternateContent xmlns:mc="http://schemas.openxmlformats.org/markup-compatibility/2006" xmlns:p159="http://schemas.microsoft.com/office/powerpoint/2015/09/main">
+    <mc:Choice Requires="p159">
       <p:transition xmlns:p14="http://schemas.microsoft.com/office/powerpoint/2010/main" spd="slow" p14:dur="2000" advClick="0">
         <p159:morph option="byObject"/>
       </p:transition>
     </mc:Choice>
-    <mc:Fallback>
+    <mc:Fallback xmlns="">
       <p:transition spd="slow" advClick="0">
         <p:fade/>
       </p:transition>
@@ -36392,13 +36392,13 @@
   <p:clrMapOvr>
     <a:masterClrMapping/>
   </p:clrMapOvr>
-  <mc:AlternateContent xmlns:mc="http://schemas.openxmlformats.org/markup-compatibility/2006">
-    <mc:Choice xmlns:p159="http://schemas.microsoft.com/office/powerpoint/2015/09/main" Requires="p159">
+  <mc:AlternateContent xmlns:mc="http://schemas.openxmlformats.org/markup-compatibility/2006" xmlns:p159="http://schemas.microsoft.com/office/powerpoint/2015/09/main">
+    <mc:Choice Requires="p159">
       <p:transition xmlns:p14="http://schemas.microsoft.com/office/powerpoint/2010/main" spd="slow" p14:dur="2000" advClick="0">
         <p159:morph option="byObject"/>
       </p:transition>
     </mc:Choice>
-    <mc:Fallback>
+    <mc:Fallback xmlns="">
       <p:transition spd="slow" advClick="0">
         <p:fade/>
       </p:transition>
@@ -37133,20 +37133,20 @@
 </file>
 
 <file path=customXml/item1.xml><?xml version="1.0" encoding="utf-8"?>
-<p:properties xmlns:p="http://schemas.microsoft.com/office/2006/metadata/properties" xmlns:xsi="http://www.w3.org/2001/XMLSchema-instance" xmlns:pc="http://schemas.microsoft.com/office/infopath/2007/PartnerControls">
-  <documentManagement>
-    <MediaServiceKeyPoints xmlns="71af3243-3dd4-4a8d-8c0d-dd76da1f02a5" xsi:nil="true"/>
-  </documentManagement>
-</p:properties>
-</file>
-
-<file path=customXml/item2.xml><?xml version="1.0" encoding="utf-8"?>
 <?mso-contentType ?>
 <FormTemplates xmlns="http://schemas.microsoft.com/sharepoint/v3/contenttype/forms">
   <Display>DocumentLibraryForm</Display>
   <Edit>DocumentLibraryForm</Edit>
   <New>DocumentLibraryForm</New>
 </FormTemplates>
+</file>
+
+<file path=customXml/item2.xml><?xml version="1.0" encoding="utf-8"?>
+<p:properties xmlns:p="http://schemas.microsoft.com/office/2006/metadata/properties" xmlns:xsi="http://www.w3.org/2001/XMLSchema-instance" xmlns:pc="http://schemas.microsoft.com/office/infopath/2007/PartnerControls">
+  <documentManagement>
+    <MediaServiceKeyPoints xmlns="71af3243-3dd4-4a8d-8c0d-dd76da1f02a5" xsi:nil="true"/>
+  </documentManagement>
+</p:properties>
 </file>
 
 <file path=customXml/item3.xml><?xml version="1.0" encoding="utf-8"?>
@@ -37361,19 +37361,19 @@
 </file>
 
 <file path=customXml/itemProps1.xml><?xml version="1.0" encoding="utf-8"?>
+<ds:datastoreItem xmlns:ds="http://schemas.openxmlformats.org/officeDocument/2006/customXml" ds:itemID="{4F44C90D-2A62-4985-9618-3460247437B1}">
+  <ds:schemaRefs>
+    <ds:schemaRef ds:uri="http://schemas.microsoft.com/sharepoint/v3/contenttype/forms"/>
+  </ds:schemaRefs>
+</ds:datastoreItem>
+</file>
+
+<file path=customXml/itemProps2.xml><?xml version="1.0" encoding="utf-8"?>
 <ds:datastoreItem xmlns:ds="http://schemas.openxmlformats.org/officeDocument/2006/customXml" ds:itemID="{788A2F88-55C5-4ED1-9541-807C65424763}">
   <ds:schemaRefs>
     <ds:schemaRef ds:uri="http://schemas.microsoft.com/office/2006/metadata/properties"/>
     <ds:schemaRef ds:uri="http://schemas.microsoft.com/office/infopath/2007/PartnerControls"/>
     <ds:schemaRef ds:uri="71af3243-3dd4-4a8d-8c0d-dd76da1f02a5"/>
-  </ds:schemaRefs>
-</ds:datastoreItem>
-</file>
-
-<file path=customXml/itemProps2.xml><?xml version="1.0" encoding="utf-8"?>
-<ds:datastoreItem xmlns:ds="http://schemas.openxmlformats.org/officeDocument/2006/customXml" ds:itemID="{4F44C90D-2A62-4985-9618-3460247437B1}">
-  <ds:schemaRefs>
-    <ds:schemaRef ds:uri="http://schemas.microsoft.com/sharepoint/v3/contenttype/forms"/>
   </ds:schemaRefs>
 </ds:datastoreItem>
 </file>

--- a/Documentation/home_nurse.pptx
+++ b/Documentation/home_nurse.pptx
@@ -5,7 +5,7 @@
     <p:sldMasterId id="2147483648" r:id="rId4"/>
   </p:sldMasterIdLst>
   <p:notesMasterIdLst>
-    <p:notesMasterId r:id="rId35"/>
+    <p:notesMasterId r:id="rId39"/>
   </p:notesMasterIdLst>
   <p:sldIdLst>
     <p:sldId id="256" r:id="rId5"/>
@@ -17,27 +17,31 @@
     <p:sldId id="282" r:id="rId11"/>
     <p:sldId id="284" r:id="rId12"/>
     <p:sldId id="285" r:id="rId13"/>
-    <p:sldId id="286" r:id="rId14"/>
-    <p:sldId id="304" r:id="rId15"/>
-    <p:sldId id="288" r:id="rId16"/>
-    <p:sldId id="289" r:id="rId17"/>
-    <p:sldId id="291" r:id="rId18"/>
-    <p:sldId id="292" r:id="rId19"/>
-    <p:sldId id="293" r:id="rId20"/>
-    <p:sldId id="294" r:id="rId21"/>
-    <p:sldId id="311" r:id="rId22"/>
-    <p:sldId id="312" r:id="rId23"/>
-    <p:sldId id="313" r:id="rId24"/>
-    <p:sldId id="314" r:id="rId25"/>
-    <p:sldId id="315" r:id="rId26"/>
-    <p:sldId id="316" r:id="rId27"/>
-    <p:sldId id="303" r:id="rId28"/>
-    <p:sldId id="305" r:id="rId29"/>
-    <p:sldId id="306" r:id="rId30"/>
-    <p:sldId id="307" r:id="rId31"/>
-    <p:sldId id="308" r:id="rId32"/>
-    <p:sldId id="309" r:id="rId33"/>
-    <p:sldId id="310" r:id="rId34"/>
+    <p:sldId id="319" r:id="rId14"/>
+    <p:sldId id="318" r:id="rId15"/>
+    <p:sldId id="286" r:id="rId16"/>
+    <p:sldId id="317" r:id="rId17"/>
+    <p:sldId id="288" r:id="rId18"/>
+    <p:sldId id="289" r:id="rId19"/>
+    <p:sldId id="291" r:id="rId20"/>
+    <p:sldId id="292" r:id="rId21"/>
+    <p:sldId id="293" r:id="rId22"/>
+    <p:sldId id="294" r:id="rId23"/>
+    <p:sldId id="311" r:id="rId24"/>
+    <p:sldId id="312" r:id="rId25"/>
+    <p:sldId id="313" r:id="rId26"/>
+    <p:sldId id="320" r:id="rId27"/>
+    <p:sldId id="315" r:id="rId28"/>
+    <p:sldId id="316" r:id="rId29"/>
+    <p:sldId id="303" r:id="rId30"/>
+    <p:sldId id="305" r:id="rId31"/>
+    <p:sldId id="306" r:id="rId32"/>
+    <p:sldId id="321" r:id="rId33"/>
+    <p:sldId id="322" r:id="rId34"/>
+    <p:sldId id="307" r:id="rId35"/>
+    <p:sldId id="308" r:id="rId36"/>
+    <p:sldId id="309" r:id="rId37"/>
+    <p:sldId id="310" r:id="rId38"/>
   </p:sldIdLst>
   <p:sldSz cx="12192000" cy="6858000"/>
   <p:notesSz cx="6858000" cy="9144000"/>
@@ -226,7 +230,7 @@
           <a:p>
             <a:fld id="{C452ADB1-275D-430A-89EE-5C7E6CFF6FF2}" type="datetimeFigureOut">
               <a:rPr lang="en-US" smtClean="0"/>
-              <a:t>10/14/21</a:t>
+              <a:t>10/18/21</a:t>
             </a:fld>
             <a:endParaRPr lang="en-US" dirty="0"/>
           </a:p>
@@ -9286,7 +9290,7 @@
           <a:p>
             <a:fld id="{7005E26E-BCB2-4FD5-8FD5-81A5EAE94C21}" type="datetime1">
               <a:rPr lang="en-US" smtClean="0"/>
-              <a:t>10/14/21</a:t>
+              <a:t>10/18/21</a:t>
             </a:fld>
             <a:endParaRPr lang="en-US" dirty="0"/>
           </a:p>
@@ -9488,7 +9492,7 @@
           <a:p>
             <a:fld id="{9CC2E9B8-0487-42E4-B571-744A3D775783}" type="datetime1">
               <a:rPr lang="en-US" smtClean="0"/>
-              <a:t>10/14/21</a:t>
+              <a:t>10/18/21</a:t>
             </a:fld>
             <a:endParaRPr lang="en-US" dirty="0"/>
           </a:p>
@@ -9663,7 +9667,7 @@
           <a:p>
             <a:fld id="{9052E32D-1E84-43FD-8158-FFFE757EB0E8}" type="datetime1">
               <a:rPr lang="en-US" smtClean="0"/>
-              <a:t>10/14/21</a:t>
+              <a:t>10/18/21</a:t>
             </a:fld>
             <a:endParaRPr lang="en-US" dirty="0"/>
           </a:p>
@@ -9863,7 +9867,7 @@
           <a:p>
             <a:fld id="{8585C470-CD19-455C-B830-6D252EAD7FE5}" type="datetime1">
               <a:rPr lang="en-US" smtClean="0"/>
-              <a:t>10/14/21</a:t>
+              <a:t>10/18/21</a:t>
             </a:fld>
             <a:endParaRPr lang="en-US" dirty="0"/>
           </a:p>
@@ -18756,7 +18760,7 @@
           <a:p>
             <a:fld id="{7F85C43C-50D9-4F49-A136-0EFF292F93ED}" type="datetime1">
               <a:rPr lang="en-US" smtClean="0"/>
-              <a:t>10/14/21</a:t>
+              <a:t>10/18/21</a:t>
             </a:fld>
             <a:endParaRPr lang="en-US" dirty="0"/>
           </a:p>
@@ -19025,7 +19029,7 @@
           <a:p>
             <a:fld id="{7B53B1A3-0AEF-4064-A724-D27D660C8653}" type="datetime1">
               <a:rPr lang="en-US" smtClean="0"/>
-              <a:t>10/14/21</a:t>
+              <a:t>10/18/21</a:t>
             </a:fld>
             <a:endParaRPr lang="en-US" dirty="0"/>
           </a:p>
@@ -19418,7 +19422,7 @@
           <a:p>
             <a:fld id="{37D5D0F2-BF66-4A24-9384-A0129B196518}" type="datetime1">
               <a:rPr lang="en-US" smtClean="0"/>
-              <a:t>10/14/21</a:t>
+              <a:t>10/18/21</a:t>
             </a:fld>
             <a:endParaRPr lang="en-US" dirty="0"/>
           </a:p>
@@ -19531,7 +19535,7 @@
           <a:p>
             <a:fld id="{8C318A6C-4F6B-48D2-BDB0-D7413B3FDB0A}" type="datetime1">
               <a:rPr lang="en-US" smtClean="0"/>
-              <a:t>10/14/21</a:t>
+              <a:t>10/18/21</a:t>
             </a:fld>
             <a:endParaRPr lang="en-US" dirty="0"/>
           </a:p>
@@ -19621,7 +19625,7 @@
           <a:p>
             <a:fld id="{BF01ECED-6ECE-4989-B917-9D4D7E6D3C76}" type="datetime1">
               <a:rPr lang="en-US" smtClean="0"/>
-              <a:t>10/14/21</a:t>
+              <a:t>10/18/21</a:t>
             </a:fld>
             <a:endParaRPr lang="en-US" dirty="0"/>
           </a:p>
@@ -19906,7 +19910,7 @@
           <a:p>
             <a:fld id="{E3B570E1-CB40-488E-8C6F-EF4211DFFCB0}" type="datetime1">
               <a:rPr lang="en-US" smtClean="0"/>
-              <a:t>10/14/21</a:t>
+              <a:t>10/18/21</a:t>
             </a:fld>
             <a:endParaRPr lang="en-US" dirty="0"/>
           </a:p>
@@ -20181,7 +20185,7 @@
           <a:p>
             <a:fld id="{D1CEB6AF-9F5C-43BE-879E-CB9514111250}" type="datetime1">
               <a:rPr lang="en-US" smtClean="0"/>
-              <a:t>10/14/21</a:t>
+              <a:t>10/18/21</a:t>
             </a:fld>
             <a:endParaRPr lang="en-US" dirty="0"/>
           </a:p>
@@ -20426,7 +20430,7 @@
           <a:p>
             <a:fld id="{E7EE424C-FCA3-4EDD-B274-8E055D649B7D}" type="datetime1">
               <a:rPr lang="en-US" smtClean="0"/>
-              <a:t>10/14/21</a:t>
+              <a:t>10/18/21</a:t>
             </a:fld>
             <a:endParaRPr lang="en-US" dirty="0"/>
           </a:p>
@@ -21299,10 +21303,10 @@
       </p:sp>
       <p:pic>
         <p:nvPicPr>
-          <p:cNvPr id="7" name="Picture 6">
+          <p:cNvPr id="6" name="Picture 5">
             <a:extLst>
               <a:ext uri="{FF2B5EF4-FFF2-40B4-BE49-F238E27FC236}">
-                <a16:creationId xmlns:a16="http://schemas.microsoft.com/office/drawing/2014/main" id="{7D3CE93C-326F-8543-B2B4-BD982CD5DFCA}"/>
+                <a16:creationId xmlns:a16="http://schemas.microsoft.com/office/drawing/2014/main" id="{F4527C34-6B8B-5644-8D81-8FDE7CF71BFC}"/>
               </a:ext>
             </a:extLst>
           </p:cNvPr>
@@ -21319,32 +21323,227 @@
         </p:blipFill>
         <p:spPr>
           <a:xfrm>
-            <a:off x="2270339" y="1705585"/>
-            <a:ext cx="7728623" cy="5152415"/>
+            <a:off x="2231687" y="1705583"/>
+            <a:ext cx="7728626" cy="5152417"/>
           </a:xfrm>
           <a:prstGeom prst="rect">
             <a:avLst/>
           </a:prstGeom>
         </p:spPr>
       </p:pic>
+      <p:sp>
+        <p:nvSpPr>
+          <p:cNvPr id="4" name="Rectangle 3">
+            <a:extLst>
+              <a:ext uri="{FF2B5EF4-FFF2-40B4-BE49-F238E27FC236}">
+                <a16:creationId xmlns:a16="http://schemas.microsoft.com/office/drawing/2014/main" id="{C7FF5217-F105-544D-AC46-ACAB944D4F33}"/>
+              </a:ext>
+            </a:extLst>
+          </p:cNvPr>
+          <p:cNvSpPr/>
+          <p:nvPr/>
+        </p:nvSpPr>
+        <p:spPr>
+          <a:xfrm>
+            <a:off x="0" y="0"/>
+            <a:ext cx="12192000" cy="6858000"/>
+          </a:xfrm>
+          <a:prstGeom prst="rect">
+            <a:avLst/>
+          </a:prstGeom>
+          <a:solidFill>
+            <a:schemeClr val="dk1">
+              <a:alpha val="54695"/>
+            </a:schemeClr>
+          </a:solidFill>
+        </p:spPr>
+        <p:style>
+          <a:lnRef idx="2">
+            <a:schemeClr val="dk1">
+              <a:shade val="50000"/>
+            </a:schemeClr>
+          </a:lnRef>
+          <a:fillRef idx="1">
+            <a:schemeClr val="dk1"/>
+          </a:fillRef>
+          <a:effectRef idx="0">
+            <a:schemeClr val="dk1"/>
+          </a:effectRef>
+          <a:fontRef idx="minor">
+            <a:schemeClr val="lt1"/>
+          </a:fontRef>
+        </p:style>
+        <p:txBody>
+          <a:bodyPr rtlCol="0" anchor="ctr"/>
+          <a:lstStyle/>
+          <a:p>
+            <a:pPr algn="ctr"/>
+            <a:endParaRPr lang="en-US" dirty="0"/>
+          </a:p>
+        </p:txBody>
+      </p:sp>
+      <p:sp>
+        <p:nvSpPr>
+          <p:cNvPr id="5" name="Rectangle 4">
+            <a:extLst>
+              <a:ext uri="{FF2B5EF4-FFF2-40B4-BE49-F238E27FC236}">
+                <a16:creationId xmlns:a16="http://schemas.microsoft.com/office/drawing/2014/main" id="{31EBCB3B-8EC7-EB46-ABD5-9325BAD03D59}"/>
+              </a:ext>
+            </a:extLst>
+          </p:cNvPr>
+          <p:cNvSpPr/>
+          <p:nvPr/>
+        </p:nvSpPr>
+        <p:spPr>
+          <a:xfrm>
+            <a:off x="6096000" y="0"/>
+            <a:ext cx="6096000" cy="6858000"/>
+          </a:xfrm>
+          <a:prstGeom prst="rect">
+            <a:avLst/>
+          </a:prstGeom>
+          <a:solidFill>
+            <a:schemeClr val="accent1"/>
+          </a:solidFill>
+          <a:ln>
+            <a:solidFill>
+              <a:schemeClr val="accent1"/>
+            </a:solidFill>
+          </a:ln>
+        </p:spPr>
+        <p:style>
+          <a:lnRef idx="2">
+            <a:schemeClr val="accent1">
+              <a:shade val="50000"/>
+            </a:schemeClr>
+          </a:lnRef>
+          <a:fillRef idx="1">
+            <a:schemeClr val="accent1"/>
+          </a:fillRef>
+          <a:effectRef idx="0">
+            <a:schemeClr val="accent1"/>
+          </a:effectRef>
+          <a:fontRef idx="minor">
+            <a:schemeClr val="lt1"/>
+          </a:fontRef>
+        </p:style>
+        <p:txBody>
+          <a:bodyPr rtlCol="0" anchor="ctr"/>
+          <a:lstStyle/>
+          <a:p>
+            <a:pPr lvl="1" algn="just"/>
+            <a:endParaRPr lang="en-US" dirty="0"/>
+          </a:p>
+        </p:txBody>
+      </p:sp>
+      <p:sp>
+        <p:nvSpPr>
+          <p:cNvPr id="3" name="TextBox 2">
+            <a:extLst>
+              <a:ext uri="{FF2B5EF4-FFF2-40B4-BE49-F238E27FC236}">
+                <a16:creationId xmlns:a16="http://schemas.microsoft.com/office/drawing/2014/main" id="{DFC537CF-97EF-B540-B692-B6A481AC1FCF}"/>
+              </a:ext>
+            </a:extLst>
+          </p:cNvPr>
+          <p:cNvSpPr txBox="1"/>
+          <p:nvPr/>
+        </p:nvSpPr>
+        <p:spPr>
+          <a:xfrm>
+            <a:off x="6096001" y="1614143"/>
+            <a:ext cx="5699759" cy="3693319"/>
+          </a:xfrm>
+          <a:prstGeom prst="rect">
+            <a:avLst/>
+          </a:prstGeom>
+          <a:noFill/>
+        </p:spPr>
+        <p:txBody>
+          <a:bodyPr wrap="square" rtlCol="0">
+            <a:spAutoFit/>
+          </a:bodyPr>
+          <a:lstStyle/>
+          <a:p>
+            <a:pPr lvl="1" algn="just"/>
+            <a:r>
+              <a:rPr lang="en-US" b="1" dirty="0">
+                <a:solidFill>
+                  <a:schemeClr val="accent2">
+                    <a:lumMod val="60000"/>
+                    <a:lumOff val="40000"/>
+                  </a:schemeClr>
+                </a:solidFill>
+              </a:rPr>
+              <a:t>Purpose of this plot:</a:t>
+            </a:r>
+          </a:p>
+          <a:p>
+            <a:pPr lvl="1" algn="just"/>
+            <a:r>
+              <a:rPr lang="en-US" dirty="0">
+                <a:solidFill>
+                  <a:schemeClr val="accent2">
+                    <a:lumMod val="60000"/>
+                    <a:lumOff val="40000"/>
+                  </a:schemeClr>
+                </a:solidFill>
+              </a:rPr>
+              <a:t>The empirical distribution is real shape of distribution that is based on MDS quality measure. The statistical descriptive shows the comparison between empirical and theoretical distribution. Both shapes should be similar. But this test shows that both shapes are not similar at all.</a:t>
+            </a:r>
+          </a:p>
+          <a:p>
+            <a:pPr lvl="1" algn="just"/>
+            <a:endParaRPr lang="en-US" dirty="0">
+              <a:solidFill>
+                <a:schemeClr val="accent2">
+                  <a:lumMod val="60000"/>
+                  <a:lumOff val="40000"/>
+                </a:schemeClr>
+              </a:solidFill>
+            </a:endParaRPr>
+          </a:p>
+          <a:p>
+            <a:pPr lvl="1" algn="just"/>
+            <a:r>
+              <a:rPr lang="en-US" b="1" dirty="0">
+                <a:solidFill>
+                  <a:schemeClr val="bg1"/>
+                </a:solidFill>
+              </a:rPr>
+              <a:t>But why am I doing this plot?:</a:t>
+            </a:r>
+          </a:p>
+          <a:p>
+            <a:pPr lvl="1" algn="just"/>
+            <a:r>
+              <a:rPr lang="en-US" dirty="0">
+                <a:solidFill>
+                  <a:schemeClr val="bg1"/>
+                </a:solidFill>
+              </a:rPr>
+              <a:t>Normally, you want to test hypothesis to see if difference is statistically significant using Central Limit Theorem or any parametric tests. But this analysis shows that this method won’t work.</a:t>
+            </a:r>
+          </a:p>
+        </p:txBody>
+      </p:sp>
     </p:spTree>
     <p:extLst>
       <p:ext uri="{BB962C8B-B14F-4D97-AF65-F5344CB8AC3E}">
-        <p14:creationId xmlns:p14="http://schemas.microsoft.com/office/powerpoint/2010/main" val="824161773"/>
+        <p14:creationId xmlns:p14="http://schemas.microsoft.com/office/powerpoint/2010/main" val="1241961406"/>
       </p:ext>
     </p:extLst>
   </p:cSld>
   <p:clrMapOvr>
     <a:masterClrMapping/>
   </p:clrMapOvr>
-  <mc:AlternateContent xmlns:mc="http://schemas.openxmlformats.org/markup-compatibility/2006" xmlns:p159="http://schemas.microsoft.com/office/powerpoint/2015/09/main">
-    <mc:Choice Requires="p159">
-      <p:transition xmlns:p14="http://schemas.microsoft.com/office/powerpoint/2010/main" spd="slow" p14:dur="2000" advClick="0">
-        <p159:morph option="byObject"/>
+  <mc:AlternateContent xmlns:mc="http://schemas.openxmlformats.org/markup-compatibility/2006">
+    <mc:Choice xmlns:p14="http://schemas.microsoft.com/office/powerpoint/2010/main" Requires="p14">
+      <p:transition spd="med" p14:dur="700" advClick="0">
+        <p:fade/>
       </p:transition>
     </mc:Choice>
-    <mc:Fallback xmlns="">
-      <p:transition spd="slow" advClick="0">
+    <mc:Fallback>
+      <p:transition spd="med" advClick="0">
         <p:fade/>
       </p:transition>
     </mc:Fallback>
@@ -21404,10 +21603,10 @@
       </p:sp>
       <p:pic>
         <p:nvPicPr>
-          <p:cNvPr id="7" name="Picture 6">
+          <p:cNvPr id="6" name="Picture 5">
             <a:extLst>
               <a:ext uri="{FF2B5EF4-FFF2-40B4-BE49-F238E27FC236}">
-                <a16:creationId xmlns:a16="http://schemas.microsoft.com/office/drawing/2014/main" id="{7D3CE93C-326F-8543-B2B4-BD982CD5DFCA}"/>
+                <a16:creationId xmlns:a16="http://schemas.microsoft.com/office/drawing/2014/main" id="{F4527C34-6B8B-5644-8D81-8FDE7CF71BFC}"/>
               </a:ext>
             </a:extLst>
           </p:cNvPr>
@@ -21424,8 +21623,8 @@
         </p:blipFill>
         <p:spPr>
           <a:xfrm>
-            <a:off x="2270339" y="1705585"/>
-            <a:ext cx="7728623" cy="5152415"/>
+            <a:off x="2231687" y="1705583"/>
+            <a:ext cx="7728626" cy="5152417"/>
           </a:xfrm>
           <a:prstGeom prst="rect">
             <a:avLst/>
@@ -21437,7 +21636,7 @@
           <p:cNvPr id="4" name="Rectangle 3">
             <a:extLst>
               <a:ext uri="{FF2B5EF4-FFF2-40B4-BE49-F238E27FC236}">
-                <a16:creationId xmlns:a16="http://schemas.microsoft.com/office/drawing/2014/main" id="{E4D32A4F-EAEB-9646-BA06-678818FF3AC9}"/>
+                <a16:creationId xmlns:a16="http://schemas.microsoft.com/office/drawing/2014/main" id="{C7FF5217-F105-544D-AC46-ACAB944D4F33}"/>
               </a:ext>
             </a:extLst>
           </p:cNvPr>
@@ -21479,16 +21678,497 @@
           <a:lstStyle/>
           <a:p>
             <a:pPr algn="ctr"/>
+            <a:endParaRPr lang="en-US" dirty="0"/>
+          </a:p>
+        </p:txBody>
+      </p:sp>
+      <p:sp>
+        <p:nvSpPr>
+          <p:cNvPr id="9" name="Rectangle 8">
+            <a:extLst>
+              <a:ext uri="{FF2B5EF4-FFF2-40B4-BE49-F238E27FC236}">
+                <a16:creationId xmlns:a16="http://schemas.microsoft.com/office/drawing/2014/main" id="{75D7BD6E-028F-5542-A8CF-879A2535B980}"/>
+              </a:ext>
+            </a:extLst>
+          </p:cNvPr>
+          <p:cNvSpPr/>
+          <p:nvPr/>
+        </p:nvSpPr>
+        <p:spPr>
+          <a:xfrm>
+            <a:off x="-1" y="0"/>
+            <a:ext cx="6096000" cy="6858000"/>
+          </a:xfrm>
+          <a:prstGeom prst="rect">
+            <a:avLst/>
+          </a:prstGeom>
+          <a:solidFill>
+            <a:schemeClr val="accent1"/>
+          </a:solidFill>
+          <a:ln>
+            <a:solidFill>
+              <a:schemeClr val="accent1"/>
+            </a:solidFill>
+          </a:ln>
+        </p:spPr>
+        <p:style>
+          <a:lnRef idx="2">
+            <a:schemeClr val="accent1">
+              <a:shade val="50000"/>
+            </a:schemeClr>
+          </a:lnRef>
+          <a:fillRef idx="1">
+            <a:schemeClr val="accent1"/>
+          </a:fillRef>
+          <a:effectRef idx="0">
+            <a:schemeClr val="accent1"/>
+          </a:effectRef>
+          <a:fontRef idx="minor">
+            <a:schemeClr val="lt1"/>
+          </a:fontRef>
+        </p:style>
+        <p:txBody>
+          <a:bodyPr rtlCol="0" anchor="ctr"/>
+          <a:lstStyle/>
+          <a:p>
+            <a:pPr lvl="1" algn="just"/>
+            <a:endParaRPr lang="en-US" dirty="0"/>
+          </a:p>
+        </p:txBody>
+      </p:sp>
+      <p:sp>
+        <p:nvSpPr>
+          <p:cNvPr id="10" name="TextBox 9">
+            <a:extLst>
+              <a:ext uri="{FF2B5EF4-FFF2-40B4-BE49-F238E27FC236}">
+                <a16:creationId xmlns:a16="http://schemas.microsoft.com/office/drawing/2014/main" id="{389043BC-43E8-324E-8998-B8FF9AABBB61}"/>
+              </a:ext>
+            </a:extLst>
+          </p:cNvPr>
+          <p:cNvSpPr txBox="1"/>
+          <p:nvPr/>
+        </p:nvSpPr>
+        <p:spPr>
+          <a:xfrm>
+            <a:off x="0" y="1614143"/>
+            <a:ext cx="5699759" cy="3693319"/>
+          </a:xfrm>
+          <a:prstGeom prst="rect">
+            <a:avLst/>
+          </a:prstGeom>
+          <a:noFill/>
+        </p:spPr>
+        <p:txBody>
+          <a:bodyPr wrap="square" rtlCol="0">
+            <a:spAutoFit/>
+          </a:bodyPr>
+          <a:lstStyle/>
+          <a:p>
+            <a:pPr lvl="1" algn="just"/>
+            <a:r>
+              <a:rPr lang="en-US" b="1" dirty="0">
+                <a:solidFill>
+                  <a:prstClr val="white"/>
+                </a:solidFill>
+              </a:rPr>
+              <a:t>Theoretical Distribution:</a:t>
+            </a:r>
+          </a:p>
+          <a:p>
+            <a:pPr lvl="1" algn="just"/>
+            <a:r>
+              <a:rPr lang="en-US" dirty="0">
+                <a:solidFill>
+                  <a:prstClr val="white"/>
+                </a:solidFill>
+              </a:rPr>
+              <a:t>The theoretical distribution is called </a:t>
+            </a:r>
+            <a:r>
+              <a:rPr lang="en-US" i="1" dirty="0">
+                <a:solidFill>
+                  <a:prstClr val="white"/>
+                </a:solidFill>
+              </a:rPr>
+              <a:t>Beta </a:t>
+            </a:r>
+            <a:r>
+              <a:rPr lang="en-US" dirty="0">
+                <a:solidFill>
+                  <a:prstClr val="white"/>
+                </a:solidFill>
+              </a:rPr>
+              <a:t>distribution that is in use. This distribution is a continuous version of binomial, which is suitable for this test.</a:t>
+            </a:r>
+          </a:p>
+          <a:p>
+            <a:pPr lvl="1" algn="just"/>
+            <a:endParaRPr lang="en-US" b="1" dirty="0">
+              <a:solidFill>
+                <a:prstClr val="white"/>
+              </a:solidFill>
+            </a:endParaRPr>
+          </a:p>
+          <a:p>
+            <a:pPr lvl="1" algn="just"/>
+            <a:r>
+              <a:rPr lang="en-US" b="1" dirty="0">
+                <a:solidFill>
+                  <a:prstClr val="white"/>
+                </a:solidFill>
+              </a:rPr>
+              <a:t>Empirical Distribution:</a:t>
+            </a:r>
+          </a:p>
+          <a:p>
+            <a:pPr marL="742950" lvl="1" indent="-285750" algn="just">
+              <a:buFont typeface="Arial" panose="020B0604020202020204" pitchFamily="34" charset="0"/>
+              <a:buChar char="•"/>
+            </a:pPr>
+            <a:r>
+              <a:rPr lang="en-US" dirty="0">
+                <a:solidFill>
+                  <a:prstClr val="white"/>
+                </a:solidFill>
+              </a:rPr>
+              <a:t>Continuous</a:t>
+            </a:r>
+          </a:p>
+          <a:p>
+            <a:pPr marL="742950" lvl="1" indent="-285750" algn="just">
+              <a:buFont typeface="Arial" panose="020B0604020202020204" pitchFamily="34" charset="0"/>
+              <a:buChar char="•"/>
+            </a:pPr>
+            <a:r>
+              <a:rPr lang="el-GR" dirty="0">
+                <a:solidFill>
+                  <a:prstClr val="white"/>
+                </a:solidFill>
+              </a:rPr>
+              <a:t>ε(0,100)</a:t>
+            </a:r>
+            <a:endParaRPr lang="en-US" dirty="0">
+              <a:solidFill>
+                <a:prstClr val="white"/>
+              </a:solidFill>
+            </a:endParaRPr>
+          </a:p>
+          <a:p>
+            <a:pPr marL="742950" lvl="1" indent="-285750" algn="just">
+              <a:buFont typeface="Arial" panose="020B0604020202020204" pitchFamily="34" charset="0"/>
+              <a:buChar char="•"/>
+            </a:pPr>
+            <a:r>
+              <a:rPr lang="en-US" dirty="0">
+                <a:solidFill>
+                  <a:prstClr val="white"/>
+                </a:solidFill>
+              </a:rPr>
+              <a:t>Cross-sectional</a:t>
+            </a:r>
+          </a:p>
+          <a:p>
+            <a:pPr marL="742950" lvl="1" indent="-285750" algn="just">
+              <a:buFont typeface="Arial" panose="020B0604020202020204" pitchFamily="34" charset="0"/>
+              <a:buChar char="•"/>
+            </a:pPr>
+            <a:r>
+              <a:rPr lang="en-US" dirty="0">
+                <a:solidFill>
+                  <a:prstClr val="white"/>
+                </a:solidFill>
+              </a:rPr>
+              <a:t>Bimodally distributed</a:t>
+            </a:r>
+          </a:p>
+          <a:p>
+            <a:pPr lvl="1" algn="just"/>
+            <a:endParaRPr lang="en-US" dirty="0">
+              <a:solidFill>
+                <a:prstClr val="white"/>
+              </a:solidFill>
+            </a:endParaRPr>
+          </a:p>
+          <a:p>
+            <a:pPr lvl="1" algn="just"/>
+            <a:r>
+              <a:rPr lang="en-US" dirty="0">
+                <a:solidFill>
+                  <a:prstClr val="white"/>
+                </a:solidFill>
+              </a:rPr>
+              <a:t>This empirical distribution has limited range from 0 to 100, and continuous. This distribution is cross-sectional.</a:t>
+            </a:r>
+          </a:p>
+        </p:txBody>
+      </p:sp>
+    </p:spTree>
+    <p:extLst>
+      <p:ext uri="{BB962C8B-B14F-4D97-AF65-F5344CB8AC3E}">
+        <p14:creationId xmlns:p14="http://schemas.microsoft.com/office/powerpoint/2010/main" val="2092549550"/>
+      </p:ext>
+    </p:extLst>
+  </p:cSld>
+  <p:clrMapOvr>
+    <a:masterClrMapping/>
+  </p:clrMapOvr>
+  <mc:AlternateContent xmlns:mc="http://schemas.openxmlformats.org/markup-compatibility/2006" xmlns:p159="http://schemas.microsoft.com/office/powerpoint/2015/09/main">
+    <mc:Choice Requires="p159">
+      <p:transition xmlns:p14="http://schemas.microsoft.com/office/powerpoint/2010/main" spd="slow" p14:dur="2000" advClick="0">
+        <p159:morph option="byObject"/>
+      </p:transition>
+    </mc:Choice>
+    <mc:Fallback xmlns="">
+      <p:transition spd="slow" advClick="0">
+        <p:fade/>
+      </p:transition>
+    </mc:Fallback>
+  </mc:AlternateContent>
+</p:sld>
+</file>
+
+<file path=ppt/slides/slide12.xml><?xml version="1.0" encoding="utf-8"?>
+<p:sld xmlns:a="http://schemas.openxmlformats.org/drawingml/2006/main" xmlns:r="http://schemas.openxmlformats.org/officeDocument/2006/relationships" xmlns:p="http://schemas.openxmlformats.org/presentationml/2006/main">
+  <p:cSld>
+    <p:spTree>
+      <p:nvGrpSpPr>
+        <p:cNvPr id="1" name=""/>
+        <p:cNvGrpSpPr/>
+        <p:nvPr/>
+      </p:nvGrpSpPr>
+      <p:grpSpPr>
+        <a:xfrm>
+          <a:off x="0" y="0"/>
+          <a:ext cx="0" cy="0"/>
+          <a:chOff x="0" y="0"/>
+          <a:chExt cx="0" cy="0"/>
+        </a:xfrm>
+      </p:grpSpPr>
+      <p:pic>
+        <p:nvPicPr>
+          <p:cNvPr id="4" name="Picture 3">
+            <a:extLst>
+              <a:ext uri="{FF2B5EF4-FFF2-40B4-BE49-F238E27FC236}">
+                <a16:creationId xmlns:a16="http://schemas.microsoft.com/office/drawing/2014/main" id="{F27D9567-D341-DA40-9A52-62552D9103BB}"/>
+              </a:ext>
+            </a:extLst>
+          </p:cNvPr>
+          <p:cNvPicPr>
+            <a:picLocks noChangeAspect="1"/>
+          </p:cNvPicPr>
+          <p:nvPr/>
+        </p:nvPicPr>
+        <p:blipFill>
+          <a:blip r:embed="rId2"/>
+          <a:stretch>
+            <a:fillRect/>
+          </a:stretch>
+        </p:blipFill>
+        <p:spPr>
+          <a:xfrm>
+            <a:off x="2193038" y="1705584"/>
+            <a:ext cx="7728622" cy="5152415"/>
+          </a:xfrm>
+          <a:prstGeom prst="rect">
+            <a:avLst/>
+          </a:prstGeom>
+        </p:spPr>
+      </p:pic>
+      <p:sp>
+        <p:nvSpPr>
+          <p:cNvPr id="2" name="Title 1">
+            <a:extLst>
+              <a:ext uri="{FF2B5EF4-FFF2-40B4-BE49-F238E27FC236}">
+                <a16:creationId xmlns:a16="http://schemas.microsoft.com/office/drawing/2014/main" id="{044BA6A0-EC7D-B243-95D3-A537C874F5BD}"/>
+              </a:ext>
+            </a:extLst>
+          </p:cNvPr>
+          <p:cNvSpPr>
+            <a:spLocks noGrp="1"/>
+          </p:cNvSpPr>
+          <p:nvPr>
+            <p:ph type="title"/>
+          </p:nvPr>
+        </p:nvSpPr>
+        <p:spPr>
+          <a:xfrm>
+            <a:off x="1024128" y="585216"/>
+            <a:ext cx="10221046" cy="1499616"/>
+          </a:xfrm>
+        </p:spPr>
+        <p:txBody>
+          <a:bodyPr/>
+          <a:lstStyle/>
+          <a:p>
+            <a:r>
+              <a:rPr lang="en-US" dirty="0"/>
+              <a:t>MDS Quality measure: Statistical descriptive</a:t>
+            </a:r>
+          </a:p>
+        </p:txBody>
+      </p:sp>
+    </p:spTree>
+    <p:extLst>
+      <p:ext uri="{BB962C8B-B14F-4D97-AF65-F5344CB8AC3E}">
+        <p14:creationId xmlns:p14="http://schemas.microsoft.com/office/powerpoint/2010/main" val="824161773"/>
+      </p:ext>
+    </p:extLst>
+  </p:cSld>
+  <p:clrMapOvr>
+    <a:masterClrMapping/>
+  </p:clrMapOvr>
+  <mc:AlternateContent xmlns:mc="http://schemas.openxmlformats.org/markup-compatibility/2006" xmlns:p159="http://schemas.microsoft.com/office/powerpoint/2015/09/main">
+    <mc:Choice Requires="p159">
+      <p:transition xmlns:p14="http://schemas.microsoft.com/office/powerpoint/2010/main" spd="slow" p14:dur="2000" advClick="0">
+        <p159:morph option="byObject"/>
+      </p:transition>
+    </mc:Choice>
+    <mc:Fallback xmlns="">
+      <p:transition spd="slow" advClick="0">
+        <p:fade/>
+      </p:transition>
+    </mc:Fallback>
+  </mc:AlternateContent>
+</p:sld>
+</file>
+
+<file path=ppt/slides/slide13.xml><?xml version="1.0" encoding="utf-8"?>
+<p:sld xmlns:a="http://schemas.openxmlformats.org/drawingml/2006/main" xmlns:r="http://schemas.openxmlformats.org/officeDocument/2006/relationships" xmlns:p="http://schemas.openxmlformats.org/presentationml/2006/main">
+  <p:cSld>
+    <p:spTree>
+      <p:nvGrpSpPr>
+        <p:cNvPr id="1" name=""/>
+        <p:cNvGrpSpPr/>
+        <p:nvPr/>
+      </p:nvGrpSpPr>
+      <p:grpSpPr>
+        <a:xfrm>
+          <a:off x="0" y="0"/>
+          <a:ext cx="0" cy="0"/>
+          <a:chOff x="0" y="0"/>
+          <a:chExt cx="0" cy="0"/>
+        </a:xfrm>
+      </p:grpSpPr>
+      <p:pic>
+        <p:nvPicPr>
+          <p:cNvPr id="4" name="Picture 3">
+            <a:extLst>
+              <a:ext uri="{FF2B5EF4-FFF2-40B4-BE49-F238E27FC236}">
+                <a16:creationId xmlns:a16="http://schemas.microsoft.com/office/drawing/2014/main" id="{F27D9567-D341-DA40-9A52-62552D9103BB}"/>
+              </a:ext>
+            </a:extLst>
+          </p:cNvPr>
+          <p:cNvPicPr>
+            <a:picLocks noChangeAspect="1"/>
+          </p:cNvPicPr>
+          <p:nvPr/>
+        </p:nvPicPr>
+        <p:blipFill>
+          <a:blip r:embed="rId2"/>
+          <a:stretch>
+            <a:fillRect/>
+          </a:stretch>
+        </p:blipFill>
+        <p:spPr>
+          <a:xfrm>
+            <a:off x="2193038" y="1705584"/>
+            <a:ext cx="7728622" cy="5152415"/>
+          </a:xfrm>
+          <a:prstGeom prst="rect">
+            <a:avLst/>
+          </a:prstGeom>
+        </p:spPr>
+      </p:pic>
+      <p:sp>
+        <p:nvSpPr>
+          <p:cNvPr id="2" name="Title 1">
+            <a:extLst>
+              <a:ext uri="{FF2B5EF4-FFF2-40B4-BE49-F238E27FC236}">
+                <a16:creationId xmlns:a16="http://schemas.microsoft.com/office/drawing/2014/main" id="{044BA6A0-EC7D-B243-95D3-A537C874F5BD}"/>
+              </a:ext>
+            </a:extLst>
+          </p:cNvPr>
+          <p:cNvSpPr>
+            <a:spLocks noGrp="1"/>
+          </p:cNvSpPr>
+          <p:nvPr>
+            <p:ph type="title"/>
+          </p:nvPr>
+        </p:nvSpPr>
+        <p:spPr>
+          <a:xfrm>
+            <a:off x="1024128" y="585216"/>
+            <a:ext cx="10221046" cy="1499616"/>
+          </a:xfrm>
+        </p:spPr>
+        <p:txBody>
+          <a:bodyPr/>
+          <a:lstStyle/>
+          <a:p>
+            <a:r>
+              <a:rPr lang="en-US" dirty="0"/>
+              <a:t>MDS Quality measure: Statistical descriptive</a:t>
+            </a:r>
+          </a:p>
+        </p:txBody>
+      </p:sp>
+      <p:sp>
+        <p:nvSpPr>
+          <p:cNvPr id="5" name="Rectangle 4">
+            <a:extLst>
+              <a:ext uri="{FF2B5EF4-FFF2-40B4-BE49-F238E27FC236}">
+                <a16:creationId xmlns:a16="http://schemas.microsoft.com/office/drawing/2014/main" id="{03D7E143-AF3A-404E-8CFB-93E4B6B1C597}"/>
+              </a:ext>
+            </a:extLst>
+          </p:cNvPr>
+          <p:cNvSpPr/>
+          <p:nvPr/>
+        </p:nvSpPr>
+        <p:spPr>
+          <a:xfrm>
+            <a:off x="0" y="0"/>
+            <a:ext cx="12192000" cy="6858000"/>
+          </a:xfrm>
+          <a:prstGeom prst="rect">
+            <a:avLst/>
+          </a:prstGeom>
+          <a:solidFill>
+            <a:schemeClr val="dk1">
+              <a:alpha val="54695"/>
+            </a:schemeClr>
+          </a:solidFill>
+        </p:spPr>
+        <p:style>
+          <a:lnRef idx="2">
+            <a:schemeClr val="dk1">
+              <a:shade val="50000"/>
+            </a:schemeClr>
+          </a:lnRef>
+          <a:fillRef idx="1">
+            <a:schemeClr val="dk1"/>
+          </a:fillRef>
+          <a:effectRef idx="0">
+            <a:schemeClr val="dk1"/>
+          </a:effectRef>
+          <a:fontRef idx="minor">
+            <a:schemeClr val="lt1"/>
+          </a:fontRef>
+        </p:style>
+        <p:txBody>
+          <a:bodyPr rtlCol="0" anchor="ctr"/>
+          <a:lstStyle/>
+          <a:p>
+            <a:pPr algn="ctr"/>
             <a:endParaRPr lang="en-US"/>
           </a:p>
         </p:txBody>
       </p:sp>
       <p:grpSp>
         <p:nvGrpSpPr>
-          <p:cNvPr id="5" name="Group 4">
+          <p:cNvPr id="6" name="Group 5">
             <a:extLst>
               <a:ext uri="{FF2B5EF4-FFF2-40B4-BE49-F238E27FC236}">
-                <a16:creationId xmlns:a16="http://schemas.microsoft.com/office/drawing/2014/main" id="{6CAFAFDC-45C4-0E46-BF55-2B63979B0FB3}"/>
+                <a16:creationId xmlns:a16="http://schemas.microsoft.com/office/drawing/2014/main" id="{D8BBD802-6A2E-F547-B94F-B255C4F250FA}"/>
               </a:ext>
             </a:extLst>
           </p:cNvPr>
@@ -21505,10 +22185,10 @@
         </p:grpSpPr>
         <p:sp>
           <p:nvSpPr>
-            <p:cNvPr id="6" name="Rectangle 5">
+            <p:cNvPr id="7" name="Rectangle 6">
               <a:extLst>
                 <a:ext uri="{FF2B5EF4-FFF2-40B4-BE49-F238E27FC236}">
-                  <a16:creationId xmlns:a16="http://schemas.microsoft.com/office/drawing/2014/main" id="{13255B69-386C-DA4D-B664-D0C38AED453F}"/>
+                  <a16:creationId xmlns:a16="http://schemas.microsoft.com/office/drawing/2014/main" id="{B6EFBCCE-A31C-3848-B8D9-79D14C3648C3}"/>
                 </a:ext>
               </a:extLst>
             </p:cNvPr>
@@ -21562,7 +22242,7 @@
             <p:cNvPr id="8" name="TextBox 7">
               <a:extLst>
                 <a:ext uri="{FF2B5EF4-FFF2-40B4-BE49-F238E27FC236}">
-                  <a16:creationId xmlns:a16="http://schemas.microsoft.com/office/drawing/2014/main" id="{4EB3252C-5DBC-1D48-AD0D-D0F69479DE98}"/>
+                  <a16:creationId xmlns:a16="http://schemas.microsoft.com/office/drawing/2014/main" id="{379AF1E2-F270-1245-9D2C-0859772FE949}"/>
                 </a:ext>
               </a:extLst>
             </p:cNvPr>
@@ -21726,7 +22406,7 @@
     </p:spTree>
     <p:extLst>
       <p:ext uri="{BB962C8B-B14F-4D97-AF65-F5344CB8AC3E}">
-        <p14:creationId xmlns:p14="http://schemas.microsoft.com/office/powerpoint/2010/main" val="3024038063"/>
+        <p14:creationId xmlns:p14="http://schemas.microsoft.com/office/powerpoint/2010/main" val="2362919885"/>
       </p:ext>
     </p:extLst>
   </p:cSld>
@@ -21782,7 +22462,7 @@
                                           </p:stCondLst>
                                         </p:cTn>
                                         <p:tgtEl>
-                                          <p:spTgt spid="4"/>
+                                          <p:spTgt spid="5"/>
                                         </p:tgtEl>
                                         <p:attrNameLst>
                                           <p:attrName>style.visibility</p:attrName>
@@ -21796,7 +22476,7 @@
                                       <p:cBhvr>
                                         <p:cTn id="7" dur="2000"/>
                                         <p:tgtEl>
-                                          <p:spTgt spid="4"/>
+                                          <p:spTgt spid="5"/>
                                         </p:tgtEl>
                                       </p:cBhvr>
                                     </p:animEffect>
@@ -21817,7 +22497,7 @@
                                           </p:stCondLst>
                                         </p:cTn>
                                         <p:tgtEl>
-                                          <p:spTgt spid="5"/>
+                                          <p:spTgt spid="6"/>
                                         </p:tgtEl>
                                         <p:attrNameLst>
                                           <p:attrName>style.visibility</p:attrName>
@@ -21831,7 +22511,7 @@
                                       <p:cBhvr additive="base">
                                         <p:cTn id="10" dur="1000" fill="hold"/>
                                         <p:tgtEl>
-                                          <p:spTgt spid="5"/>
+                                          <p:spTgt spid="6"/>
                                         </p:tgtEl>
                                         <p:attrNameLst>
                                           <p:attrName>ppt_x</p:attrName>
@@ -21854,7 +22534,7 @@
                                       <p:cBhvr additive="base">
                                         <p:cTn id="11" dur="1000" fill="hold"/>
                                         <p:tgtEl>
-                                          <p:spTgt spid="5"/>
+                                          <p:spTgt spid="6"/>
                                         </p:tgtEl>
                                         <p:attrNameLst>
                                           <p:attrName>ppt_y</p:attrName>
@@ -21904,13 +22584,13 @@
       </p:par>
     </p:tnLst>
     <p:bldLst>
-      <p:bldP spid="4" grpId="0" animBg="1"/>
+      <p:bldP spid="5" grpId="0" animBg="1"/>
     </p:bldLst>
   </p:timing>
 </p:sld>
 </file>
 
-<file path=ppt/slides/slide12.xml><?xml version="1.0" encoding="utf-8"?>
+<file path=ppt/slides/slide14.xml><?xml version="1.0" encoding="utf-8"?>
 <p:sld xmlns:a="http://schemas.openxmlformats.org/drawingml/2006/main" xmlns:r="http://schemas.openxmlformats.org/officeDocument/2006/relationships" xmlns:p="http://schemas.openxmlformats.org/presentationml/2006/main">
   <p:cSld>
     <p:spTree>
@@ -22359,7 +23039,7 @@
 </p:sld>
 </file>
 
-<file path=ppt/slides/slide13.xml><?xml version="1.0" encoding="utf-8"?>
+<file path=ppt/slides/slide15.xml><?xml version="1.0" encoding="utf-8"?>
 <p:sld xmlns:a="http://schemas.openxmlformats.org/drawingml/2006/main" xmlns:r="http://schemas.openxmlformats.org/officeDocument/2006/relationships" xmlns:p="http://schemas.openxmlformats.org/presentationml/2006/main">
   <p:cSld>
     <p:spTree>
@@ -22808,7 +23488,7 @@
 </p:sld>
 </file>
 
-<file path=ppt/slides/slide14.xml><?xml version="1.0" encoding="utf-8"?>
+<file path=ppt/slides/slide16.xml><?xml version="1.0" encoding="utf-8"?>
 <p:sld xmlns:a="http://schemas.openxmlformats.org/drawingml/2006/main" xmlns:r="http://schemas.openxmlformats.org/officeDocument/2006/relationships" xmlns:p="http://schemas.openxmlformats.org/presentationml/2006/main">
   <p:cSld>
     <p:spTree>
@@ -23796,7 +24476,7 @@
 </p:sld>
 </file>
 
-<file path=ppt/slides/slide15.xml><?xml version="1.0" encoding="utf-8"?>
+<file path=ppt/slides/slide17.xml><?xml version="1.0" encoding="utf-8"?>
 <p:sld xmlns:a="http://schemas.openxmlformats.org/drawingml/2006/main" xmlns:r="http://schemas.openxmlformats.org/officeDocument/2006/relationships" xmlns:p="http://schemas.openxmlformats.org/presentationml/2006/main">
   <p:cSld>
     <p:spTree>
@@ -24492,7 +25172,7 @@
 </p:sld>
 </file>
 
-<file path=ppt/slides/slide16.xml><?xml version="1.0" encoding="utf-8"?>
+<file path=ppt/slides/slide18.xml><?xml version="1.0" encoding="utf-8"?>
 <p:sld xmlns:a="http://schemas.openxmlformats.org/drawingml/2006/main" xmlns:r="http://schemas.openxmlformats.org/officeDocument/2006/relationships" xmlns:p="http://schemas.openxmlformats.org/presentationml/2006/main">
   <p:cSld>
     <p:spTree>
@@ -25161,7 +25841,7 @@
 </p:sld>
 </file>
 
-<file path=ppt/slides/slide17.xml><?xml version="1.0" encoding="utf-8"?>
+<file path=ppt/slides/slide19.xml><?xml version="1.0" encoding="utf-8"?>
 <p:sld xmlns:a="http://schemas.openxmlformats.org/drawingml/2006/main" xmlns:r="http://schemas.openxmlformats.org/officeDocument/2006/relationships" xmlns:p="http://schemas.openxmlformats.org/presentationml/2006/main">
   <p:cSld>
     <p:spTree>
@@ -25415,7 +26095,519 @@
 </p:sld>
 </file>
 
-<file path=ppt/slides/slide18.xml><?xml version="1.0" encoding="utf-8"?>
+<file path=ppt/slides/slide2.xml><?xml version="1.0" encoding="utf-8"?>
+<p:sld xmlns:a="http://schemas.openxmlformats.org/drawingml/2006/main" xmlns:r="http://schemas.openxmlformats.org/officeDocument/2006/relationships" xmlns:p="http://schemas.openxmlformats.org/presentationml/2006/main">
+  <p:cSld>
+    <p:spTree>
+      <p:nvGrpSpPr>
+        <p:cNvPr id="1" name=""/>
+        <p:cNvGrpSpPr/>
+        <p:nvPr/>
+      </p:nvGrpSpPr>
+      <p:grpSpPr>
+        <a:xfrm>
+          <a:off x="0" y="0"/>
+          <a:ext cx="0" cy="0"/>
+          <a:chOff x="0" y="0"/>
+          <a:chExt cx="0" cy="0"/>
+        </a:xfrm>
+      </p:grpSpPr>
+      <p:sp>
+        <p:nvSpPr>
+          <p:cNvPr id="2" name="Title 1">
+            <a:extLst>
+              <a:ext uri="{FF2B5EF4-FFF2-40B4-BE49-F238E27FC236}">
+                <a16:creationId xmlns:a16="http://schemas.microsoft.com/office/drawing/2014/main" id="{7A4919D0-F177-4BBA-9A0B-DBA69E2ED764}"/>
+              </a:ext>
+            </a:extLst>
+          </p:cNvPr>
+          <p:cNvSpPr>
+            <a:spLocks noGrp="1"/>
+          </p:cNvSpPr>
+          <p:nvPr>
+            <p:ph type="title"/>
+          </p:nvPr>
+        </p:nvSpPr>
+        <p:spPr>
+          <a:xfrm>
+            <a:off x="1024128" y="585216"/>
+            <a:ext cx="9720072" cy="1499616"/>
+          </a:xfrm>
+        </p:spPr>
+        <p:txBody>
+          <a:bodyPr>
+            <a:normAutofit/>
+          </a:bodyPr>
+          <a:lstStyle/>
+          <a:p>
+            <a:r>
+              <a:rPr lang="en-US" dirty="0"/>
+              <a:t>OVERVIEW</a:t>
+            </a:r>
+          </a:p>
+        </p:txBody>
+      </p:sp>
+      <p:grpSp>
+        <p:nvGrpSpPr>
+          <p:cNvPr id="17" name="Group 16">
+            <a:extLst>
+              <a:ext uri="{FF2B5EF4-FFF2-40B4-BE49-F238E27FC236}">
+                <a16:creationId xmlns:a16="http://schemas.microsoft.com/office/drawing/2014/main" id="{0A7617F7-2AE2-954B-AEAD-4374C8209B53}"/>
+              </a:ext>
+            </a:extLst>
+          </p:cNvPr>
+          <p:cNvGrpSpPr/>
+          <p:nvPr/>
+        </p:nvGrpSpPr>
+        <p:grpSpPr>
+          <a:xfrm>
+            <a:off x="1400175" y="2319426"/>
+            <a:ext cx="973749" cy="973749"/>
+            <a:chOff x="1400175" y="2084832"/>
+            <a:chExt cx="1208344" cy="1208344"/>
+          </a:xfrm>
+        </p:grpSpPr>
+        <p:sp>
+          <p:nvSpPr>
+            <p:cNvPr id="6" name="Oval 5">
+              <a:extLst>
+                <a:ext uri="{FF2B5EF4-FFF2-40B4-BE49-F238E27FC236}">
+                  <a16:creationId xmlns:a16="http://schemas.microsoft.com/office/drawing/2014/main" id="{7C2CB90C-26B8-094F-A153-82C9EA7A3653}"/>
+                </a:ext>
+              </a:extLst>
+            </p:cNvPr>
+            <p:cNvSpPr/>
+            <p:nvPr/>
+          </p:nvSpPr>
+          <p:spPr>
+            <a:xfrm>
+              <a:off x="1400175" y="2084832"/>
+              <a:ext cx="1208344" cy="1208344"/>
+            </a:xfrm>
+            <a:prstGeom prst="ellipse">
+              <a:avLst/>
+            </a:prstGeom>
+            <a:solidFill>
+              <a:schemeClr val="accent1"/>
+            </a:solidFill>
+          </p:spPr>
+          <p:style>
+            <a:lnRef idx="0">
+              <a:schemeClr val="lt1">
+                <a:alpha val="0"/>
+                <a:hueOff val="0"/>
+                <a:satOff val="0"/>
+                <a:lumOff val="0"/>
+                <a:alphaOff val="0"/>
+              </a:schemeClr>
+            </a:lnRef>
+            <a:fillRef idx="1">
+              <a:scrgbClr r="0" g="0" b="0"/>
+            </a:fillRef>
+            <a:effectRef idx="0">
+              <a:schemeClr val="accent2">
+                <a:hueOff val="0"/>
+                <a:satOff val="0"/>
+                <a:lumOff val="0"/>
+                <a:alphaOff val="0"/>
+              </a:schemeClr>
+            </a:effectRef>
+            <a:fontRef idx="minor"/>
+          </p:style>
+        </p:sp>
+        <p:pic>
+          <p:nvPicPr>
+            <p:cNvPr id="10" name="Graphic 9" descr="Stars">
+              <a:extLst>
+                <a:ext uri="{FF2B5EF4-FFF2-40B4-BE49-F238E27FC236}">
+                  <a16:creationId xmlns:a16="http://schemas.microsoft.com/office/drawing/2014/main" id="{FAFBD350-D0CB-884F-B281-2153B4A0228E}"/>
+                </a:ext>
+              </a:extLst>
+            </p:cNvPr>
+            <p:cNvPicPr>
+              <a:picLocks noChangeAspect="1"/>
+            </p:cNvPicPr>
+            <p:nvPr/>
+          </p:nvPicPr>
+          <p:blipFill>
+            <a:blip r:embed="rId2">
+              <a:extLst>
+                <a:ext uri="{96DAC541-7B7A-43D3-8B79-37D633B846F1}">
+                  <asvg:svgBlip xmlns:asvg="http://schemas.microsoft.com/office/drawing/2016/SVG/main" r:embed="rId3"/>
+                </a:ext>
+              </a:extLst>
+            </a:blip>
+            <a:stretch>
+              <a:fillRect/>
+            </a:stretch>
+          </p:blipFill>
+          <p:spPr>
+            <a:xfrm>
+              <a:off x="1473661" y="2148840"/>
+              <a:ext cx="1061372" cy="1061372"/>
+            </a:xfrm>
+            <a:prstGeom prst="rect">
+              <a:avLst/>
+            </a:prstGeom>
+          </p:spPr>
+        </p:pic>
+      </p:grpSp>
+      <p:sp>
+        <p:nvSpPr>
+          <p:cNvPr id="12" name="Rectangle 11">
+            <a:extLst>
+              <a:ext uri="{FF2B5EF4-FFF2-40B4-BE49-F238E27FC236}">
+                <a16:creationId xmlns:a16="http://schemas.microsoft.com/office/drawing/2014/main" id="{5CDA1F56-55BB-FA46-8BED-72F8BDA1CEF2}"/>
+              </a:ext>
+            </a:extLst>
+          </p:cNvPr>
+          <p:cNvSpPr/>
+          <p:nvPr/>
+        </p:nvSpPr>
+        <p:spPr>
+          <a:xfrm>
+            <a:off x="2824569" y="2483134"/>
+            <a:ext cx="7967255" cy="646331"/>
+          </a:xfrm>
+          <a:prstGeom prst="rect">
+            <a:avLst/>
+          </a:prstGeom>
+        </p:spPr>
+        <p:txBody>
+          <a:bodyPr wrap="square">
+            <a:spAutoFit/>
+          </a:bodyPr>
+          <a:lstStyle/>
+          <a:p>
+            <a:pPr lvl="0" algn="just">
+              <a:lnSpc>
+                <a:spcPct val="100000"/>
+              </a:lnSpc>
+              <a:defRPr cap="all"/>
+            </a:pPr>
+            <a:r>
+              <a:rPr lang="en-US" dirty="0"/>
+              <a:t>star rating SYSTEM established in 2009 to help family members to decide which home nurse their senior Family members live in.</a:t>
+            </a:r>
+          </a:p>
+        </p:txBody>
+      </p:sp>
+      <p:grpSp>
+        <p:nvGrpSpPr>
+          <p:cNvPr id="18" name="Group 17">
+            <a:extLst>
+              <a:ext uri="{FF2B5EF4-FFF2-40B4-BE49-F238E27FC236}">
+                <a16:creationId xmlns:a16="http://schemas.microsoft.com/office/drawing/2014/main" id="{A295ED90-B864-7345-A05F-0E14D0DAEDAD}"/>
+              </a:ext>
+            </a:extLst>
+          </p:cNvPr>
+          <p:cNvGrpSpPr/>
+          <p:nvPr/>
+        </p:nvGrpSpPr>
+        <p:grpSpPr>
+          <a:xfrm>
+            <a:off x="1400176" y="3691479"/>
+            <a:ext cx="973748" cy="973748"/>
+            <a:chOff x="1400175" y="4188620"/>
+            <a:chExt cx="1208344" cy="1208344"/>
+          </a:xfrm>
+        </p:grpSpPr>
+        <p:sp>
+          <p:nvSpPr>
+            <p:cNvPr id="13" name="Oval 12">
+              <a:extLst>
+                <a:ext uri="{FF2B5EF4-FFF2-40B4-BE49-F238E27FC236}">
+                  <a16:creationId xmlns:a16="http://schemas.microsoft.com/office/drawing/2014/main" id="{8B94F09B-6B88-DE40-9309-5743C2DA8C87}"/>
+                </a:ext>
+              </a:extLst>
+            </p:cNvPr>
+            <p:cNvSpPr/>
+            <p:nvPr/>
+          </p:nvSpPr>
+          <p:spPr>
+            <a:xfrm>
+              <a:off x="1400175" y="4188620"/>
+              <a:ext cx="1208344" cy="1208344"/>
+            </a:xfrm>
+            <a:prstGeom prst="ellipse">
+              <a:avLst/>
+            </a:prstGeom>
+            <a:solidFill>
+              <a:schemeClr val="accent1"/>
+            </a:solidFill>
+          </p:spPr>
+          <p:style>
+            <a:lnRef idx="0">
+              <a:schemeClr val="lt1">
+                <a:alpha val="0"/>
+                <a:hueOff val="0"/>
+                <a:satOff val="0"/>
+                <a:lumOff val="0"/>
+                <a:alphaOff val="0"/>
+              </a:schemeClr>
+            </a:lnRef>
+            <a:fillRef idx="1">
+              <a:scrgbClr r="0" g="0" b="0"/>
+            </a:fillRef>
+            <a:effectRef idx="0">
+              <a:schemeClr val="accent2">
+                <a:hueOff val="0"/>
+                <a:satOff val="0"/>
+                <a:lumOff val="0"/>
+                <a:alphaOff val="0"/>
+              </a:schemeClr>
+            </a:effectRef>
+            <a:fontRef idx="minor"/>
+          </p:style>
+        </p:sp>
+        <p:pic>
+          <p:nvPicPr>
+            <p:cNvPr id="15" name="Graphic 14" descr="Needle">
+              <a:extLst>
+                <a:ext uri="{FF2B5EF4-FFF2-40B4-BE49-F238E27FC236}">
+                  <a16:creationId xmlns:a16="http://schemas.microsoft.com/office/drawing/2014/main" id="{D45364DD-6EB6-1B49-8740-549C2DB1909D}"/>
+                </a:ext>
+              </a:extLst>
+            </p:cNvPr>
+            <p:cNvPicPr>
+              <a:picLocks noChangeAspect="1"/>
+            </p:cNvPicPr>
+            <p:nvPr/>
+          </p:nvPicPr>
+          <p:blipFill>
+            <a:blip r:embed="rId4">
+              <a:extLst>
+                <a:ext uri="{96DAC541-7B7A-43D3-8B79-37D633B846F1}">
+                  <asvg:svgBlip xmlns:asvg="http://schemas.microsoft.com/office/drawing/2016/SVG/main" r:embed="rId5"/>
+                </a:ext>
+              </a:extLst>
+            </a:blip>
+            <a:stretch>
+              <a:fillRect/>
+            </a:stretch>
+          </p:blipFill>
+          <p:spPr>
+            <a:xfrm>
+              <a:off x="1547147" y="4335591"/>
+              <a:ext cx="914400" cy="914400"/>
+            </a:xfrm>
+            <a:prstGeom prst="rect">
+              <a:avLst/>
+            </a:prstGeom>
+          </p:spPr>
+        </p:pic>
+      </p:grpSp>
+      <p:sp>
+        <p:nvSpPr>
+          <p:cNvPr id="16" name="Rectangle 15">
+            <a:extLst>
+              <a:ext uri="{FF2B5EF4-FFF2-40B4-BE49-F238E27FC236}">
+                <a16:creationId xmlns:a16="http://schemas.microsoft.com/office/drawing/2014/main" id="{2682F61B-305A-4246-A67A-4F8C3B26CB4E}"/>
+              </a:ext>
+            </a:extLst>
+          </p:cNvPr>
+          <p:cNvSpPr/>
+          <p:nvPr/>
+        </p:nvSpPr>
+        <p:spPr>
+          <a:xfrm>
+            <a:off x="2824570" y="3855186"/>
+            <a:ext cx="7967254" cy="923330"/>
+          </a:xfrm>
+          <a:prstGeom prst="rect">
+            <a:avLst/>
+          </a:prstGeom>
+        </p:spPr>
+        <p:txBody>
+          <a:bodyPr wrap="square">
+            <a:spAutoFit/>
+          </a:bodyPr>
+          <a:lstStyle/>
+          <a:p>
+            <a:pPr lvl="0" algn="just">
+              <a:lnSpc>
+                <a:spcPct val="100000"/>
+              </a:lnSpc>
+              <a:defRPr cap="all"/>
+            </a:pPr>
+            <a:r>
+              <a:rPr lang="en-US" dirty="0"/>
+              <a:t>the hypothesis testing is unable to confirm that number of covid-19 deaths at five-star facilities are significantly different from one-star facilities.</a:t>
+            </a:r>
+          </a:p>
+        </p:txBody>
+      </p:sp>
+      <p:grpSp>
+        <p:nvGrpSpPr>
+          <p:cNvPr id="23" name="Group 22">
+            <a:extLst>
+              <a:ext uri="{FF2B5EF4-FFF2-40B4-BE49-F238E27FC236}">
+                <a16:creationId xmlns:a16="http://schemas.microsoft.com/office/drawing/2014/main" id="{166244EA-8FDD-4140-AF98-4D240B684D2E}"/>
+              </a:ext>
+            </a:extLst>
+          </p:cNvPr>
+          <p:cNvGrpSpPr/>
+          <p:nvPr/>
+        </p:nvGrpSpPr>
+        <p:grpSpPr>
+          <a:xfrm>
+            <a:off x="1340957" y="5063531"/>
+            <a:ext cx="973748" cy="973748"/>
+            <a:chOff x="1340957" y="5063531"/>
+            <a:chExt cx="973748" cy="973748"/>
+          </a:xfrm>
+        </p:grpSpPr>
+        <p:sp>
+          <p:nvSpPr>
+            <p:cNvPr id="20" name="Oval 19">
+              <a:extLst>
+                <a:ext uri="{FF2B5EF4-FFF2-40B4-BE49-F238E27FC236}">
+                  <a16:creationId xmlns:a16="http://schemas.microsoft.com/office/drawing/2014/main" id="{1AD20AFB-57AF-C745-859F-AD107FABCCEB}"/>
+                </a:ext>
+              </a:extLst>
+            </p:cNvPr>
+            <p:cNvSpPr/>
+            <p:nvPr/>
+          </p:nvSpPr>
+          <p:spPr>
+            <a:xfrm>
+              <a:off x="1340957" y="5063531"/>
+              <a:ext cx="973748" cy="973748"/>
+            </a:xfrm>
+            <a:prstGeom prst="ellipse">
+              <a:avLst/>
+            </a:prstGeom>
+            <a:solidFill>
+              <a:schemeClr val="accent1"/>
+            </a:solidFill>
+          </p:spPr>
+          <p:style>
+            <a:lnRef idx="0">
+              <a:schemeClr val="lt1">
+                <a:alpha val="0"/>
+                <a:hueOff val="0"/>
+                <a:satOff val="0"/>
+                <a:lumOff val="0"/>
+                <a:alphaOff val="0"/>
+              </a:schemeClr>
+            </a:lnRef>
+            <a:fillRef idx="1">
+              <a:scrgbClr r="0" g="0" b="0"/>
+            </a:fillRef>
+            <a:effectRef idx="0">
+              <a:schemeClr val="accent2">
+                <a:hueOff val="0"/>
+                <a:satOff val="0"/>
+                <a:lumOff val="0"/>
+                <a:alphaOff val="0"/>
+              </a:schemeClr>
+            </a:effectRef>
+            <a:fontRef idx="minor"/>
+          </p:style>
+        </p:sp>
+        <p:pic>
+          <p:nvPicPr>
+            <p:cNvPr id="22" name="Graphic 21" descr="Downward trend">
+              <a:extLst>
+                <a:ext uri="{FF2B5EF4-FFF2-40B4-BE49-F238E27FC236}">
+                  <a16:creationId xmlns:a16="http://schemas.microsoft.com/office/drawing/2014/main" id="{72994B3D-FA1D-BB41-B4ED-51AC48253AC6}"/>
+                </a:ext>
+              </a:extLst>
+            </p:cNvPr>
+            <p:cNvPicPr>
+              <a:picLocks noChangeAspect="1"/>
+            </p:cNvPicPr>
+            <p:nvPr/>
+          </p:nvPicPr>
+          <p:blipFill>
+            <a:blip r:embed="rId6">
+              <a:extLst>
+                <a:ext uri="{96DAC541-7B7A-43D3-8B79-37D633B846F1}">
+                  <asvg:svgBlip xmlns:asvg="http://schemas.microsoft.com/office/drawing/2016/SVG/main" r:embed="rId7"/>
+                </a:ext>
+              </a:extLst>
+            </a:blip>
+            <a:stretch>
+              <a:fillRect/>
+            </a:stretch>
+          </p:blipFill>
+          <p:spPr>
+            <a:xfrm>
+              <a:off x="1400305" y="5098701"/>
+              <a:ext cx="855181" cy="855181"/>
+            </a:xfrm>
+            <a:prstGeom prst="rect">
+              <a:avLst/>
+            </a:prstGeom>
+          </p:spPr>
+        </p:pic>
+      </p:grpSp>
+      <p:sp>
+        <p:nvSpPr>
+          <p:cNvPr id="24" name="Rectangle 23">
+            <a:extLst>
+              <a:ext uri="{FF2B5EF4-FFF2-40B4-BE49-F238E27FC236}">
+                <a16:creationId xmlns:a16="http://schemas.microsoft.com/office/drawing/2014/main" id="{FFAE7A5D-31C4-A746-8A90-65BFECBC80BF}"/>
+              </a:ext>
+            </a:extLst>
+          </p:cNvPr>
+          <p:cNvSpPr/>
+          <p:nvPr/>
+        </p:nvSpPr>
+        <p:spPr>
+          <a:xfrm>
+            <a:off x="2824569" y="5203125"/>
+            <a:ext cx="7967254" cy="646331"/>
+          </a:xfrm>
+          <a:prstGeom prst="rect">
+            <a:avLst/>
+          </a:prstGeom>
+        </p:spPr>
+        <p:txBody>
+          <a:bodyPr wrap="square">
+            <a:spAutoFit/>
+          </a:bodyPr>
+          <a:lstStyle/>
+          <a:p>
+            <a:pPr lvl="0" algn="just">
+              <a:lnSpc>
+                <a:spcPct val="100000"/>
+              </a:lnSpc>
+              <a:defRPr cap="all"/>
+            </a:pPr>
+            <a:r>
+              <a:rPr lang="en-US" dirty="0"/>
+              <a:t>THE U.S. CENTERS FOR MEDICARE AND MEDICAID SERVICES (CMS) may face a massive decline in public trust.</a:t>
+            </a:r>
+          </a:p>
+        </p:txBody>
+      </p:sp>
+    </p:spTree>
+    <p:extLst>
+      <p:ext uri="{BB962C8B-B14F-4D97-AF65-F5344CB8AC3E}">
+        <p14:creationId xmlns:p14="http://schemas.microsoft.com/office/powerpoint/2010/main" val="2050235884"/>
+      </p:ext>
+    </p:extLst>
+  </p:cSld>
+  <p:clrMapOvr>
+    <a:masterClrMapping/>
+  </p:clrMapOvr>
+  <mc:AlternateContent xmlns:mc="http://schemas.openxmlformats.org/markup-compatibility/2006" xmlns:p159="http://schemas.microsoft.com/office/powerpoint/2015/09/main">
+    <mc:Choice Requires="p159">
+      <p:transition xmlns:p14="http://schemas.microsoft.com/office/powerpoint/2010/main" spd="slow" p14:dur="2000">
+        <p159:morph option="byObject"/>
+      </p:transition>
+    </mc:Choice>
+    <mc:Fallback xmlns="">
+      <p:transition spd="slow">
+        <p:fade/>
+      </p:transition>
+    </mc:Fallback>
+  </mc:AlternateContent>
+</p:sld>
+</file>
+
+<file path=ppt/slides/slide20.xml><?xml version="1.0" encoding="utf-8"?>
 <p:sld xmlns:a="http://schemas.openxmlformats.org/drawingml/2006/main" xmlns:r="http://schemas.openxmlformats.org/officeDocument/2006/relationships" xmlns:p="http://schemas.openxmlformats.org/presentationml/2006/main">
   <p:cSld>
     <p:spTree>
@@ -26173,7 +27365,7 @@
 </p:sld>
 </file>
 
-<file path=ppt/slides/slide19.xml><?xml version="1.0" encoding="utf-8"?>
+<file path=ppt/slides/slide21.xml><?xml version="1.0" encoding="utf-8"?>
 <p:sld xmlns:a="http://schemas.openxmlformats.org/drawingml/2006/main" xmlns:r="http://schemas.openxmlformats.org/officeDocument/2006/relationships" xmlns:p="http://schemas.openxmlformats.org/presentationml/2006/main">
   <p:cSld>
     <p:spTree>
@@ -26843,519 +28035,7 @@
 </p:sld>
 </file>
 
-<file path=ppt/slides/slide2.xml><?xml version="1.0" encoding="utf-8"?>
-<p:sld xmlns:a="http://schemas.openxmlformats.org/drawingml/2006/main" xmlns:r="http://schemas.openxmlformats.org/officeDocument/2006/relationships" xmlns:p="http://schemas.openxmlformats.org/presentationml/2006/main">
-  <p:cSld>
-    <p:spTree>
-      <p:nvGrpSpPr>
-        <p:cNvPr id="1" name=""/>
-        <p:cNvGrpSpPr/>
-        <p:nvPr/>
-      </p:nvGrpSpPr>
-      <p:grpSpPr>
-        <a:xfrm>
-          <a:off x="0" y="0"/>
-          <a:ext cx="0" cy="0"/>
-          <a:chOff x="0" y="0"/>
-          <a:chExt cx="0" cy="0"/>
-        </a:xfrm>
-      </p:grpSpPr>
-      <p:sp>
-        <p:nvSpPr>
-          <p:cNvPr id="2" name="Title 1">
-            <a:extLst>
-              <a:ext uri="{FF2B5EF4-FFF2-40B4-BE49-F238E27FC236}">
-                <a16:creationId xmlns:a16="http://schemas.microsoft.com/office/drawing/2014/main" id="{7A4919D0-F177-4BBA-9A0B-DBA69E2ED764}"/>
-              </a:ext>
-            </a:extLst>
-          </p:cNvPr>
-          <p:cNvSpPr>
-            <a:spLocks noGrp="1"/>
-          </p:cNvSpPr>
-          <p:nvPr>
-            <p:ph type="title"/>
-          </p:nvPr>
-        </p:nvSpPr>
-        <p:spPr>
-          <a:xfrm>
-            <a:off x="1024128" y="585216"/>
-            <a:ext cx="9720072" cy="1499616"/>
-          </a:xfrm>
-        </p:spPr>
-        <p:txBody>
-          <a:bodyPr>
-            <a:normAutofit/>
-          </a:bodyPr>
-          <a:lstStyle/>
-          <a:p>
-            <a:r>
-              <a:rPr lang="en-US" dirty="0"/>
-              <a:t>OVERVIEW</a:t>
-            </a:r>
-          </a:p>
-        </p:txBody>
-      </p:sp>
-      <p:grpSp>
-        <p:nvGrpSpPr>
-          <p:cNvPr id="17" name="Group 16">
-            <a:extLst>
-              <a:ext uri="{FF2B5EF4-FFF2-40B4-BE49-F238E27FC236}">
-                <a16:creationId xmlns:a16="http://schemas.microsoft.com/office/drawing/2014/main" id="{0A7617F7-2AE2-954B-AEAD-4374C8209B53}"/>
-              </a:ext>
-            </a:extLst>
-          </p:cNvPr>
-          <p:cNvGrpSpPr/>
-          <p:nvPr/>
-        </p:nvGrpSpPr>
-        <p:grpSpPr>
-          <a:xfrm>
-            <a:off x="1400175" y="2319426"/>
-            <a:ext cx="973749" cy="973749"/>
-            <a:chOff x="1400175" y="2084832"/>
-            <a:chExt cx="1208344" cy="1208344"/>
-          </a:xfrm>
-        </p:grpSpPr>
-        <p:sp>
-          <p:nvSpPr>
-            <p:cNvPr id="6" name="Oval 5">
-              <a:extLst>
-                <a:ext uri="{FF2B5EF4-FFF2-40B4-BE49-F238E27FC236}">
-                  <a16:creationId xmlns:a16="http://schemas.microsoft.com/office/drawing/2014/main" id="{7C2CB90C-26B8-094F-A153-82C9EA7A3653}"/>
-                </a:ext>
-              </a:extLst>
-            </p:cNvPr>
-            <p:cNvSpPr/>
-            <p:nvPr/>
-          </p:nvSpPr>
-          <p:spPr>
-            <a:xfrm>
-              <a:off x="1400175" y="2084832"/>
-              <a:ext cx="1208344" cy="1208344"/>
-            </a:xfrm>
-            <a:prstGeom prst="ellipse">
-              <a:avLst/>
-            </a:prstGeom>
-            <a:solidFill>
-              <a:schemeClr val="accent1"/>
-            </a:solidFill>
-          </p:spPr>
-          <p:style>
-            <a:lnRef idx="0">
-              <a:schemeClr val="lt1">
-                <a:alpha val="0"/>
-                <a:hueOff val="0"/>
-                <a:satOff val="0"/>
-                <a:lumOff val="0"/>
-                <a:alphaOff val="0"/>
-              </a:schemeClr>
-            </a:lnRef>
-            <a:fillRef idx="1">
-              <a:scrgbClr r="0" g="0" b="0"/>
-            </a:fillRef>
-            <a:effectRef idx="0">
-              <a:schemeClr val="accent2">
-                <a:hueOff val="0"/>
-                <a:satOff val="0"/>
-                <a:lumOff val="0"/>
-                <a:alphaOff val="0"/>
-              </a:schemeClr>
-            </a:effectRef>
-            <a:fontRef idx="minor"/>
-          </p:style>
-        </p:sp>
-        <p:pic>
-          <p:nvPicPr>
-            <p:cNvPr id="10" name="Graphic 9" descr="Stars">
-              <a:extLst>
-                <a:ext uri="{FF2B5EF4-FFF2-40B4-BE49-F238E27FC236}">
-                  <a16:creationId xmlns:a16="http://schemas.microsoft.com/office/drawing/2014/main" id="{FAFBD350-D0CB-884F-B281-2153B4A0228E}"/>
-                </a:ext>
-              </a:extLst>
-            </p:cNvPr>
-            <p:cNvPicPr>
-              <a:picLocks noChangeAspect="1"/>
-            </p:cNvPicPr>
-            <p:nvPr/>
-          </p:nvPicPr>
-          <p:blipFill>
-            <a:blip r:embed="rId2">
-              <a:extLst>
-                <a:ext uri="{96DAC541-7B7A-43D3-8B79-37D633B846F1}">
-                  <asvg:svgBlip xmlns:asvg="http://schemas.microsoft.com/office/drawing/2016/SVG/main" r:embed="rId3"/>
-                </a:ext>
-              </a:extLst>
-            </a:blip>
-            <a:stretch>
-              <a:fillRect/>
-            </a:stretch>
-          </p:blipFill>
-          <p:spPr>
-            <a:xfrm>
-              <a:off x="1473661" y="2148840"/>
-              <a:ext cx="1061372" cy="1061372"/>
-            </a:xfrm>
-            <a:prstGeom prst="rect">
-              <a:avLst/>
-            </a:prstGeom>
-          </p:spPr>
-        </p:pic>
-      </p:grpSp>
-      <p:sp>
-        <p:nvSpPr>
-          <p:cNvPr id="12" name="Rectangle 11">
-            <a:extLst>
-              <a:ext uri="{FF2B5EF4-FFF2-40B4-BE49-F238E27FC236}">
-                <a16:creationId xmlns:a16="http://schemas.microsoft.com/office/drawing/2014/main" id="{5CDA1F56-55BB-FA46-8BED-72F8BDA1CEF2}"/>
-              </a:ext>
-            </a:extLst>
-          </p:cNvPr>
-          <p:cNvSpPr/>
-          <p:nvPr/>
-        </p:nvSpPr>
-        <p:spPr>
-          <a:xfrm>
-            <a:off x="2824569" y="2483134"/>
-            <a:ext cx="7967255" cy="646331"/>
-          </a:xfrm>
-          <a:prstGeom prst="rect">
-            <a:avLst/>
-          </a:prstGeom>
-        </p:spPr>
-        <p:txBody>
-          <a:bodyPr wrap="square">
-            <a:spAutoFit/>
-          </a:bodyPr>
-          <a:lstStyle/>
-          <a:p>
-            <a:pPr lvl="0" algn="just">
-              <a:lnSpc>
-                <a:spcPct val="100000"/>
-              </a:lnSpc>
-              <a:defRPr cap="all"/>
-            </a:pPr>
-            <a:r>
-              <a:rPr lang="en-US" dirty="0"/>
-              <a:t>star rating SYSTEM established in 2009 to help family members to decide which home nurse their senior Family members live in.</a:t>
-            </a:r>
-          </a:p>
-        </p:txBody>
-      </p:sp>
-      <p:grpSp>
-        <p:nvGrpSpPr>
-          <p:cNvPr id="18" name="Group 17">
-            <a:extLst>
-              <a:ext uri="{FF2B5EF4-FFF2-40B4-BE49-F238E27FC236}">
-                <a16:creationId xmlns:a16="http://schemas.microsoft.com/office/drawing/2014/main" id="{A295ED90-B864-7345-A05F-0E14D0DAEDAD}"/>
-              </a:ext>
-            </a:extLst>
-          </p:cNvPr>
-          <p:cNvGrpSpPr/>
-          <p:nvPr/>
-        </p:nvGrpSpPr>
-        <p:grpSpPr>
-          <a:xfrm>
-            <a:off x="1400176" y="3691479"/>
-            <a:ext cx="973748" cy="973748"/>
-            <a:chOff x="1400175" y="4188620"/>
-            <a:chExt cx="1208344" cy="1208344"/>
-          </a:xfrm>
-        </p:grpSpPr>
-        <p:sp>
-          <p:nvSpPr>
-            <p:cNvPr id="13" name="Oval 12">
-              <a:extLst>
-                <a:ext uri="{FF2B5EF4-FFF2-40B4-BE49-F238E27FC236}">
-                  <a16:creationId xmlns:a16="http://schemas.microsoft.com/office/drawing/2014/main" id="{8B94F09B-6B88-DE40-9309-5743C2DA8C87}"/>
-                </a:ext>
-              </a:extLst>
-            </p:cNvPr>
-            <p:cNvSpPr/>
-            <p:nvPr/>
-          </p:nvSpPr>
-          <p:spPr>
-            <a:xfrm>
-              <a:off x="1400175" y="4188620"/>
-              <a:ext cx="1208344" cy="1208344"/>
-            </a:xfrm>
-            <a:prstGeom prst="ellipse">
-              <a:avLst/>
-            </a:prstGeom>
-            <a:solidFill>
-              <a:schemeClr val="accent1"/>
-            </a:solidFill>
-          </p:spPr>
-          <p:style>
-            <a:lnRef idx="0">
-              <a:schemeClr val="lt1">
-                <a:alpha val="0"/>
-                <a:hueOff val="0"/>
-                <a:satOff val="0"/>
-                <a:lumOff val="0"/>
-                <a:alphaOff val="0"/>
-              </a:schemeClr>
-            </a:lnRef>
-            <a:fillRef idx="1">
-              <a:scrgbClr r="0" g="0" b="0"/>
-            </a:fillRef>
-            <a:effectRef idx="0">
-              <a:schemeClr val="accent2">
-                <a:hueOff val="0"/>
-                <a:satOff val="0"/>
-                <a:lumOff val="0"/>
-                <a:alphaOff val="0"/>
-              </a:schemeClr>
-            </a:effectRef>
-            <a:fontRef idx="minor"/>
-          </p:style>
-        </p:sp>
-        <p:pic>
-          <p:nvPicPr>
-            <p:cNvPr id="15" name="Graphic 14" descr="Needle">
-              <a:extLst>
-                <a:ext uri="{FF2B5EF4-FFF2-40B4-BE49-F238E27FC236}">
-                  <a16:creationId xmlns:a16="http://schemas.microsoft.com/office/drawing/2014/main" id="{D45364DD-6EB6-1B49-8740-549C2DB1909D}"/>
-                </a:ext>
-              </a:extLst>
-            </p:cNvPr>
-            <p:cNvPicPr>
-              <a:picLocks noChangeAspect="1"/>
-            </p:cNvPicPr>
-            <p:nvPr/>
-          </p:nvPicPr>
-          <p:blipFill>
-            <a:blip r:embed="rId4">
-              <a:extLst>
-                <a:ext uri="{96DAC541-7B7A-43D3-8B79-37D633B846F1}">
-                  <asvg:svgBlip xmlns:asvg="http://schemas.microsoft.com/office/drawing/2016/SVG/main" r:embed="rId5"/>
-                </a:ext>
-              </a:extLst>
-            </a:blip>
-            <a:stretch>
-              <a:fillRect/>
-            </a:stretch>
-          </p:blipFill>
-          <p:spPr>
-            <a:xfrm>
-              <a:off x="1547147" y="4335591"/>
-              <a:ext cx="914400" cy="914400"/>
-            </a:xfrm>
-            <a:prstGeom prst="rect">
-              <a:avLst/>
-            </a:prstGeom>
-          </p:spPr>
-        </p:pic>
-      </p:grpSp>
-      <p:sp>
-        <p:nvSpPr>
-          <p:cNvPr id="16" name="Rectangle 15">
-            <a:extLst>
-              <a:ext uri="{FF2B5EF4-FFF2-40B4-BE49-F238E27FC236}">
-                <a16:creationId xmlns:a16="http://schemas.microsoft.com/office/drawing/2014/main" id="{2682F61B-305A-4246-A67A-4F8C3B26CB4E}"/>
-              </a:ext>
-            </a:extLst>
-          </p:cNvPr>
-          <p:cNvSpPr/>
-          <p:nvPr/>
-        </p:nvSpPr>
-        <p:spPr>
-          <a:xfrm>
-            <a:off x="2824570" y="3855186"/>
-            <a:ext cx="7967254" cy="923330"/>
-          </a:xfrm>
-          <a:prstGeom prst="rect">
-            <a:avLst/>
-          </a:prstGeom>
-        </p:spPr>
-        <p:txBody>
-          <a:bodyPr wrap="square">
-            <a:spAutoFit/>
-          </a:bodyPr>
-          <a:lstStyle/>
-          <a:p>
-            <a:pPr lvl="0" algn="just">
-              <a:lnSpc>
-                <a:spcPct val="100000"/>
-              </a:lnSpc>
-              <a:defRPr cap="all"/>
-            </a:pPr>
-            <a:r>
-              <a:rPr lang="en-US" dirty="0"/>
-              <a:t>the hypothesis testing is unable to confirm that number of covid-19 deaths at five-star facilities are significantly different from one-star facilities.</a:t>
-            </a:r>
-          </a:p>
-        </p:txBody>
-      </p:sp>
-      <p:grpSp>
-        <p:nvGrpSpPr>
-          <p:cNvPr id="23" name="Group 22">
-            <a:extLst>
-              <a:ext uri="{FF2B5EF4-FFF2-40B4-BE49-F238E27FC236}">
-                <a16:creationId xmlns:a16="http://schemas.microsoft.com/office/drawing/2014/main" id="{166244EA-8FDD-4140-AF98-4D240B684D2E}"/>
-              </a:ext>
-            </a:extLst>
-          </p:cNvPr>
-          <p:cNvGrpSpPr/>
-          <p:nvPr/>
-        </p:nvGrpSpPr>
-        <p:grpSpPr>
-          <a:xfrm>
-            <a:off x="1340957" y="5063531"/>
-            <a:ext cx="973748" cy="973748"/>
-            <a:chOff x="1340957" y="5063531"/>
-            <a:chExt cx="973748" cy="973748"/>
-          </a:xfrm>
-        </p:grpSpPr>
-        <p:sp>
-          <p:nvSpPr>
-            <p:cNvPr id="20" name="Oval 19">
-              <a:extLst>
-                <a:ext uri="{FF2B5EF4-FFF2-40B4-BE49-F238E27FC236}">
-                  <a16:creationId xmlns:a16="http://schemas.microsoft.com/office/drawing/2014/main" id="{1AD20AFB-57AF-C745-859F-AD107FABCCEB}"/>
-                </a:ext>
-              </a:extLst>
-            </p:cNvPr>
-            <p:cNvSpPr/>
-            <p:nvPr/>
-          </p:nvSpPr>
-          <p:spPr>
-            <a:xfrm>
-              <a:off x="1340957" y="5063531"/>
-              <a:ext cx="973748" cy="973748"/>
-            </a:xfrm>
-            <a:prstGeom prst="ellipse">
-              <a:avLst/>
-            </a:prstGeom>
-            <a:solidFill>
-              <a:schemeClr val="accent1"/>
-            </a:solidFill>
-          </p:spPr>
-          <p:style>
-            <a:lnRef idx="0">
-              <a:schemeClr val="lt1">
-                <a:alpha val="0"/>
-                <a:hueOff val="0"/>
-                <a:satOff val="0"/>
-                <a:lumOff val="0"/>
-                <a:alphaOff val="0"/>
-              </a:schemeClr>
-            </a:lnRef>
-            <a:fillRef idx="1">
-              <a:scrgbClr r="0" g="0" b="0"/>
-            </a:fillRef>
-            <a:effectRef idx="0">
-              <a:schemeClr val="accent2">
-                <a:hueOff val="0"/>
-                <a:satOff val="0"/>
-                <a:lumOff val="0"/>
-                <a:alphaOff val="0"/>
-              </a:schemeClr>
-            </a:effectRef>
-            <a:fontRef idx="minor"/>
-          </p:style>
-        </p:sp>
-        <p:pic>
-          <p:nvPicPr>
-            <p:cNvPr id="22" name="Graphic 21" descr="Downward trend">
-              <a:extLst>
-                <a:ext uri="{FF2B5EF4-FFF2-40B4-BE49-F238E27FC236}">
-                  <a16:creationId xmlns:a16="http://schemas.microsoft.com/office/drawing/2014/main" id="{72994B3D-FA1D-BB41-B4ED-51AC48253AC6}"/>
-                </a:ext>
-              </a:extLst>
-            </p:cNvPr>
-            <p:cNvPicPr>
-              <a:picLocks noChangeAspect="1"/>
-            </p:cNvPicPr>
-            <p:nvPr/>
-          </p:nvPicPr>
-          <p:blipFill>
-            <a:blip r:embed="rId6">
-              <a:extLst>
-                <a:ext uri="{96DAC541-7B7A-43D3-8B79-37D633B846F1}">
-                  <asvg:svgBlip xmlns:asvg="http://schemas.microsoft.com/office/drawing/2016/SVG/main" r:embed="rId7"/>
-                </a:ext>
-              </a:extLst>
-            </a:blip>
-            <a:stretch>
-              <a:fillRect/>
-            </a:stretch>
-          </p:blipFill>
-          <p:spPr>
-            <a:xfrm>
-              <a:off x="1400305" y="5098701"/>
-              <a:ext cx="855181" cy="855181"/>
-            </a:xfrm>
-            <a:prstGeom prst="rect">
-              <a:avLst/>
-            </a:prstGeom>
-          </p:spPr>
-        </p:pic>
-      </p:grpSp>
-      <p:sp>
-        <p:nvSpPr>
-          <p:cNvPr id="24" name="Rectangle 23">
-            <a:extLst>
-              <a:ext uri="{FF2B5EF4-FFF2-40B4-BE49-F238E27FC236}">
-                <a16:creationId xmlns:a16="http://schemas.microsoft.com/office/drawing/2014/main" id="{FFAE7A5D-31C4-A746-8A90-65BFECBC80BF}"/>
-              </a:ext>
-            </a:extLst>
-          </p:cNvPr>
-          <p:cNvSpPr/>
-          <p:nvPr/>
-        </p:nvSpPr>
-        <p:spPr>
-          <a:xfrm>
-            <a:off x="2824569" y="5203125"/>
-            <a:ext cx="7967254" cy="646331"/>
-          </a:xfrm>
-          <a:prstGeom prst="rect">
-            <a:avLst/>
-          </a:prstGeom>
-        </p:spPr>
-        <p:txBody>
-          <a:bodyPr wrap="square">
-            <a:spAutoFit/>
-          </a:bodyPr>
-          <a:lstStyle/>
-          <a:p>
-            <a:pPr lvl="0" algn="just">
-              <a:lnSpc>
-                <a:spcPct val="100000"/>
-              </a:lnSpc>
-              <a:defRPr cap="all"/>
-            </a:pPr>
-            <a:r>
-              <a:rPr lang="en-US" dirty="0"/>
-              <a:t>THE U.S. CENTERS FOR MEDICARE AND MEDICAID SERVICES (CMS) may face a massive decline in public trust.</a:t>
-            </a:r>
-          </a:p>
-        </p:txBody>
-      </p:sp>
-    </p:spTree>
-    <p:extLst>
-      <p:ext uri="{BB962C8B-B14F-4D97-AF65-F5344CB8AC3E}">
-        <p14:creationId xmlns:p14="http://schemas.microsoft.com/office/powerpoint/2010/main" val="2050235884"/>
-      </p:ext>
-    </p:extLst>
-  </p:cSld>
-  <p:clrMapOvr>
-    <a:masterClrMapping/>
-  </p:clrMapOvr>
-  <mc:AlternateContent xmlns:mc="http://schemas.openxmlformats.org/markup-compatibility/2006" xmlns:p159="http://schemas.microsoft.com/office/powerpoint/2015/09/main">
-    <mc:Choice Requires="p159">
-      <p:transition xmlns:p14="http://schemas.microsoft.com/office/powerpoint/2010/main" spd="slow" p14:dur="2000">
-        <p159:morph option="byObject"/>
-      </p:transition>
-    </mc:Choice>
-    <mc:Fallback xmlns="">
-      <p:transition spd="slow">
-        <p:fade/>
-      </p:transition>
-    </mc:Fallback>
-  </mc:AlternateContent>
-</p:sld>
-</file>
-
-<file path=ppt/slides/slide20.xml><?xml version="1.0" encoding="utf-8"?>
+<file path=ppt/slides/slide22.xml><?xml version="1.0" encoding="utf-8"?>
 <p:sld xmlns:a="http://schemas.openxmlformats.org/drawingml/2006/main" xmlns:r="http://schemas.openxmlformats.org/officeDocument/2006/relationships" xmlns:p="http://schemas.openxmlformats.org/presentationml/2006/main">
   <p:cSld>
     <p:spTree>
@@ -27689,8 +28369,8 @@
           </a:p>
         </p:txBody>
       </p:sp>
-      <mc:AlternateContent xmlns:mc="http://schemas.openxmlformats.org/markup-compatibility/2006" xmlns:a14="http://schemas.microsoft.com/office/drawing/2010/main">
-        <mc:Choice Requires="a14">
+      <mc:AlternateContent xmlns:mc="http://schemas.openxmlformats.org/markup-compatibility/2006">
+        <mc:Choice xmlns:a14="http://schemas.microsoft.com/office/drawing/2010/main" Requires="a14">
           <p:sp>
             <p:nvSpPr>
               <p:cNvPr id="10" name="TextBox 9">
@@ -27705,8 +28385,8 @@
             </p:nvSpPr>
             <p:spPr>
               <a:xfrm>
-                <a:off x="6346017" y="117693"/>
-                <a:ext cx="5422311" cy="6463308"/>
+                <a:off x="6346017" y="58846"/>
+                <a:ext cx="5422311" cy="6740307"/>
               </a:xfrm>
               <a:prstGeom prst="rect">
                 <a:avLst/>
@@ -27756,7 +28436,7 @@
                               </a:solidFill>
                               <a:latin typeface="Cambria Math" panose="02040503050406030204" pitchFamily="18" charset="0"/>
                             </a:rPr>
-                            <m:t>𝑦</m:t>
+                            <m:t>𝑖𝑛𝑠</m:t>
                           </m:r>
                         </m:e>
                         <m:sub>
@@ -28138,41 +28818,40 @@
                 </a:pPr>
                 <a14:m>
                   <m:oMath xmlns:m="http://schemas.openxmlformats.org/officeDocument/2006/math">
-                    <m:r>
-                      <a:rPr lang="en-US" i="1">
-                        <a:solidFill>
-                          <a:prstClr val="white"/>
-                        </a:solidFill>
-                        <a:latin typeface="Cambria Math" panose="02040503050406030204" pitchFamily="18" charset="0"/>
-                        <a:ea typeface="Cambria Math" panose="02040503050406030204" pitchFamily="18" charset="0"/>
-                      </a:rPr>
-                      <m:t>𝜙</m:t>
-                    </m:r>
-                    <m:d>
-                      <m:dPr>
+                    <m:sSub>
+                      <m:sSubPr>
                         <m:ctrlPr>
-                          <a:rPr lang="en-US" b="0" i="1" smtClean="0">
+                          <a:rPr lang="en-US" i="1">
                             <a:solidFill>
                               <a:prstClr val="white"/>
                             </a:solidFill>
                             <a:latin typeface="Cambria Math" panose="02040503050406030204" pitchFamily="18" charset="0"/>
-                            <a:ea typeface="Cambria Math" panose="02040503050406030204" pitchFamily="18" charset="0"/>
                           </a:rPr>
                         </m:ctrlPr>
-                      </m:dPr>
+                      </m:sSubPr>
                       <m:e>
                         <m:r>
-                          <a:rPr lang="en-US" b="0" i="1" smtClean="0">
+                          <a:rPr lang="en-US" i="1">
                             <a:solidFill>
                               <a:prstClr val="white"/>
                             </a:solidFill>
                             <a:latin typeface="Cambria Math" panose="02040503050406030204" pitchFamily="18" charset="0"/>
-                            <a:ea typeface="Cambria Math" panose="02040503050406030204" pitchFamily="18" charset="0"/>
                           </a:rPr>
-                          <m:t>.</m:t>
+                          <m:t>𝑖𝑛𝑠</m:t>
                         </m:r>
                       </m:e>
-                    </m:d>
+                      <m:sub>
+                        <m:r>
+                          <a:rPr lang="en-US" i="1">
+                            <a:solidFill>
+                              <a:prstClr val="white"/>
+                            </a:solidFill>
+                            <a:latin typeface="Cambria Math" panose="02040503050406030204" pitchFamily="18" charset="0"/>
+                          </a:rPr>
+                          <m:t>𝑖</m:t>
+                        </m:r>
+                      </m:sub>
+                    </m:sSub>
                   </m:oMath>
                 </a14:m>
                 <a:r>
@@ -28189,7 +28868,75 @@
                       <a:prstClr val="white"/>
                     </a:solidFill>
                   </a:rPr>
-                  <a:t>is the Probit function.</a:t>
+                  <a:t>is health inspection rating per inspection</a:t>
+                </a:r>
+                <a:endParaRPr lang="en-US" i="1" dirty="0">
+                  <a:solidFill>
+                    <a:prstClr val="white"/>
+                  </a:solidFill>
+                </a:endParaRPr>
+              </a:p>
+              <a:p>
+                <a:pPr marL="742950" lvl="1" indent="-285750" algn="just">
+                  <a:buFont typeface="Arial" panose="020B0604020202020204" pitchFamily="34" charset="0"/>
+                  <a:buChar char="•"/>
+                </a:pPr>
+                <a14:m>
+                  <m:oMath xmlns:m="http://schemas.openxmlformats.org/officeDocument/2006/math">
+                    <m:r>
+                      <a:rPr lang="en-US" i="1">
+                        <a:solidFill>
+                          <a:prstClr val="white"/>
+                        </a:solidFill>
+                        <a:latin typeface="Cambria Math" panose="02040503050406030204" pitchFamily="18" charset="0"/>
+                        <a:ea typeface="Cambria Math" panose="02040503050406030204" pitchFamily="18" charset="0"/>
+                      </a:rPr>
+                      <m:t>𝜙</m:t>
+                    </m:r>
+                    <m:d>
+                      <m:dPr>
+                        <m:ctrlPr>
+                          <a:rPr lang="en-US" i="1">
+                            <a:solidFill>
+                              <a:prstClr val="white"/>
+                            </a:solidFill>
+                            <a:latin typeface="Cambria Math" panose="02040503050406030204" pitchFamily="18" charset="0"/>
+                            <a:ea typeface="Cambria Math" panose="02040503050406030204" pitchFamily="18" charset="0"/>
+                          </a:rPr>
+                        </m:ctrlPr>
+                      </m:dPr>
+                      <m:e>
+                        <m:r>
+                          <a:rPr lang="en-US" i="1">
+                            <a:solidFill>
+                              <a:prstClr val="white"/>
+                            </a:solidFill>
+                            <a:latin typeface="Cambria Math" panose="02040503050406030204" pitchFamily="18" charset="0"/>
+                            <a:ea typeface="Cambria Math" panose="02040503050406030204" pitchFamily="18" charset="0"/>
+                          </a:rPr>
+                          <m:t>.</m:t>
+                        </m:r>
+                      </m:e>
+                    </m:d>
+                    <m:r>
+                      <a:rPr lang="en-US" i="1">
+                        <a:solidFill>
+                          <a:prstClr val="white"/>
+                        </a:solidFill>
+                        <a:latin typeface="Cambria Math" panose="02040503050406030204" pitchFamily="18" charset="0"/>
+                        <a:ea typeface="Cambria Math" panose="02040503050406030204" pitchFamily="18" charset="0"/>
+                      </a:rPr>
+                      <m:t> </m:t>
+                    </m:r>
+                  </m:oMath>
+                </a14:m>
+                <a:r>
+                  <a:rPr lang="en-US" dirty="0">
+                    <a:solidFill>
+                      <a:prstClr val="white"/>
+                    </a:solidFill>
+                  </a:rPr>
+                  <a:t> is the Probit function.</a:t>
                 </a:r>
                 <a:endParaRPr lang="en-US" i="1" dirty="0">
                   <a:solidFill>
@@ -28232,7 +28979,7 @@
                       <a:prstClr val="white"/>
                     </a:solidFill>
                   </a:rPr>
-                  <a:t>is the amount of hours spending with residents per day</a:t>
+                  <a:t>is amount of hours spending with residents per day</a:t>
                 </a:r>
               </a:p>
               <a:p>
@@ -28540,7 +29287,7 @@
             </p:txBody>
           </p:sp>
         </mc:Choice>
-        <mc:Fallback xmlns="">
+        <mc:Fallback>
           <p:sp>
             <p:nvSpPr>
               <p:cNvPr id="10" name="TextBox 9">
@@ -28557,8 +29304,8 @@
             </p:nvSpPr>
             <p:spPr>
               <a:xfrm>
-                <a:off x="6346017" y="117693"/>
-                <a:ext cx="5422311" cy="6463308"/>
+                <a:off x="6346017" y="58846"/>
+                <a:ext cx="5422311" cy="6740307"/>
               </a:xfrm>
               <a:prstGeom prst="rect">
                 <a:avLst/>
@@ -28566,7 +29313,7 @@
               <a:blipFill>
                 <a:blip r:embed="rId4"/>
                 <a:stretch>
-                  <a:fillRect t="-392" r="-935" b="-588"/>
+                  <a:fillRect t="-376" r="-935" b="-564"/>
                 </a:stretch>
               </a:blipFill>
             </p:spPr>
@@ -28610,7 +29357,7 @@
 </p:sld>
 </file>
 
-<file path=ppt/slides/slide21.xml><?xml version="1.0" encoding="utf-8"?>
+<file path=ppt/slides/slide23.xml><?xml version="1.0" encoding="utf-8"?>
 <p:sld xmlns:a="http://schemas.openxmlformats.org/drawingml/2006/main" xmlns:r="http://schemas.openxmlformats.org/officeDocument/2006/relationships" xmlns:p="http://schemas.openxmlformats.org/presentationml/2006/main">
   <p:cSld>
     <p:spTree>
@@ -28841,10 +29588,10 @@
       </p:pic>
       <p:sp>
         <p:nvSpPr>
-          <p:cNvPr id="6" name="Rectangle 5">
+          <p:cNvPr id="8" name="Rectangle 7">
             <a:extLst>
               <a:ext uri="{FF2B5EF4-FFF2-40B4-BE49-F238E27FC236}">
-                <a16:creationId xmlns:a16="http://schemas.microsoft.com/office/drawing/2014/main" id="{A0C436FD-EDE6-7642-9AEC-0C0D4D3753F0}"/>
+                <a16:creationId xmlns:a16="http://schemas.microsoft.com/office/drawing/2014/main" id="{1E7E752F-D03F-4F41-9F58-2491E76DB604}"/>
               </a:ext>
             </a:extLst>
           </p:cNvPr>
@@ -28892,10 +29639,10 @@
       </p:sp>
       <p:sp>
         <p:nvSpPr>
-          <p:cNvPr id="7" name="Rectangle 6">
+          <p:cNvPr id="9" name="Rectangle 8">
             <a:extLst>
               <a:ext uri="{FF2B5EF4-FFF2-40B4-BE49-F238E27FC236}">
-                <a16:creationId xmlns:a16="http://schemas.microsoft.com/office/drawing/2014/main" id="{8C01999A-7C67-DC40-A6AE-B2BE8DE579FE}"/>
+                <a16:creationId xmlns:a16="http://schemas.microsoft.com/office/drawing/2014/main" id="{825EAD23-9EE0-4F46-9D82-5FFE221E791E}"/>
               </a:ext>
             </a:extLst>
           </p:cNvPr>
@@ -28944,14 +29691,14 @@
           </a:p>
         </p:txBody>
       </p:sp>
-      <mc:AlternateContent xmlns:mc="http://schemas.openxmlformats.org/markup-compatibility/2006" xmlns:a14="http://schemas.microsoft.com/office/drawing/2010/main">
-        <mc:Choice Requires="a14">
+      <mc:AlternateContent xmlns:mc="http://schemas.openxmlformats.org/markup-compatibility/2006">
+        <mc:Choice xmlns:a14="http://schemas.microsoft.com/office/drawing/2010/main" Requires="a14">
           <p:sp>
             <p:nvSpPr>
-              <p:cNvPr id="8" name="TextBox 7">
+              <p:cNvPr id="10" name="TextBox 9">
                 <a:extLst>
                   <a:ext uri="{FF2B5EF4-FFF2-40B4-BE49-F238E27FC236}">
-                    <a16:creationId xmlns:a16="http://schemas.microsoft.com/office/drawing/2014/main" id="{1DFDA077-227E-FB4D-A1D0-C69B3D4C8436}"/>
+                    <a16:creationId xmlns:a16="http://schemas.microsoft.com/office/drawing/2014/main" id="{14A5F8B9-40BA-F74E-A639-43D9D6E69EFD}"/>
                   </a:ext>
                 </a:extLst>
               </p:cNvPr>
@@ -28960,8 +29707,8 @@
             </p:nvSpPr>
             <p:spPr>
               <a:xfrm>
-                <a:off x="6346017" y="117693"/>
-                <a:ext cx="5422311" cy="6463308"/>
+                <a:off x="6346017" y="58846"/>
+                <a:ext cx="5422311" cy="6740307"/>
               </a:xfrm>
               <a:prstGeom prst="rect">
                 <a:avLst/>
@@ -29020,7 +29767,7 @@
                               </a:solidFill>
                               <a:latin typeface="Cambria Math" panose="02040503050406030204" pitchFamily="18" charset="0"/>
                             </a:rPr>
-                            <m:t>𝑦</m:t>
+                            <m:t>𝑖𝑛𝑠</m:t>
                           </m:r>
                         </m:e>
                         <m:sub>
@@ -29498,23 +30245,10 @@
                 </a:pPr>
                 <a14:m>
                   <m:oMath xmlns:m="http://schemas.openxmlformats.org/officeDocument/2006/math">
-                    <m:r>
-                      <a:rPr lang="en-US" i="1">
-                        <a:solidFill>
-                          <a:schemeClr val="accent1">
-                            <a:lumMod val="60000"/>
-                            <a:lumOff val="40000"/>
-                          </a:schemeClr>
-                        </a:solidFill>
-                        <a:latin typeface="Cambria Math" panose="02040503050406030204" pitchFamily="18" charset="0"/>
-                        <a:ea typeface="Cambria Math" panose="02040503050406030204" pitchFamily="18" charset="0"/>
-                      </a:rPr>
-                      <m:t>𝜙</m:t>
-                    </m:r>
-                    <m:d>
-                      <m:dPr>
+                    <m:sSub>
+                      <m:sSubPr>
                         <m:ctrlPr>
-                          <a:rPr lang="en-US" b="0" i="1" smtClean="0">
+                          <a:rPr lang="en-US" i="1">
                             <a:solidFill>
                               <a:schemeClr val="accent1">
                                 <a:lumMod val="60000"/>
@@ -29522,13 +30256,12 @@
                               </a:schemeClr>
                             </a:solidFill>
                             <a:latin typeface="Cambria Math" panose="02040503050406030204" pitchFamily="18" charset="0"/>
-                            <a:ea typeface="Cambria Math" panose="02040503050406030204" pitchFamily="18" charset="0"/>
                           </a:rPr>
                         </m:ctrlPr>
-                      </m:dPr>
+                      </m:sSubPr>
                       <m:e>
                         <m:r>
-                          <a:rPr lang="en-US" b="0" i="1" smtClean="0">
+                          <a:rPr lang="en-US" i="1">
                             <a:solidFill>
                               <a:schemeClr val="accent1">
                                 <a:lumMod val="60000"/>
@@ -29536,12 +30269,25 @@
                               </a:schemeClr>
                             </a:solidFill>
                             <a:latin typeface="Cambria Math" panose="02040503050406030204" pitchFamily="18" charset="0"/>
-                            <a:ea typeface="Cambria Math" panose="02040503050406030204" pitchFamily="18" charset="0"/>
                           </a:rPr>
-                          <m:t>.</m:t>
+                          <m:t>𝑖𝑛𝑠</m:t>
                         </m:r>
                       </m:e>
-                    </m:d>
+                      <m:sub>
+                        <m:r>
+                          <a:rPr lang="en-US" i="1">
+                            <a:solidFill>
+                              <a:schemeClr val="accent1">
+                                <a:lumMod val="60000"/>
+                                <a:lumOff val="40000"/>
+                              </a:schemeClr>
+                            </a:solidFill>
+                            <a:latin typeface="Cambria Math" panose="02040503050406030204" pitchFamily="18" charset="0"/>
+                          </a:rPr>
+                          <m:t>𝑖</m:t>
+                        </m:r>
+                      </m:sub>
+                    </m:sSub>
                   </m:oMath>
                 </a14:m>
                 <a:r>
@@ -29564,7 +30310,93 @@
                       </a:schemeClr>
                     </a:solidFill>
                   </a:rPr>
-                  <a:t>is the Probit function.</a:t>
+                  <a:t>is health inspection rating per inspection</a:t>
+                </a:r>
+                <a:endParaRPr lang="en-US" i="1" dirty="0">
+                  <a:solidFill>
+                    <a:schemeClr val="accent1">
+                      <a:lumMod val="60000"/>
+                      <a:lumOff val="40000"/>
+                    </a:schemeClr>
+                  </a:solidFill>
+                </a:endParaRPr>
+              </a:p>
+              <a:p>
+                <a:pPr marL="742950" lvl="1" indent="-285750" algn="just">
+                  <a:buFont typeface="Arial" panose="020B0604020202020204" pitchFamily="34" charset="0"/>
+                  <a:buChar char="•"/>
+                </a:pPr>
+                <a14:m>
+                  <m:oMath xmlns:m="http://schemas.openxmlformats.org/officeDocument/2006/math">
+                    <m:r>
+                      <a:rPr lang="en-US" i="1">
+                        <a:solidFill>
+                          <a:schemeClr val="accent1">
+                            <a:lumMod val="60000"/>
+                            <a:lumOff val="40000"/>
+                          </a:schemeClr>
+                        </a:solidFill>
+                        <a:latin typeface="Cambria Math" panose="02040503050406030204" pitchFamily="18" charset="0"/>
+                        <a:ea typeface="Cambria Math" panose="02040503050406030204" pitchFamily="18" charset="0"/>
+                      </a:rPr>
+                      <m:t>𝜙</m:t>
+                    </m:r>
+                    <m:d>
+                      <m:dPr>
+                        <m:ctrlPr>
+                          <a:rPr lang="en-US" i="1">
+                            <a:solidFill>
+                              <a:schemeClr val="accent1">
+                                <a:lumMod val="60000"/>
+                                <a:lumOff val="40000"/>
+                              </a:schemeClr>
+                            </a:solidFill>
+                            <a:latin typeface="Cambria Math" panose="02040503050406030204" pitchFamily="18" charset="0"/>
+                            <a:ea typeface="Cambria Math" panose="02040503050406030204" pitchFamily="18" charset="0"/>
+                          </a:rPr>
+                        </m:ctrlPr>
+                      </m:dPr>
+                      <m:e>
+                        <m:r>
+                          <a:rPr lang="en-US" i="1">
+                            <a:solidFill>
+                              <a:schemeClr val="accent1">
+                                <a:lumMod val="60000"/>
+                                <a:lumOff val="40000"/>
+                              </a:schemeClr>
+                            </a:solidFill>
+                            <a:latin typeface="Cambria Math" panose="02040503050406030204" pitchFamily="18" charset="0"/>
+                            <a:ea typeface="Cambria Math" panose="02040503050406030204" pitchFamily="18" charset="0"/>
+                          </a:rPr>
+                          <m:t>.</m:t>
+                        </m:r>
+                      </m:e>
+                    </m:d>
+                    <m:r>
+                      <a:rPr lang="en-US" i="1">
+                        <a:solidFill>
+                          <a:schemeClr val="accent1">
+                            <a:lumMod val="60000"/>
+                            <a:lumOff val="40000"/>
+                          </a:schemeClr>
+                        </a:solidFill>
+                        <a:latin typeface="Cambria Math" panose="02040503050406030204" pitchFamily="18" charset="0"/>
+                        <a:ea typeface="Cambria Math" panose="02040503050406030204" pitchFamily="18" charset="0"/>
+                      </a:rPr>
+                      <m:t> </m:t>
+                    </m:r>
+                  </m:oMath>
+                </a14:m>
+                <a:r>
+                  <a:rPr lang="en-US" dirty="0">
+                    <a:solidFill>
+                      <a:schemeClr val="accent1">
+                        <a:lumMod val="60000"/>
+                        <a:lumOff val="40000"/>
+                      </a:schemeClr>
+                    </a:solidFill>
+                  </a:rPr>
+                  <a:t> is the Probit function.</a:t>
                 </a:r>
                 <a:endParaRPr lang="en-US" i="1" dirty="0">
                   <a:solidFill>
@@ -29622,7 +30454,7 @@
                       </a:schemeClr>
                     </a:solidFill>
                   </a:rPr>
-                  <a:t>is the amount of hours spending with residents per day</a:t>
+                  <a:t>is amount of hours spending with residents per day</a:t>
                 </a:r>
               </a:p>
               <a:p>
@@ -29903,13 +30735,13 @@
             </p:txBody>
           </p:sp>
         </mc:Choice>
-        <mc:Fallback xmlns="">
+        <mc:Fallback>
           <p:sp>
             <p:nvSpPr>
-              <p:cNvPr id="8" name="TextBox 7">
+              <p:cNvPr id="10" name="TextBox 9">
                 <a:extLst>
                   <a:ext uri="{FF2B5EF4-FFF2-40B4-BE49-F238E27FC236}">
-                    <a16:creationId xmlns:a16="http://schemas.microsoft.com/office/drawing/2014/main" id="{1DFDA077-227E-FB4D-A1D0-C69B3D4C8436}"/>
+                    <a16:creationId xmlns:a16="http://schemas.microsoft.com/office/drawing/2014/main" id="{14A5F8B9-40BA-F74E-A639-43D9D6E69EFD}"/>
                   </a:ext>
                 </a:extLst>
               </p:cNvPr>
@@ -29920,8 +30752,8 @@
             </p:nvSpPr>
             <p:spPr>
               <a:xfrm>
-                <a:off x="6346017" y="117693"/>
-                <a:ext cx="5422311" cy="6463308"/>
+                <a:off x="6346017" y="58846"/>
+                <a:ext cx="5422311" cy="6740307"/>
               </a:xfrm>
               <a:prstGeom prst="rect">
                 <a:avLst/>
@@ -29929,7 +30761,7 @@
               <a:blipFill>
                 <a:blip r:embed="rId4"/>
                 <a:stretch>
-                  <a:fillRect t="-392" r="-935" b="-588"/>
+                  <a:fillRect t="-376" r="-935" b="-564"/>
                 </a:stretch>
               </a:blipFill>
             </p:spPr>
@@ -29951,7 +30783,7 @@
     </p:spTree>
     <p:extLst>
       <p:ext uri="{BB962C8B-B14F-4D97-AF65-F5344CB8AC3E}">
-        <p14:creationId xmlns:p14="http://schemas.microsoft.com/office/powerpoint/2010/main" val="1842304828"/>
+        <p14:creationId xmlns:p14="http://schemas.microsoft.com/office/powerpoint/2010/main" val="2036943568"/>
       </p:ext>
     </p:extLst>
   </p:cSld>
@@ -29973,7 +30805,7 @@
 </p:sld>
 </file>
 
-<file path=ppt/slides/slide22.xml><?xml version="1.0" encoding="utf-8"?>
+<file path=ppt/slides/slide24.xml><?xml version="1.0" encoding="utf-8"?>
 <p:sld xmlns:a="http://schemas.openxmlformats.org/drawingml/2006/main" xmlns:r="http://schemas.openxmlformats.org/officeDocument/2006/relationships" xmlns:p="http://schemas.openxmlformats.org/presentationml/2006/main">
   <p:cSld>
     <p:spTree>
@@ -30255,10 +31087,10 @@
       </p:sp>
       <p:sp>
         <p:nvSpPr>
-          <p:cNvPr id="7" name="Rectangle 6">
+          <p:cNvPr id="9" name="Rectangle 8">
             <a:extLst>
               <a:ext uri="{FF2B5EF4-FFF2-40B4-BE49-F238E27FC236}">
-                <a16:creationId xmlns:a16="http://schemas.microsoft.com/office/drawing/2014/main" id="{2C155CB0-F5F9-7C4C-ACE7-55CB0C64E348}"/>
+                <a16:creationId xmlns:a16="http://schemas.microsoft.com/office/drawing/2014/main" id="{941A6C88-5F6B-ED44-9DF7-C446A2D747EE}"/>
               </a:ext>
             </a:extLst>
           </p:cNvPr>
@@ -30309,10 +31141,10 @@
       </p:sp>
       <p:sp>
         <p:nvSpPr>
-          <p:cNvPr id="8" name="TextBox 7">
+          <p:cNvPr id="10" name="TextBox 9">
             <a:extLst>
               <a:ext uri="{FF2B5EF4-FFF2-40B4-BE49-F238E27FC236}">
-                <a16:creationId xmlns:a16="http://schemas.microsoft.com/office/drawing/2014/main" id="{FDDC0920-B264-FA4E-A3A1-8089A044CC6D}"/>
+                <a16:creationId xmlns:a16="http://schemas.microsoft.com/office/drawing/2014/main" id="{29CA1DD0-C734-4445-BAEF-EAA5A3398DDE}"/>
               </a:ext>
             </a:extLst>
           </p:cNvPr>
@@ -30321,8 +31153,8 @@
         </p:nvSpPr>
         <p:spPr>
           <a:xfrm>
-            <a:off x="6346017" y="117693"/>
-            <a:ext cx="5422311" cy="6463308"/>
+            <a:off x="6346017" y="58846"/>
+            <a:ext cx="5422311" cy="6740307"/>
           </a:xfrm>
           <a:prstGeom prst="rect">
             <a:avLst/>
@@ -30334,6 +31166,14 @@
             <a:spAutoFit/>
           </a:bodyPr>
           <a:lstStyle/>
+          <a:p>
+            <a:pPr lvl="1" algn="just"/>
+            <a:endParaRPr lang="en-US" dirty="0">
+              <a:solidFill>
+                <a:prstClr val="white"/>
+              </a:solidFill>
+            </a:endParaRPr>
+          </a:p>
           <a:p>
             <a:pPr lvl="1" algn="just"/>
             <a:endParaRPr lang="en-US" dirty="0">
@@ -30613,13 +31453,13 @@
   <p:clrMapOvr>
     <a:masterClrMapping/>
   </p:clrMapOvr>
-  <mc:AlternateContent xmlns:mc="http://schemas.openxmlformats.org/markup-compatibility/2006">
-    <mc:Choice xmlns:p14="http://schemas.microsoft.com/office/powerpoint/2010/main" Requires="p14">
+  <mc:AlternateContent xmlns:mc="http://schemas.openxmlformats.org/markup-compatibility/2006" xmlns:p14="http://schemas.microsoft.com/office/powerpoint/2010/main">
+    <mc:Choice Requires="p14">
       <p:transition spd="med" p14:dur="700">
         <p:fade/>
       </p:transition>
     </mc:Choice>
-    <mc:Fallback>
+    <mc:Fallback xmlns="">
       <p:transition spd="med">
         <p:fade/>
       </p:transition>
@@ -30628,7 +31468,7 @@
 </p:sld>
 </file>
 
-<file path=ppt/slides/slide23.xml><?xml version="1.0" encoding="utf-8"?>
+<file path=ppt/slides/slide25.xml><?xml version="1.0" encoding="utf-8"?>
 <p:sld xmlns:a="http://schemas.openxmlformats.org/drawingml/2006/main" xmlns:r="http://schemas.openxmlformats.org/officeDocument/2006/relationships" xmlns:p="http://schemas.openxmlformats.org/presentationml/2006/main">
   <p:cSld>
     <p:spTree>
@@ -31086,7 +31926,7 @@
 </p:sld>
 </file>
 
-<file path=ppt/slides/slide24.xml><?xml version="1.0" encoding="utf-8"?>
+<file path=ppt/slides/slide26.xml><?xml version="1.0" encoding="utf-8"?>
 <p:sld xmlns:a="http://schemas.openxmlformats.org/drawingml/2006/main" xmlns:r="http://schemas.openxmlformats.org/officeDocument/2006/relationships" xmlns:p="http://schemas.openxmlformats.org/presentationml/2006/main">
   <p:cSld>
     <p:spTree>
@@ -31193,7 +32033,7 @@
 </p:sld>
 </file>
 
-<file path=ppt/slides/slide25.xml><?xml version="1.0" encoding="utf-8"?>
+<file path=ppt/slides/slide27.xml><?xml version="1.0" encoding="utf-8"?>
 <p:sld xmlns:a="http://schemas.openxmlformats.org/drawingml/2006/main" xmlns:r="http://schemas.openxmlformats.org/officeDocument/2006/relationships" xmlns:p="http://schemas.openxmlformats.org/presentationml/2006/main">
   <p:cSld>
     <p:spTree>
@@ -31749,774 +32589,6 @@
 </p:sld>
 </file>
 
-<file path=ppt/slides/slide26.xml><?xml version="1.0" encoding="utf-8"?>
-<p:sld xmlns:a="http://schemas.openxmlformats.org/drawingml/2006/main" xmlns:r="http://schemas.openxmlformats.org/officeDocument/2006/relationships" xmlns:p="http://schemas.openxmlformats.org/presentationml/2006/main">
-  <p:cSld>
-    <p:spTree>
-      <p:nvGrpSpPr>
-        <p:cNvPr id="1" name=""/>
-        <p:cNvGrpSpPr/>
-        <p:nvPr/>
-      </p:nvGrpSpPr>
-      <p:grpSpPr>
-        <a:xfrm>
-          <a:off x="0" y="0"/>
-          <a:ext cx="0" cy="0"/>
-          <a:chOff x="0" y="0"/>
-          <a:chExt cx="0" cy="0"/>
-        </a:xfrm>
-      </p:grpSpPr>
-      <p:pic>
-        <p:nvPicPr>
-          <p:cNvPr id="4" name="Picture 3">
-            <a:extLst>
-              <a:ext uri="{FF2B5EF4-FFF2-40B4-BE49-F238E27FC236}">
-                <a16:creationId xmlns:a16="http://schemas.microsoft.com/office/drawing/2014/main" id="{BAACE20A-094E-6A44-BF20-BC2676706FD5}"/>
-              </a:ext>
-            </a:extLst>
-          </p:cNvPr>
-          <p:cNvPicPr>
-            <a:picLocks noChangeAspect="1"/>
-          </p:cNvPicPr>
-          <p:nvPr/>
-        </p:nvPicPr>
-        <p:blipFill>
-          <a:blip r:embed="rId2"/>
-          <a:stretch>
-            <a:fillRect/>
-          </a:stretch>
-        </p:blipFill>
-        <p:spPr>
-          <a:xfrm>
-            <a:off x="2231687" y="1705583"/>
-            <a:ext cx="7728624" cy="5152416"/>
-          </a:xfrm>
-          <a:prstGeom prst="rect">
-            <a:avLst/>
-          </a:prstGeom>
-        </p:spPr>
-      </p:pic>
-      <p:sp>
-        <p:nvSpPr>
-          <p:cNvPr id="2" name="Title 1">
-            <a:extLst>
-              <a:ext uri="{FF2B5EF4-FFF2-40B4-BE49-F238E27FC236}">
-                <a16:creationId xmlns:a16="http://schemas.microsoft.com/office/drawing/2014/main" id="{044BA6A0-EC7D-B243-95D3-A537C874F5BD}"/>
-              </a:ext>
-            </a:extLst>
-          </p:cNvPr>
-          <p:cNvSpPr>
-            <a:spLocks noGrp="1"/>
-          </p:cNvSpPr>
-          <p:nvPr>
-            <p:ph type="title"/>
-          </p:nvPr>
-        </p:nvSpPr>
-        <p:spPr>
-          <a:xfrm>
-            <a:off x="1024128" y="585216"/>
-            <a:ext cx="11167872" cy="1499616"/>
-          </a:xfrm>
-        </p:spPr>
-        <p:txBody>
-          <a:bodyPr>
-            <a:normAutofit/>
-          </a:bodyPr>
-          <a:lstStyle/>
-          <a:p>
-            <a:r>
-              <a:rPr lang="en-US" sz="4800" dirty="0"/>
-              <a:t>Actionable insights</a:t>
-            </a:r>
-          </a:p>
-        </p:txBody>
-      </p:sp>
-      <p:sp>
-        <p:nvSpPr>
-          <p:cNvPr id="5" name="Rectangle 4">
-            <a:extLst>
-              <a:ext uri="{FF2B5EF4-FFF2-40B4-BE49-F238E27FC236}">
-                <a16:creationId xmlns:a16="http://schemas.microsoft.com/office/drawing/2014/main" id="{C19BC429-679C-7247-A0DA-BCF4C0C702BC}"/>
-              </a:ext>
-            </a:extLst>
-          </p:cNvPr>
-          <p:cNvSpPr/>
-          <p:nvPr/>
-        </p:nvSpPr>
-        <p:spPr>
-          <a:xfrm>
-            <a:off x="-2" y="0"/>
-            <a:ext cx="12192000" cy="6858000"/>
-          </a:xfrm>
-          <a:prstGeom prst="rect">
-            <a:avLst/>
-          </a:prstGeom>
-          <a:solidFill>
-            <a:schemeClr val="dk1">
-              <a:alpha val="54695"/>
-            </a:schemeClr>
-          </a:solidFill>
-        </p:spPr>
-        <p:style>
-          <a:lnRef idx="2">
-            <a:schemeClr val="dk1">
-              <a:shade val="50000"/>
-            </a:schemeClr>
-          </a:lnRef>
-          <a:fillRef idx="1">
-            <a:schemeClr val="dk1"/>
-          </a:fillRef>
-          <a:effectRef idx="0">
-            <a:schemeClr val="dk1"/>
-          </a:effectRef>
-          <a:fontRef idx="minor">
-            <a:schemeClr val="lt1"/>
-          </a:fontRef>
-        </p:style>
-        <p:txBody>
-          <a:bodyPr rtlCol="0" anchor="ctr"/>
-          <a:lstStyle/>
-          <a:p>
-            <a:pPr algn="ctr"/>
-            <a:endParaRPr lang="en-US" dirty="0"/>
-          </a:p>
-        </p:txBody>
-      </p:sp>
-      <p:sp>
-        <p:nvSpPr>
-          <p:cNvPr id="6" name="Rectangle 5">
-            <a:extLst>
-              <a:ext uri="{FF2B5EF4-FFF2-40B4-BE49-F238E27FC236}">
-                <a16:creationId xmlns:a16="http://schemas.microsoft.com/office/drawing/2014/main" id="{30245D72-AB34-2C4F-8855-D56139C278B3}"/>
-              </a:ext>
-            </a:extLst>
-          </p:cNvPr>
-          <p:cNvSpPr/>
-          <p:nvPr/>
-        </p:nvSpPr>
-        <p:spPr>
-          <a:xfrm>
-            <a:off x="0" y="-1"/>
-            <a:ext cx="6096000" cy="6858000"/>
-          </a:xfrm>
-          <a:prstGeom prst="rect">
-            <a:avLst/>
-          </a:prstGeom>
-          <a:solidFill>
-            <a:schemeClr val="accent1"/>
-          </a:solidFill>
-          <a:ln>
-            <a:solidFill>
-              <a:schemeClr val="accent1"/>
-            </a:solidFill>
-          </a:ln>
-        </p:spPr>
-        <p:style>
-          <a:lnRef idx="2">
-            <a:schemeClr val="accent1">
-              <a:shade val="50000"/>
-            </a:schemeClr>
-          </a:lnRef>
-          <a:fillRef idx="1">
-            <a:schemeClr val="accent1"/>
-          </a:fillRef>
-          <a:effectRef idx="0">
-            <a:schemeClr val="accent1"/>
-          </a:effectRef>
-          <a:fontRef idx="minor">
-            <a:schemeClr val="lt1"/>
-          </a:fontRef>
-        </p:style>
-        <p:txBody>
-          <a:bodyPr rtlCol="0" anchor="ctr"/>
-          <a:lstStyle/>
-          <a:p>
-            <a:pPr lvl="1" algn="just"/>
-            <a:endParaRPr lang="en-US" dirty="0"/>
-          </a:p>
-        </p:txBody>
-      </p:sp>
-      <p:sp>
-        <p:nvSpPr>
-          <p:cNvPr id="7" name="TextBox 6">
-            <a:extLst>
-              <a:ext uri="{FF2B5EF4-FFF2-40B4-BE49-F238E27FC236}">
-                <a16:creationId xmlns:a16="http://schemas.microsoft.com/office/drawing/2014/main" id="{A8395157-BD18-754D-B33E-B297D8ADBB26}"/>
-              </a:ext>
-            </a:extLst>
-          </p:cNvPr>
-          <p:cNvSpPr txBox="1"/>
-          <p:nvPr/>
-        </p:nvSpPr>
-        <p:spPr>
-          <a:xfrm>
-            <a:off x="77302" y="889842"/>
-            <a:ext cx="5699759" cy="2862322"/>
-          </a:xfrm>
-          <a:prstGeom prst="rect">
-            <a:avLst/>
-          </a:prstGeom>
-          <a:noFill/>
-        </p:spPr>
-        <p:txBody>
-          <a:bodyPr wrap="square" rtlCol="0">
-            <a:spAutoFit/>
-          </a:bodyPr>
-          <a:lstStyle/>
-          <a:p>
-            <a:pPr lvl="1" algn="just"/>
-            <a:r>
-              <a:rPr lang="en-US" b="1" dirty="0">
-                <a:solidFill>
-                  <a:prstClr val="white"/>
-                </a:solidFill>
-              </a:rPr>
-              <a:t>Key insights:</a:t>
-            </a:r>
-          </a:p>
-          <a:p>
-            <a:pPr marL="742950" lvl="1" indent="-285750" algn="just">
-              <a:buFont typeface="Arial" panose="020B0604020202020204" pitchFamily="34" charset="0"/>
-              <a:buChar char="•"/>
-            </a:pPr>
-            <a:r>
-              <a:rPr lang="en-US" dirty="0">
-                <a:solidFill>
-                  <a:prstClr val="white"/>
-                </a:solidFill>
-              </a:rPr>
-              <a:t>When all variables are being controlled and the causal model is specified, the registered and license practical nurses have positive effects on health inspection rating as expected.</a:t>
-            </a:r>
-          </a:p>
-          <a:p>
-            <a:pPr marL="742950" lvl="1" indent="-285750" algn="just">
-              <a:buFont typeface="Arial" panose="020B0604020202020204" pitchFamily="34" charset="0"/>
-              <a:buChar char="•"/>
-            </a:pPr>
-            <a:r>
-              <a:rPr lang="en-US" dirty="0">
-                <a:solidFill>
-                  <a:prstClr val="white"/>
-                </a:solidFill>
-              </a:rPr>
-              <a:t>With the nurse aides being present in facilities, their positive effect on health inspection rating is relatively less.</a:t>
-            </a:r>
-          </a:p>
-          <a:p>
-            <a:pPr marL="742950" lvl="1" indent="-285750" algn="just">
-              <a:buFont typeface="Arial" panose="020B0604020202020204" pitchFamily="34" charset="0"/>
-              <a:buChar char="•"/>
-            </a:pPr>
-            <a:r>
-              <a:rPr lang="en-US" dirty="0">
-                <a:solidFill>
-                  <a:prstClr val="white"/>
-                </a:solidFill>
-              </a:rPr>
-              <a:t>When the interaction term is applied, things become more interesting.</a:t>
-            </a:r>
-          </a:p>
-        </p:txBody>
-      </p:sp>
-    </p:spTree>
-    <p:extLst>
-      <p:ext uri="{BB962C8B-B14F-4D97-AF65-F5344CB8AC3E}">
-        <p14:creationId xmlns:p14="http://schemas.microsoft.com/office/powerpoint/2010/main" val="500877750"/>
-      </p:ext>
-    </p:extLst>
-  </p:cSld>
-  <p:clrMapOvr>
-    <a:masterClrMapping/>
-  </p:clrMapOvr>
-  <mc:AlternateContent xmlns:mc="http://schemas.openxmlformats.org/markup-compatibility/2006" xmlns:p159="http://schemas.microsoft.com/office/powerpoint/2015/09/main">
-    <mc:Choice Requires="p159">
-      <p:transition xmlns:p14="http://schemas.microsoft.com/office/powerpoint/2010/main" spd="slow" p14:dur="2000" advClick="0">
-        <p159:morph option="byObject"/>
-      </p:transition>
-    </mc:Choice>
-    <mc:Fallback xmlns="">
-      <p:transition spd="slow" advClick="0">
-        <p:fade/>
-      </p:transition>
-    </mc:Fallback>
-  </mc:AlternateContent>
-</p:sld>
-</file>
-
-<file path=ppt/slides/slide27.xml><?xml version="1.0" encoding="utf-8"?>
-<p:sld xmlns:a="http://schemas.openxmlformats.org/drawingml/2006/main" xmlns:r="http://schemas.openxmlformats.org/officeDocument/2006/relationships" xmlns:p="http://schemas.openxmlformats.org/presentationml/2006/main">
-  <p:cSld>
-    <p:spTree>
-      <p:nvGrpSpPr>
-        <p:cNvPr id="1" name=""/>
-        <p:cNvGrpSpPr/>
-        <p:nvPr/>
-      </p:nvGrpSpPr>
-      <p:grpSpPr>
-        <a:xfrm>
-          <a:off x="0" y="0"/>
-          <a:ext cx="0" cy="0"/>
-          <a:chOff x="0" y="0"/>
-          <a:chExt cx="0" cy="0"/>
-        </a:xfrm>
-      </p:grpSpPr>
-      <p:pic>
-        <p:nvPicPr>
-          <p:cNvPr id="4" name="Picture 3">
-            <a:extLst>
-              <a:ext uri="{FF2B5EF4-FFF2-40B4-BE49-F238E27FC236}">
-                <a16:creationId xmlns:a16="http://schemas.microsoft.com/office/drawing/2014/main" id="{BAACE20A-094E-6A44-BF20-BC2676706FD5}"/>
-              </a:ext>
-            </a:extLst>
-          </p:cNvPr>
-          <p:cNvPicPr>
-            <a:picLocks noChangeAspect="1"/>
-          </p:cNvPicPr>
-          <p:nvPr/>
-        </p:nvPicPr>
-        <p:blipFill>
-          <a:blip r:embed="rId2"/>
-          <a:stretch>
-            <a:fillRect/>
-          </a:stretch>
-        </p:blipFill>
-        <p:spPr>
-          <a:xfrm>
-            <a:off x="2231687" y="1705583"/>
-            <a:ext cx="7728624" cy="5152416"/>
-          </a:xfrm>
-          <a:prstGeom prst="rect">
-            <a:avLst/>
-          </a:prstGeom>
-        </p:spPr>
-      </p:pic>
-      <p:sp>
-        <p:nvSpPr>
-          <p:cNvPr id="2" name="Title 1">
-            <a:extLst>
-              <a:ext uri="{FF2B5EF4-FFF2-40B4-BE49-F238E27FC236}">
-                <a16:creationId xmlns:a16="http://schemas.microsoft.com/office/drawing/2014/main" id="{044BA6A0-EC7D-B243-95D3-A537C874F5BD}"/>
-              </a:ext>
-            </a:extLst>
-          </p:cNvPr>
-          <p:cNvSpPr>
-            <a:spLocks noGrp="1"/>
-          </p:cNvSpPr>
-          <p:nvPr>
-            <p:ph type="title"/>
-          </p:nvPr>
-        </p:nvSpPr>
-        <p:spPr>
-          <a:xfrm>
-            <a:off x="1024128" y="585216"/>
-            <a:ext cx="11167872" cy="1499616"/>
-          </a:xfrm>
-        </p:spPr>
-        <p:txBody>
-          <a:bodyPr>
-            <a:normAutofit/>
-          </a:bodyPr>
-          <a:lstStyle/>
-          <a:p>
-            <a:r>
-              <a:rPr lang="en-US" sz="4800" dirty="0"/>
-              <a:t>Actionable insights</a:t>
-            </a:r>
-          </a:p>
-        </p:txBody>
-      </p:sp>
-      <p:sp>
-        <p:nvSpPr>
-          <p:cNvPr id="5" name="Rectangle 4">
-            <a:extLst>
-              <a:ext uri="{FF2B5EF4-FFF2-40B4-BE49-F238E27FC236}">
-                <a16:creationId xmlns:a16="http://schemas.microsoft.com/office/drawing/2014/main" id="{C19BC429-679C-7247-A0DA-BCF4C0C702BC}"/>
-              </a:ext>
-            </a:extLst>
-          </p:cNvPr>
-          <p:cNvSpPr/>
-          <p:nvPr/>
-        </p:nvSpPr>
-        <p:spPr>
-          <a:xfrm>
-            <a:off x="-2" y="0"/>
-            <a:ext cx="12192000" cy="6858000"/>
-          </a:xfrm>
-          <a:prstGeom prst="rect">
-            <a:avLst/>
-          </a:prstGeom>
-          <a:solidFill>
-            <a:schemeClr val="dk1">
-              <a:alpha val="54695"/>
-            </a:schemeClr>
-          </a:solidFill>
-        </p:spPr>
-        <p:style>
-          <a:lnRef idx="2">
-            <a:schemeClr val="dk1">
-              <a:shade val="50000"/>
-            </a:schemeClr>
-          </a:lnRef>
-          <a:fillRef idx="1">
-            <a:schemeClr val="dk1"/>
-          </a:fillRef>
-          <a:effectRef idx="0">
-            <a:schemeClr val="dk1"/>
-          </a:effectRef>
-          <a:fontRef idx="minor">
-            <a:schemeClr val="lt1"/>
-          </a:fontRef>
-        </p:style>
-        <p:txBody>
-          <a:bodyPr rtlCol="0" anchor="ctr"/>
-          <a:lstStyle/>
-          <a:p>
-            <a:pPr algn="ctr"/>
-            <a:endParaRPr lang="en-US" dirty="0"/>
-          </a:p>
-        </p:txBody>
-      </p:sp>
-      <p:sp>
-        <p:nvSpPr>
-          <p:cNvPr id="6" name="Rectangle 5">
-            <a:extLst>
-              <a:ext uri="{FF2B5EF4-FFF2-40B4-BE49-F238E27FC236}">
-                <a16:creationId xmlns:a16="http://schemas.microsoft.com/office/drawing/2014/main" id="{30245D72-AB34-2C4F-8855-D56139C278B3}"/>
-              </a:ext>
-            </a:extLst>
-          </p:cNvPr>
-          <p:cNvSpPr/>
-          <p:nvPr/>
-        </p:nvSpPr>
-        <p:spPr>
-          <a:xfrm>
-            <a:off x="6096000" y="-1"/>
-            <a:ext cx="6096000" cy="6858000"/>
-          </a:xfrm>
-          <a:prstGeom prst="rect">
-            <a:avLst/>
-          </a:prstGeom>
-          <a:solidFill>
-            <a:schemeClr val="accent1"/>
-          </a:solidFill>
-          <a:ln>
-            <a:solidFill>
-              <a:schemeClr val="accent1"/>
-            </a:solidFill>
-          </a:ln>
-        </p:spPr>
-        <p:style>
-          <a:lnRef idx="2">
-            <a:schemeClr val="accent1">
-              <a:shade val="50000"/>
-            </a:schemeClr>
-          </a:lnRef>
-          <a:fillRef idx="1">
-            <a:schemeClr val="accent1"/>
-          </a:fillRef>
-          <a:effectRef idx="0">
-            <a:schemeClr val="accent1"/>
-          </a:effectRef>
-          <a:fontRef idx="minor">
-            <a:schemeClr val="lt1"/>
-          </a:fontRef>
-        </p:style>
-        <p:txBody>
-          <a:bodyPr rtlCol="0" anchor="ctr"/>
-          <a:lstStyle/>
-          <a:p>
-            <a:pPr lvl="1" algn="just"/>
-            <a:endParaRPr lang="en-US" dirty="0"/>
-          </a:p>
-        </p:txBody>
-      </p:sp>
-      <p:sp>
-        <p:nvSpPr>
-          <p:cNvPr id="7" name="TextBox 6">
-            <a:extLst>
-              <a:ext uri="{FF2B5EF4-FFF2-40B4-BE49-F238E27FC236}">
-                <a16:creationId xmlns:a16="http://schemas.microsoft.com/office/drawing/2014/main" id="{A8395157-BD18-754D-B33E-B297D8ADBB26}"/>
-              </a:ext>
-            </a:extLst>
-          </p:cNvPr>
-          <p:cNvSpPr txBox="1"/>
-          <p:nvPr/>
-        </p:nvSpPr>
-        <p:spPr>
-          <a:xfrm>
-            <a:off x="6095998" y="-2"/>
-            <a:ext cx="5699759" cy="6740307"/>
-          </a:xfrm>
-          <a:prstGeom prst="rect">
-            <a:avLst/>
-          </a:prstGeom>
-          <a:noFill/>
-        </p:spPr>
-        <p:txBody>
-          <a:bodyPr wrap="square" rtlCol="0">
-            <a:spAutoFit/>
-          </a:bodyPr>
-          <a:lstStyle/>
-          <a:p>
-            <a:pPr lvl="1" algn="just"/>
-            <a:r>
-              <a:rPr lang="en-US" b="1" dirty="0">
-                <a:solidFill>
-                  <a:prstClr val="white"/>
-                </a:solidFill>
-              </a:rPr>
-              <a:t>Interaction Terms:</a:t>
-            </a:r>
-          </a:p>
-          <a:p>
-            <a:pPr marL="742950" lvl="1" indent="-285750" algn="just">
-              <a:buFont typeface="Arial" panose="020B0604020202020204" pitchFamily="34" charset="0"/>
-              <a:buChar char="•"/>
-            </a:pPr>
-            <a:r>
-              <a:rPr lang="en-US" dirty="0">
-                <a:solidFill>
-                  <a:schemeClr val="bg1"/>
-                </a:solidFill>
-                <a:latin typeface="-apple-system"/>
-              </a:rPr>
-              <a:t>When the </a:t>
-            </a:r>
-            <a:r>
-              <a:rPr lang="en-US" i="1" dirty="0">
-                <a:solidFill>
-                  <a:schemeClr val="bg1"/>
-                </a:solidFill>
-                <a:latin typeface="-apple-system"/>
-              </a:rPr>
-              <a:t>h</a:t>
-            </a:r>
-            <a:r>
-              <a:rPr lang="en-US" i="1" baseline="-25000" dirty="0">
-                <a:solidFill>
-                  <a:schemeClr val="bg1"/>
-                </a:solidFill>
-                <a:latin typeface="-apple-system"/>
-              </a:rPr>
-              <a:t>i</a:t>
-            </a:r>
-            <a:r>
-              <a:rPr lang="en-US" dirty="0">
-                <a:solidFill>
-                  <a:schemeClr val="bg1"/>
-                </a:solidFill>
-                <a:latin typeface="-apple-system"/>
-              </a:rPr>
-              <a:t> interacts with </a:t>
-            </a:r>
-            <a:r>
-              <a:rPr lang="en-US" i="1" dirty="0">
-                <a:solidFill>
-                  <a:schemeClr val="bg1"/>
-                </a:solidFill>
-                <a:latin typeface="-apple-system"/>
-              </a:rPr>
-              <a:t>nur_aid</a:t>
-            </a:r>
-            <a:r>
-              <a:rPr lang="en-US" i="1" baseline="-25000" dirty="0">
-                <a:solidFill>
-                  <a:schemeClr val="bg1"/>
-                </a:solidFill>
-                <a:latin typeface="-apple-system"/>
-              </a:rPr>
-              <a:t>i</a:t>
-            </a:r>
-            <a:r>
-              <a:rPr lang="en-US" dirty="0">
-                <a:solidFill>
-                  <a:schemeClr val="bg1"/>
-                </a:solidFill>
-                <a:latin typeface="-apple-system"/>
-              </a:rPr>
-              <a:t>, the increase in number of hours that the nurse aides spend with residents each day has little to no impact on health inspection rating.</a:t>
-            </a:r>
-          </a:p>
-          <a:p>
-            <a:pPr lvl="1" algn="just"/>
-            <a:endParaRPr lang="en-US" dirty="0">
-              <a:solidFill>
-                <a:schemeClr val="bg1"/>
-              </a:solidFill>
-              <a:latin typeface="-apple-system"/>
-            </a:endParaRPr>
-          </a:p>
-          <a:p>
-            <a:pPr marL="742950" lvl="1" indent="-285750" algn="just">
-              <a:buFont typeface="Arial" panose="020B0604020202020204" pitchFamily="34" charset="0"/>
-              <a:buChar char="•"/>
-            </a:pPr>
-            <a:r>
-              <a:rPr lang="en-US" dirty="0">
-                <a:solidFill>
-                  <a:schemeClr val="bg1"/>
-                </a:solidFill>
-                <a:latin typeface="-apple-system"/>
-              </a:rPr>
-              <a:t>The registered nurses that interacts with </a:t>
-            </a:r>
-            <a:r>
-              <a:rPr lang="en-US" i="1" dirty="0">
-                <a:solidFill>
-                  <a:schemeClr val="bg1"/>
-                </a:solidFill>
-                <a:latin typeface="-apple-system"/>
-              </a:rPr>
-              <a:t>h</a:t>
-            </a:r>
-            <a:r>
-              <a:rPr lang="en-US" i="1" baseline="-25000" dirty="0">
-                <a:solidFill>
-                  <a:schemeClr val="bg1"/>
-                </a:solidFill>
-                <a:latin typeface="-apple-system"/>
-              </a:rPr>
-              <a:t>i</a:t>
-            </a:r>
-            <a:r>
-              <a:rPr lang="en-US" dirty="0">
-                <a:solidFill>
-                  <a:schemeClr val="bg1"/>
-                </a:solidFill>
-                <a:latin typeface="-apple-system"/>
-              </a:rPr>
-              <a:t> have a positive impact on this rating on the significance level.</a:t>
-            </a:r>
-          </a:p>
-          <a:p>
-            <a:pPr lvl="1" algn="just"/>
-            <a:endParaRPr lang="en-US" dirty="0">
-              <a:solidFill>
-                <a:schemeClr val="bg1"/>
-              </a:solidFill>
-              <a:latin typeface="-apple-system"/>
-            </a:endParaRPr>
-          </a:p>
-          <a:p>
-            <a:pPr marL="742950" lvl="1" indent="-285750" algn="just">
-              <a:buFont typeface="Arial" panose="020B0604020202020204" pitchFamily="34" charset="0"/>
-              <a:buChar char="•"/>
-            </a:pPr>
-            <a:r>
-              <a:rPr lang="en-US" dirty="0">
-                <a:solidFill>
-                  <a:schemeClr val="bg1"/>
-                </a:solidFill>
-                <a:latin typeface="-apple-system"/>
-              </a:rPr>
-              <a:t>More surprisingly, when the </a:t>
-            </a:r>
-            <a:r>
-              <a:rPr lang="en-US" i="1" dirty="0">
-                <a:solidFill>
-                  <a:schemeClr val="bg1"/>
-                </a:solidFill>
-                <a:latin typeface="-apple-system"/>
-              </a:rPr>
-              <a:t>h</a:t>
-            </a:r>
-            <a:r>
-              <a:rPr lang="en-US" i="1" baseline="-25000" dirty="0">
-                <a:solidFill>
-                  <a:schemeClr val="bg1"/>
-                </a:solidFill>
-                <a:latin typeface="-apple-system"/>
-              </a:rPr>
-              <a:t>i</a:t>
-            </a:r>
-            <a:r>
-              <a:rPr lang="en-US" dirty="0">
-                <a:solidFill>
-                  <a:schemeClr val="bg1"/>
-                </a:solidFill>
-                <a:latin typeface="-apple-system"/>
-              </a:rPr>
-              <a:t> interacts with </a:t>
-            </a:r>
-            <a:r>
-              <a:rPr lang="en-US" i="1" dirty="0" err="1">
-                <a:solidFill>
-                  <a:schemeClr val="bg1"/>
-                </a:solidFill>
-                <a:latin typeface="-apple-system"/>
-              </a:rPr>
-              <a:t>lpn</a:t>
-            </a:r>
-            <a:r>
-              <a:rPr lang="en-US" i="1" baseline="-25000" dirty="0" err="1">
-                <a:solidFill>
-                  <a:schemeClr val="bg1"/>
-                </a:solidFill>
-                <a:latin typeface="-apple-system"/>
-              </a:rPr>
-              <a:t>i</a:t>
-            </a:r>
-            <a:r>
-              <a:rPr lang="en-US" dirty="0">
-                <a:solidFill>
-                  <a:schemeClr val="bg1"/>
-                </a:solidFill>
-                <a:latin typeface="-apple-system"/>
-              </a:rPr>
-              <a:t>, the coefficient is -0.0881 with margin of error equal 0.07, and that is, the incremental increase in the number of hours that license practical nurses spend has a negative impact on this rating on the significance level.</a:t>
-            </a:r>
-          </a:p>
-          <a:p>
-            <a:pPr lvl="1" algn="just"/>
-            <a:endParaRPr lang="en-US" dirty="0">
-              <a:solidFill>
-                <a:schemeClr val="bg1"/>
-              </a:solidFill>
-              <a:latin typeface="-apple-system"/>
-            </a:endParaRPr>
-          </a:p>
-          <a:p>
-            <a:pPr lvl="1" algn="just"/>
-            <a:r>
-              <a:rPr lang="en-US" dirty="0">
-                <a:solidFill>
-                  <a:schemeClr val="accent1">
-                    <a:lumMod val="60000"/>
-                    <a:lumOff val="40000"/>
-                  </a:schemeClr>
-                </a:solidFill>
-                <a:latin typeface="-apple-system"/>
-              </a:rPr>
-              <a:t>For example, the quality score for depressive-related code is higher while the score for catheter-related code is lower. There is potential linkage between the roles of nurses. The registered nurses administer medication and treatments while the license practical nurses comfort the residents and provide the basic care including the insertion of catheters.</a:t>
-            </a:r>
-          </a:p>
-        </p:txBody>
-      </p:sp>
-    </p:spTree>
-    <p:extLst>
-      <p:ext uri="{BB962C8B-B14F-4D97-AF65-F5344CB8AC3E}">
-        <p14:creationId xmlns:p14="http://schemas.microsoft.com/office/powerpoint/2010/main" val="333291060"/>
-      </p:ext>
-    </p:extLst>
-  </p:cSld>
-  <p:clrMapOvr>
-    <a:masterClrMapping/>
-  </p:clrMapOvr>
-  <mc:AlternateContent xmlns:mc="http://schemas.openxmlformats.org/markup-compatibility/2006" xmlns:p159="http://schemas.microsoft.com/office/powerpoint/2015/09/main">
-    <mc:Choice Requires="p159">
-      <p:transition xmlns:p14="http://schemas.microsoft.com/office/powerpoint/2010/main" spd="slow" p14:dur="2000" advClick="0">
-        <p159:morph option="byObject"/>
-      </p:transition>
-    </mc:Choice>
-    <mc:Fallback xmlns="">
-      <p:transition spd="slow" advClick="0">
-        <p:fade/>
-      </p:transition>
-    </mc:Fallback>
-  </mc:AlternateContent>
-</p:sld>
-</file>
-
 <file path=ppt/slides/slide28.xml><?xml version="1.0" encoding="utf-8"?>
 <p:sld xmlns:a="http://schemas.openxmlformats.org/drawingml/2006/main" xmlns:r="http://schemas.openxmlformats.org/officeDocument/2006/relationships" xmlns:p="http://schemas.openxmlformats.org/presentationml/2006/main">
   <p:cSld>
@@ -32664,6 +32736,300 @@
         </p:nvSpPr>
         <p:spPr>
           <a:xfrm>
+            <a:off x="0" y="-1"/>
+            <a:ext cx="6096000" cy="6858000"/>
+          </a:xfrm>
+          <a:prstGeom prst="rect">
+            <a:avLst/>
+          </a:prstGeom>
+          <a:solidFill>
+            <a:schemeClr val="accent1"/>
+          </a:solidFill>
+          <a:ln>
+            <a:solidFill>
+              <a:schemeClr val="accent1"/>
+            </a:solidFill>
+          </a:ln>
+        </p:spPr>
+        <p:style>
+          <a:lnRef idx="2">
+            <a:schemeClr val="accent1">
+              <a:shade val="50000"/>
+            </a:schemeClr>
+          </a:lnRef>
+          <a:fillRef idx="1">
+            <a:schemeClr val="accent1"/>
+          </a:fillRef>
+          <a:effectRef idx="0">
+            <a:schemeClr val="accent1"/>
+          </a:effectRef>
+          <a:fontRef idx="minor">
+            <a:schemeClr val="lt1"/>
+          </a:fontRef>
+        </p:style>
+        <p:txBody>
+          <a:bodyPr rtlCol="0" anchor="ctr"/>
+          <a:lstStyle/>
+          <a:p>
+            <a:pPr lvl="1" algn="just"/>
+            <a:endParaRPr lang="en-US" dirty="0"/>
+          </a:p>
+        </p:txBody>
+      </p:sp>
+      <p:sp>
+        <p:nvSpPr>
+          <p:cNvPr id="7" name="TextBox 6">
+            <a:extLst>
+              <a:ext uri="{FF2B5EF4-FFF2-40B4-BE49-F238E27FC236}">
+                <a16:creationId xmlns:a16="http://schemas.microsoft.com/office/drawing/2014/main" id="{A8395157-BD18-754D-B33E-B297D8ADBB26}"/>
+              </a:ext>
+            </a:extLst>
+          </p:cNvPr>
+          <p:cNvSpPr txBox="1"/>
+          <p:nvPr/>
+        </p:nvSpPr>
+        <p:spPr>
+          <a:xfrm>
+            <a:off x="77302" y="889842"/>
+            <a:ext cx="5699759" cy="2862322"/>
+          </a:xfrm>
+          <a:prstGeom prst="rect">
+            <a:avLst/>
+          </a:prstGeom>
+          <a:noFill/>
+        </p:spPr>
+        <p:txBody>
+          <a:bodyPr wrap="square" rtlCol="0">
+            <a:spAutoFit/>
+          </a:bodyPr>
+          <a:lstStyle/>
+          <a:p>
+            <a:pPr lvl="1" algn="just"/>
+            <a:r>
+              <a:rPr lang="en-US" b="1" dirty="0">
+                <a:solidFill>
+                  <a:prstClr val="white"/>
+                </a:solidFill>
+              </a:rPr>
+              <a:t>Key insights:</a:t>
+            </a:r>
+          </a:p>
+          <a:p>
+            <a:pPr marL="742950" lvl="1" indent="-285750" algn="just">
+              <a:buFont typeface="Arial" panose="020B0604020202020204" pitchFamily="34" charset="0"/>
+              <a:buChar char="•"/>
+            </a:pPr>
+            <a:r>
+              <a:rPr lang="en-US" dirty="0">
+                <a:solidFill>
+                  <a:prstClr val="white"/>
+                </a:solidFill>
+              </a:rPr>
+              <a:t>When all variables are being controlled and the causal model is specified, the registered and license practical nurses have positive effects on health inspection rating as expected.</a:t>
+            </a:r>
+          </a:p>
+          <a:p>
+            <a:pPr marL="742950" lvl="1" indent="-285750" algn="just">
+              <a:buFont typeface="Arial" panose="020B0604020202020204" pitchFamily="34" charset="0"/>
+              <a:buChar char="•"/>
+            </a:pPr>
+            <a:r>
+              <a:rPr lang="en-US" dirty="0">
+                <a:solidFill>
+                  <a:prstClr val="white"/>
+                </a:solidFill>
+              </a:rPr>
+              <a:t>With the nurse aides being present in facilities, their positive effect on health inspection rating is relatively less.</a:t>
+            </a:r>
+          </a:p>
+          <a:p>
+            <a:pPr marL="742950" lvl="1" indent="-285750" algn="just">
+              <a:buFont typeface="Arial" panose="020B0604020202020204" pitchFamily="34" charset="0"/>
+              <a:buChar char="•"/>
+            </a:pPr>
+            <a:r>
+              <a:rPr lang="en-US" dirty="0">
+                <a:solidFill>
+                  <a:prstClr val="white"/>
+                </a:solidFill>
+              </a:rPr>
+              <a:t>When the interaction term is applied, things become more interesting.</a:t>
+            </a:r>
+          </a:p>
+        </p:txBody>
+      </p:sp>
+    </p:spTree>
+    <p:extLst>
+      <p:ext uri="{BB962C8B-B14F-4D97-AF65-F5344CB8AC3E}">
+        <p14:creationId xmlns:p14="http://schemas.microsoft.com/office/powerpoint/2010/main" val="500877750"/>
+      </p:ext>
+    </p:extLst>
+  </p:cSld>
+  <p:clrMapOvr>
+    <a:masterClrMapping/>
+  </p:clrMapOvr>
+  <mc:AlternateContent xmlns:mc="http://schemas.openxmlformats.org/markup-compatibility/2006" xmlns:p159="http://schemas.microsoft.com/office/powerpoint/2015/09/main">
+    <mc:Choice Requires="p159">
+      <p:transition xmlns:p14="http://schemas.microsoft.com/office/powerpoint/2010/main" spd="slow" p14:dur="2000" advClick="0">
+        <p159:morph option="byObject"/>
+      </p:transition>
+    </mc:Choice>
+    <mc:Fallback xmlns="">
+      <p:transition spd="slow" advClick="0">
+        <p:fade/>
+      </p:transition>
+    </mc:Fallback>
+  </mc:AlternateContent>
+</p:sld>
+</file>
+
+<file path=ppt/slides/slide29.xml><?xml version="1.0" encoding="utf-8"?>
+<p:sld xmlns:a="http://schemas.openxmlformats.org/drawingml/2006/main" xmlns:r="http://schemas.openxmlformats.org/officeDocument/2006/relationships" xmlns:p="http://schemas.openxmlformats.org/presentationml/2006/main">
+  <p:cSld>
+    <p:spTree>
+      <p:nvGrpSpPr>
+        <p:cNvPr id="1" name=""/>
+        <p:cNvGrpSpPr/>
+        <p:nvPr/>
+      </p:nvGrpSpPr>
+      <p:grpSpPr>
+        <a:xfrm>
+          <a:off x="0" y="0"/>
+          <a:ext cx="0" cy="0"/>
+          <a:chOff x="0" y="0"/>
+          <a:chExt cx="0" cy="0"/>
+        </a:xfrm>
+      </p:grpSpPr>
+      <p:pic>
+        <p:nvPicPr>
+          <p:cNvPr id="4" name="Picture 3">
+            <a:extLst>
+              <a:ext uri="{FF2B5EF4-FFF2-40B4-BE49-F238E27FC236}">
+                <a16:creationId xmlns:a16="http://schemas.microsoft.com/office/drawing/2014/main" id="{BAACE20A-094E-6A44-BF20-BC2676706FD5}"/>
+              </a:ext>
+            </a:extLst>
+          </p:cNvPr>
+          <p:cNvPicPr>
+            <a:picLocks noChangeAspect="1"/>
+          </p:cNvPicPr>
+          <p:nvPr/>
+        </p:nvPicPr>
+        <p:blipFill>
+          <a:blip r:embed="rId2"/>
+          <a:stretch>
+            <a:fillRect/>
+          </a:stretch>
+        </p:blipFill>
+        <p:spPr>
+          <a:xfrm>
+            <a:off x="2231687" y="1705583"/>
+            <a:ext cx="7728624" cy="5152416"/>
+          </a:xfrm>
+          <a:prstGeom prst="rect">
+            <a:avLst/>
+          </a:prstGeom>
+        </p:spPr>
+      </p:pic>
+      <p:sp>
+        <p:nvSpPr>
+          <p:cNvPr id="2" name="Title 1">
+            <a:extLst>
+              <a:ext uri="{FF2B5EF4-FFF2-40B4-BE49-F238E27FC236}">
+                <a16:creationId xmlns:a16="http://schemas.microsoft.com/office/drawing/2014/main" id="{044BA6A0-EC7D-B243-95D3-A537C874F5BD}"/>
+              </a:ext>
+            </a:extLst>
+          </p:cNvPr>
+          <p:cNvSpPr>
+            <a:spLocks noGrp="1"/>
+          </p:cNvSpPr>
+          <p:nvPr>
+            <p:ph type="title"/>
+          </p:nvPr>
+        </p:nvSpPr>
+        <p:spPr>
+          <a:xfrm>
+            <a:off x="1024128" y="585216"/>
+            <a:ext cx="11167872" cy="1499616"/>
+          </a:xfrm>
+        </p:spPr>
+        <p:txBody>
+          <a:bodyPr>
+            <a:normAutofit/>
+          </a:bodyPr>
+          <a:lstStyle/>
+          <a:p>
+            <a:r>
+              <a:rPr lang="en-US" sz="4800" dirty="0"/>
+              <a:t>Actionable insights</a:t>
+            </a:r>
+          </a:p>
+        </p:txBody>
+      </p:sp>
+      <p:sp>
+        <p:nvSpPr>
+          <p:cNvPr id="5" name="Rectangle 4">
+            <a:extLst>
+              <a:ext uri="{FF2B5EF4-FFF2-40B4-BE49-F238E27FC236}">
+                <a16:creationId xmlns:a16="http://schemas.microsoft.com/office/drawing/2014/main" id="{C19BC429-679C-7247-A0DA-BCF4C0C702BC}"/>
+              </a:ext>
+            </a:extLst>
+          </p:cNvPr>
+          <p:cNvSpPr/>
+          <p:nvPr/>
+        </p:nvSpPr>
+        <p:spPr>
+          <a:xfrm>
+            <a:off x="-2" y="0"/>
+            <a:ext cx="12192000" cy="6858000"/>
+          </a:xfrm>
+          <a:prstGeom prst="rect">
+            <a:avLst/>
+          </a:prstGeom>
+          <a:solidFill>
+            <a:schemeClr val="dk1">
+              <a:alpha val="54695"/>
+            </a:schemeClr>
+          </a:solidFill>
+        </p:spPr>
+        <p:style>
+          <a:lnRef idx="2">
+            <a:schemeClr val="dk1">
+              <a:shade val="50000"/>
+            </a:schemeClr>
+          </a:lnRef>
+          <a:fillRef idx="1">
+            <a:schemeClr val="dk1"/>
+          </a:fillRef>
+          <a:effectRef idx="0">
+            <a:schemeClr val="dk1"/>
+          </a:effectRef>
+          <a:fontRef idx="minor">
+            <a:schemeClr val="lt1"/>
+          </a:fontRef>
+        </p:style>
+        <p:txBody>
+          <a:bodyPr rtlCol="0" anchor="ctr"/>
+          <a:lstStyle/>
+          <a:p>
+            <a:pPr algn="ctr"/>
+            <a:endParaRPr lang="en-US" dirty="0"/>
+          </a:p>
+        </p:txBody>
+      </p:sp>
+      <p:sp>
+        <p:nvSpPr>
+          <p:cNvPr id="6" name="Rectangle 5">
+            <a:extLst>
+              <a:ext uri="{FF2B5EF4-FFF2-40B4-BE49-F238E27FC236}">
+                <a16:creationId xmlns:a16="http://schemas.microsoft.com/office/drawing/2014/main" id="{30245D72-AB34-2C4F-8855-D56139C278B3}"/>
+              </a:ext>
+            </a:extLst>
+          </p:cNvPr>
+          <p:cNvSpPr/>
+          <p:nvPr/>
+        </p:nvSpPr>
+        <p:spPr>
+          <a:xfrm>
             <a:off x="6096000" y="-1"/>
             <a:ext cx="6096000" cy="6858000"/>
           </a:xfrm>
@@ -32718,8 +33084,8 @@
         </p:nvSpPr>
         <p:spPr>
           <a:xfrm>
-            <a:off x="6095998" y="-2"/>
-            <a:ext cx="5699759" cy="6740307"/>
+            <a:off x="6173302" y="889842"/>
+            <a:ext cx="5699759" cy="1754326"/>
           </a:xfrm>
           <a:prstGeom prst="rect">
             <a:avLst/>
@@ -32736,649 +33102,477 @@
             <a:r>
               <a:rPr lang="en-US" b="1" dirty="0">
                 <a:solidFill>
-                  <a:schemeClr val="accent1">
-                    <a:lumMod val="60000"/>
-                    <a:lumOff val="40000"/>
-                  </a:schemeClr>
+                  <a:prstClr val="white"/>
                 </a:solidFill>
               </a:rPr>
-              <a:t>Interaction Terms:</a:t>
+              <a:t>Before discussion goes further:</a:t>
             </a:r>
-          </a:p>
-          <a:p>
-            <a:pPr marL="742950" lvl="1" indent="-285750" algn="just">
-              <a:buFont typeface="Arial" panose="020B0604020202020204" pitchFamily="34" charset="0"/>
-              <a:buChar char="•"/>
-            </a:pPr>
-            <a:r>
-              <a:rPr lang="en-US" dirty="0">
-                <a:solidFill>
-                  <a:schemeClr val="accent1">
-                    <a:lumMod val="60000"/>
-                    <a:lumOff val="40000"/>
-                  </a:schemeClr>
-                </a:solidFill>
-                <a:latin typeface="-apple-system"/>
-              </a:rPr>
-              <a:t>When the </a:t>
-            </a:r>
-            <a:r>
-              <a:rPr lang="en-US" i="1" dirty="0">
-                <a:solidFill>
-                  <a:schemeClr val="accent1">
-                    <a:lumMod val="60000"/>
-                    <a:lumOff val="40000"/>
-                  </a:schemeClr>
-                </a:solidFill>
-                <a:latin typeface="-apple-system"/>
-              </a:rPr>
-              <a:t>h</a:t>
-            </a:r>
-            <a:r>
-              <a:rPr lang="en-US" i="1" baseline="-25000" dirty="0">
-                <a:solidFill>
-                  <a:schemeClr val="accent1">
-                    <a:lumMod val="60000"/>
-                    <a:lumOff val="40000"/>
-                  </a:schemeClr>
-                </a:solidFill>
-                <a:latin typeface="-apple-system"/>
-              </a:rPr>
-              <a:t>i</a:t>
-            </a:r>
-            <a:r>
-              <a:rPr lang="en-US" dirty="0">
-                <a:solidFill>
-                  <a:schemeClr val="accent1">
-                    <a:lumMod val="60000"/>
-                    <a:lumOff val="40000"/>
-                  </a:schemeClr>
-                </a:solidFill>
-                <a:latin typeface="-apple-system"/>
-              </a:rPr>
-              <a:t> interacts with </a:t>
-            </a:r>
-            <a:r>
-              <a:rPr lang="en-US" i="1" dirty="0">
-                <a:solidFill>
-                  <a:schemeClr val="accent1">
-                    <a:lumMod val="60000"/>
-                    <a:lumOff val="40000"/>
-                  </a:schemeClr>
-                </a:solidFill>
-                <a:latin typeface="-apple-system"/>
-              </a:rPr>
-              <a:t>nur_aid</a:t>
-            </a:r>
-            <a:r>
-              <a:rPr lang="en-US" i="1" baseline="-25000" dirty="0">
-                <a:solidFill>
-                  <a:schemeClr val="accent1">
-                    <a:lumMod val="60000"/>
-                    <a:lumOff val="40000"/>
-                  </a:schemeClr>
-                </a:solidFill>
-                <a:latin typeface="-apple-system"/>
-              </a:rPr>
-              <a:t>i</a:t>
-            </a:r>
-            <a:r>
-              <a:rPr lang="en-US" dirty="0">
-                <a:solidFill>
-                  <a:schemeClr val="accent1">
-                    <a:lumMod val="60000"/>
-                    <a:lumOff val="40000"/>
-                  </a:schemeClr>
-                </a:solidFill>
-                <a:latin typeface="-apple-system"/>
-              </a:rPr>
-              <a:t>, the increase in number of hours that the nurse aides spend with residents each day has little to no impact on health inspection rating.</a:t>
-            </a:r>
-          </a:p>
-          <a:p>
-            <a:pPr lvl="1" algn="just"/>
-            <a:endParaRPr lang="en-US" dirty="0">
-              <a:solidFill>
-                <a:schemeClr val="accent1">
-                  <a:lumMod val="60000"/>
-                  <a:lumOff val="40000"/>
-                </a:schemeClr>
-              </a:solidFill>
-              <a:latin typeface="-apple-system"/>
-            </a:endParaRPr>
-          </a:p>
-          <a:p>
-            <a:pPr marL="742950" lvl="1" indent="-285750" algn="just">
-              <a:buFont typeface="Arial" panose="020B0604020202020204" pitchFamily="34" charset="0"/>
-              <a:buChar char="•"/>
-            </a:pPr>
-            <a:r>
-              <a:rPr lang="en-US" dirty="0">
-                <a:solidFill>
-                  <a:schemeClr val="accent1">
-                    <a:lumMod val="60000"/>
-                    <a:lumOff val="40000"/>
-                  </a:schemeClr>
-                </a:solidFill>
-                <a:latin typeface="-apple-system"/>
-              </a:rPr>
-              <a:t>The registered nurses that interacts with </a:t>
-            </a:r>
-            <a:r>
-              <a:rPr lang="en-US" i="1" dirty="0">
-                <a:solidFill>
-                  <a:schemeClr val="accent1">
-                    <a:lumMod val="60000"/>
-                    <a:lumOff val="40000"/>
-                  </a:schemeClr>
-                </a:solidFill>
-                <a:latin typeface="-apple-system"/>
-              </a:rPr>
-              <a:t>h</a:t>
-            </a:r>
-            <a:r>
-              <a:rPr lang="en-US" i="1" baseline="-25000" dirty="0">
-                <a:solidFill>
-                  <a:schemeClr val="accent1">
-                    <a:lumMod val="60000"/>
-                    <a:lumOff val="40000"/>
-                  </a:schemeClr>
-                </a:solidFill>
-                <a:latin typeface="-apple-system"/>
-              </a:rPr>
-              <a:t>i</a:t>
-            </a:r>
-            <a:r>
-              <a:rPr lang="en-US" dirty="0">
-                <a:solidFill>
-                  <a:schemeClr val="accent1">
-                    <a:lumMod val="60000"/>
-                    <a:lumOff val="40000"/>
-                  </a:schemeClr>
-                </a:solidFill>
-                <a:latin typeface="-apple-system"/>
-              </a:rPr>
-              <a:t> have a positive impact on this rating on the significance level.</a:t>
-            </a:r>
-          </a:p>
-          <a:p>
-            <a:pPr lvl="1" algn="just"/>
-            <a:endParaRPr lang="en-US" dirty="0">
-              <a:solidFill>
-                <a:schemeClr val="accent1">
-                  <a:lumMod val="60000"/>
-                  <a:lumOff val="40000"/>
-                </a:schemeClr>
-              </a:solidFill>
-              <a:latin typeface="-apple-system"/>
-            </a:endParaRPr>
-          </a:p>
-          <a:p>
-            <a:pPr marL="742950" lvl="1" indent="-285750" algn="just">
-              <a:buFont typeface="Arial" panose="020B0604020202020204" pitchFamily="34" charset="0"/>
-              <a:buChar char="•"/>
-            </a:pPr>
-            <a:r>
-              <a:rPr lang="en-US" dirty="0">
-                <a:solidFill>
-                  <a:schemeClr val="accent1">
-                    <a:lumMod val="60000"/>
-                    <a:lumOff val="40000"/>
-                  </a:schemeClr>
-                </a:solidFill>
-                <a:latin typeface="-apple-system"/>
-              </a:rPr>
-              <a:t>More surprisingly, when the </a:t>
-            </a:r>
-            <a:r>
-              <a:rPr lang="en-US" i="1" dirty="0">
-                <a:solidFill>
-                  <a:schemeClr val="accent1">
-                    <a:lumMod val="60000"/>
-                    <a:lumOff val="40000"/>
-                  </a:schemeClr>
-                </a:solidFill>
-                <a:latin typeface="-apple-system"/>
-              </a:rPr>
-              <a:t>h</a:t>
-            </a:r>
-            <a:r>
-              <a:rPr lang="en-US" i="1" baseline="-25000" dirty="0">
-                <a:solidFill>
-                  <a:schemeClr val="accent1">
-                    <a:lumMod val="60000"/>
-                    <a:lumOff val="40000"/>
-                  </a:schemeClr>
-                </a:solidFill>
-                <a:latin typeface="-apple-system"/>
-              </a:rPr>
-              <a:t>i</a:t>
-            </a:r>
-            <a:r>
-              <a:rPr lang="en-US" dirty="0">
-                <a:solidFill>
-                  <a:schemeClr val="accent1">
-                    <a:lumMod val="60000"/>
-                    <a:lumOff val="40000"/>
-                  </a:schemeClr>
-                </a:solidFill>
-                <a:latin typeface="-apple-system"/>
-              </a:rPr>
-              <a:t> interacts with </a:t>
-            </a:r>
-            <a:r>
-              <a:rPr lang="en-US" i="1" dirty="0" err="1">
-                <a:solidFill>
-                  <a:schemeClr val="accent1">
-                    <a:lumMod val="60000"/>
-                    <a:lumOff val="40000"/>
-                  </a:schemeClr>
-                </a:solidFill>
-                <a:latin typeface="-apple-system"/>
-              </a:rPr>
-              <a:t>lpn</a:t>
-            </a:r>
-            <a:r>
-              <a:rPr lang="en-US" i="1" baseline="-25000" dirty="0" err="1">
-                <a:solidFill>
-                  <a:schemeClr val="accent1">
-                    <a:lumMod val="60000"/>
-                    <a:lumOff val="40000"/>
-                  </a:schemeClr>
-                </a:solidFill>
-                <a:latin typeface="-apple-system"/>
-              </a:rPr>
-              <a:t>i</a:t>
-            </a:r>
-            <a:r>
-              <a:rPr lang="en-US" dirty="0">
-                <a:solidFill>
-                  <a:schemeClr val="accent1">
-                    <a:lumMod val="60000"/>
-                    <a:lumOff val="40000"/>
-                  </a:schemeClr>
-                </a:solidFill>
-                <a:latin typeface="-apple-system"/>
-              </a:rPr>
-              <a:t>, the coefficient is -0.0881 with margin of error equal 0.07, and that is, the incremental increase in the number of hours that license practical nurses spend has a negative impact on this rating on the significance level.</a:t>
-            </a:r>
-          </a:p>
-          <a:p>
-            <a:pPr lvl="1" algn="just"/>
-            <a:endParaRPr lang="en-US" dirty="0">
-              <a:solidFill>
-                <a:schemeClr val="bg1"/>
-              </a:solidFill>
-              <a:latin typeface="-apple-system"/>
-            </a:endParaRPr>
           </a:p>
           <a:p>
             <a:pPr lvl="1" algn="just"/>
             <a:r>
               <a:rPr lang="en-US" dirty="0">
                 <a:solidFill>
-                  <a:schemeClr val="bg1"/>
+                  <a:prstClr val="white"/>
                 </a:solidFill>
-                <a:latin typeface="-apple-system"/>
               </a:rPr>
-              <a:t>For example, the quality score for depressive-related code is higher while the score for catheter-related code is lower. There is potential linkage between the roles of nurses. The registered nurses administer medication and treatments while the license practical nurses comfort the residents and provide the basic care including the insertion of catheters.</a:t>
+              <a:t>The concept of interaction term is worth explaining. This means that dummy variable is multiplied by independent variable.</a:t>
+            </a:r>
+          </a:p>
+          <a:p>
+            <a:pPr lvl="1" algn="just"/>
+            <a:endParaRPr lang="en-US" dirty="0">
+              <a:solidFill>
+                <a:prstClr val="white"/>
+              </a:solidFill>
+            </a:endParaRPr>
+          </a:p>
+          <a:p>
+            <a:pPr lvl="1" algn="just"/>
+            <a:r>
+              <a:rPr lang="en-US" dirty="0">
+                <a:solidFill>
+                  <a:prstClr val="white"/>
+                </a:solidFill>
+              </a:rPr>
+              <a:t>Example:</a:t>
             </a:r>
           </a:p>
         </p:txBody>
       </p:sp>
+      <p:graphicFrame>
+        <p:nvGraphicFramePr>
+          <p:cNvPr id="8" name="Table 8">
+            <a:extLst>
+              <a:ext uri="{FF2B5EF4-FFF2-40B4-BE49-F238E27FC236}">
+                <a16:creationId xmlns:a16="http://schemas.microsoft.com/office/drawing/2014/main" id="{B90EAF53-1A4E-104A-99C4-4A4D166D3158}"/>
+              </a:ext>
+            </a:extLst>
+          </p:cNvPr>
+          <p:cNvGraphicFramePr>
+            <a:graphicFrameLocks noGrp="1"/>
+          </p:cNvGraphicFramePr>
+          <p:nvPr>
+            <p:extLst>
+              <p:ext uri="{D42A27DB-BD31-4B8C-83A1-F6EECF244321}">
+                <p14:modId xmlns:p14="http://schemas.microsoft.com/office/powerpoint/2010/main" val="588809123"/>
+              </p:ext>
+            </p:extLst>
+          </p:nvPr>
+        </p:nvGraphicFramePr>
+        <p:xfrm>
+          <a:off x="6752491" y="2900572"/>
+          <a:ext cx="5008098" cy="3627275"/>
+        </p:xfrm>
+        <a:graphic>
+          <a:graphicData uri="http://schemas.openxmlformats.org/drawingml/2006/table">
+            <a:tbl>
+              <a:tblPr firstRow="1" bandRow="1">
+                <a:tableStyleId>{5C22544A-7EE6-4342-B048-85BDC9FD1C3A}</a:tableStyleId>
+              </a:tblPr>
+              <a:tblGrid>
+                <a:gridCol w="1669366">
+                  <a:extLst>
+                    <a:ext uri="{9D8B030D-6E8A-4147-A177-3AD203B41FA5}">
+                      <a16:colId xmlns:a16="http://schemas.microsoft.com/office/drawing/2014/main" val="2325658875"/>
+                    </a:ext>
+                  </a:extLst>
+                </a:gridCol>
+                <a:gridCol w="1669366">
+                  <a:extLst>
+                    <a:ext uri="{9D8B030D-6E8A-4147-A177-3AD203B41FA5}">
+                      <a16:colId xmlns:a16="http://schemas.microsoft.com/office/drawing/2014/main" val="1457897554"/>
+                    </a:ext>
+                  </a:extLst>
+                </a:gridCol>
+                <a:gridCol w="1669366">
+                  <a:extLst>
+                    <a:ext uri="{9D8B030D-6E8A-4147-A177-3AD203B41FA5}">
+                      <a16:colId xmlns:a16="http://schemas.microsoft.com/office/drawing/2014/main" val="3691948985"/>
+                    </a:ext>
+                  </a:extLst>
+                </a:gridCol>
+              </a:tblGrid>
+              <a:tr h="597439">
+                <a:tc>
+                  <a:txBody>
+                    <a:bodyPr/>
+                    <a:lstStyle/>
+                    <a:p>
+                      <a:r>
+                        <a:rPr lang="en-US" dirty="0"/>
+                        <a:t>Independent Variable</a:t>
+                      </a:r>
+                    </a:p>
+                  </a:txBody>
+                  <a:tcPr>
+                    <a:noFill/>
+                  </a:tcPr>
+                </a:tc>
+                <a:tc>
+                  <a:txBody>
+                    <a:bodyPr/>
+                    <a:lstStyle/>
+                    <a:p>
+                      <a:r>
+                        <a:rPr lang="en-US" dirty="0"/>
+                        <a:t>Dummy Variable</a:t>
+                      </a:r>
+                    </a:p>
+                  </a:txBody>
+                  <a:tcPr>
+                    <a:noFill/>
+                  </a:tcPr>
+                </a:tc>
+                <a:tc>
+                  <a:txBody>
+                    <a:bodyPr/>
+                    <a:lstStyle/>
+                    <a:p>
+                      <a:r>
+                        <a:rPr lang="en-US" dirty="0"/>
+                        <a:t>Interaction Term</a:t>
+                      </a:r>
+                    </a:p>
+                  </a:txBody>
+                  <a:tcPr>
+                    <a:noFill/>
+                  </a:tcPr>
+                </a:tc>
+                <a:extLst>
+                  <a:ext uri="{0D108BD9-81ED-4DB2-BD59-A6C34878D82A}">
+                    <a16:rowId xmlns:a16="http://schemas.microsoft.com/office/drawing/2014/main" val="3148008596"/>
+                  </a:ext>
+                </a:extLst>
+              </a:tr>
+              <a:tr h="597439">
+                <a:tc>
+                  <a:txBody>
+                    <a:bodyPr/>
+                    <a:lstStyle/>
+                    <a:p>
+                      <a:r>
+                        <a:rPr lang="en-US" dirty="0">
+                          <a:solidFill>
+                            <a:schemeClr val="bg1"/>
+                          </a:solidFill>
+                        </a:rPr>
+                        <a:t>32</a:t>
+                      </a:r>
+                    </a:p>
+                  </a:txBody>
+                  <a:tcPr>
+                    <a:noFill/>
+                  </a:tcPr>
+                </a:tc>
+                <a:tc>
+                  <a:txBody>
+                    <a:bodyPr/>
+                    <a:lstStyle/>
+                    <a:p>
+                      <a:r>
+                        <a:rPr lang="en-US" dirty="0">
+                          <a:solidFill>
+                            <a:schemeClr val="bg1"/>
+                          </a:solidFill>
+                        </a:rPr>
+                        <a:t>1</a:t>
+                      </a:r>
+                    </a:p>
+                  </a:txBody>
+                  <a:tcPr>
+                    <a:noFill/>
+                  </a:tcPr>
+                </a:tc>
+                <a:tc>
+                  <a:txBody>
+                    <a:bodyPr/>
+                    <a:lstStyle/>
+                    <a:p>
+                      <a:r>
+                        <a:rPr lang="en-US" dirty="0">
+                          <a:solidFill>
+                            <a:schemeClr val="bg1"/>
+                          </a:solidFill>
+                        </a:rPr>
+                        <a:t>32</a:t>
+                      </a:r>
+                    </a:p>
+                  </a:txBody>
+                  <a:tcPr>
+                    <a:noFill/>
+                  </a:tcPr>
+                </a:tc>
+                <a:extLst>
+                  <a:ext uri="{0D108BD9-81ED-4DB2-BD59-A6C34878D82A}">
+                    <a16:rowId xmlns:a16="http://schemas.microsoft.com/office/drawing/2014/main" val="1087793707"/>
+                  </a:ext>
+                </a:extLst>
+              </a:tr>
+              <a:tr h="597439">
+                <a:tc>
+                  <a:txBody>
+                    <a:bodyPr/>
+                    <a:lstStyle/>
+                    <a:p>
+                      <a:r>
+                        <a:rPr lang="en-US" dirty="0">
+                          <a:solidFill>
+                            <a:schemeClr val="bg1"/>
+                          </a:solidFill>
+                        </a:rPr>
+                        <a:t>13</a:t>
+                      </a:r>
+                    </a:p>
+                  </a:txBody>
+                  <a:tcPr>
+                    <a:noFill/>
+                  </a:tcPr>
+                </a:tc>
+                <a:tc>
+                  <a:txBody>
+                    <a:bodyPr/>
+                    <a:lstStyle/>
+                    <a:p>
+                      <a:r>
+                        <a:rPr lang="en-US" dirty="0">
+                          <a:solidFill>
+                            <a:schemeClr val="bg1"/>
+                          </a:solidFill>
+                        </a:rPr>
+                        <a:t>0</a:t>
+                      </a:r>
+                    </a:p>
+                  </a:txBody>
+                  <a:tcPr>
+                    <a:noFill/>
+                  </a:tcPr>
+                </a:tc>
+                <a:tc>
+                  <a:txBody>
+                    <a:bodyPr/>
+                    <a:lstStyle/>
+                    <a:p>
+                      <a:r>
+                        <a:rPr lang="en-US" dirty="0">
+                          <a:solidFill>
+                            <a:schemeClr val="bg1"/>
+                          </a:solidFill>
+                        </a:rPr>
+                        <a:t>0</a:t>
+                      </a:r>
+                    </a:p>
+                  </a:txBody>
+                  <a:tcPr>
+                    <a:noFill/>
+                  </a:tcPr>
+                </a:tc>
+                <a:extLst>
+                  <a:ext uri="{0D108BD9-81ED-4DB2-BD59-A6C34878D82A}">
+                    <a16:rowId xmlns:a16="http://schemas.microsoft.com/office/drawing/2014/main" val="2006829712"/>
+                  </a:ext>
+                </a:extLst>
+              </a:tr>
+              <a:tr h="597439">
+                <a:tc>
+                  <a:txBody>
+                    <a:bodyPr/>
+                    <a:lstStyle/>
+                    <a:p>
+                      <a:r>
+                        <a:rPr lang="en-US" dirty="0">
+                          <a:solidFill>
+                            <a:schemeClr val="bg1"/>
+                          </a:solidFill>
+                        </a:rPr>
+                        <a:t>20</a:t>
+                      </a:r>
+                    </a:p>
+                  </a:txBody>
+                  <a:tcPr>
+                    <a:noFill/>
+                  </a:tcPr>
+                </a:tc>
+                <a:tc>
+                  <a:txBody>
+                    <a:bodyPr/>
+                    <a:lstStyle/>
+                    <a:p>
+                      <a:r>
+                        <a:rPr lang="en-US" dirty="0">
+                          <a:solidFill>
+                            <a:schemeClr val="bg1"/>
+                          </a:solidFill>
+                        </a:rPr>
+                        <a:t>1</a:t>
+                      </a:r>
+                    </a:p>
+                  </a:txBody>
+                  <a:tcPr>
+                    <a:noFill/>
+                  </a:tcPr>
+                </a:tc>
+                <a:tc>
+                  <a:txBody>
+                    <a:bodyPr/>
+                    <a:lstStyle/>
+                    <a:p>
+                      <a:r>
+                        <a:rPr lang="en-US" dirty="0">
+                          <a:solidFill>
+                            <a:schemeClr val="bg1"/>
+                          </a:solidFill>
+                        </a:rPr>
+                        <a:t>20</a:t>
+                      </a:r>
+                    </a:p>
+                  </a:txBody>
+                  <a:tcPr>
+                    <a:noFill/>
+                  </a:tcPr>
+                </a:tc>
+                <a:extLst>
+                  <a:ext uri="{0D108BD9-81ED-4DB2-BD59-A6C34878D82A}">
+                    <a16:rowId xmlns:a16="http://schemas.microsoft.com/office/drawing/2014/main" val="2631328587"/>
+                  </a:ext>
+                </a:extLst>
+              </a:tr>
+              <a:tr h="597439">
+                <a:tc>
+                  <a:txBody>
+                    <a:bodyPr/>
+                    <a:lstStyle/>
+                    <a:p>
+                      <a:r>
+                        <a:rPr lang="en-US" dirty="0">
+                          <a:solidFill>
+                            <a:schemeClr val="bg1"/>
+                          </a:solidFill>
+                        </a:rPr>
+                        <a:t>53</a:t>
+                      </a:r>
+                    </a:p>
+                  </a:txBody>
+                  <a:tcPr>
+                    <a:noFill/>
+                  </a:tcPr>
+                </a:tc>
+                <a:tc>
+                  <a:txBody>
+                    <a:bodyPr/>
+                    <a:lstStyle/>
+                    <a:p>
+                      <a:r>
+                        <a:rPr lang="en-US" dirty="0">
+                          <a:solidFill>
+                            <a:schemeClr val="bg1"/>
+                          </a:solidFill>
+                        </a:rPr>
+                        <a:t>1</a:t>
+                      </a:r>
+                    </a:p>
+                  </a:txBody>
+                  <a:tcPr>
+                    <a:noFill/>
+                  </a:tcPr>
+                </a:tc>
+                <a:tc>
+                  <a:txBody>
+                    <a:bodyPr/>
+                    <a:lstStyle/>
+                    <a:p>
+                      <a:r>
+                        <a:rPr lang="en-US" dirty="0">
+                          <a:solidFill>
+                            <a:schemeClr val="bg1"/>
+                          </a:solidFill>
+                        </a:rPr>
+                        <a:t>53</a:t>
+                      </a:r>
+                    </a:p>
+                  </a:txBody>
+                  <a:tcPr>
+                    <a:noFill/>
+                  </a:tcPr>
+                </a:tc>
+                <a:extLst>
+                  <a:ext uri="{0D108BD9-81ED-4DB2-BD59-A6C34878D82A}">
+                    <a16:rowId xmlns:a16="http://schemas.microsoft.com/office/drawing/2014/main" val="876850150"/>
+                  </a:ext>
+                </a:extLst>
+              </a:tr>
+              <a:tr h="597439">
+                <a:tc>
+                  <a:txBody>
+                    <a:bodyPr/>
+                    <a:lstStyle/>
+                    <a:p>
+                      <a:r>
+                        <a:rPr lang="en-US" dirty="0">
+                          <a:solidFill>
+                            <a:schemeClr val="bg1"/>
+                          </a:solidFill>
+                        </a:rPr>
+                        <a:t>8</a:t>
+                      </a:r>
+                    </a:p>
+                  </a:txBody>
+                  <a:tcPr>
+                    <a:noFill/>
+                  </a:tcPr>
+                </a:tc>
+                <a:tc>
+                  <a:txBody>
+                    <a:bodyPr/>
+                    <a:lstStyle/>
+                    <a:p>
+                      <a:r>
+                        <a:rPr lang="en-US" dirty="0">
+                          <a:solidFill>
+                            <a:schemeClr val="bg1"/>
+                          </a:solidFill>
+                        </a:rPr>
+                        <a:t>0</a:t>
+                      </a:r>
+                    </a:p>
+                  </a:txBody>
+                  <a:tcPr>
+                    <a:noFill/>
+                  </a:tcPr>
+                </a:tc>
+                <a:tc>
+                  <a:txBody>
+                    <a:bodyPr/>
+                    <a:lstStyle/>
+                    <a:p>
+                      <a:r>
+                        <a:rPr lang="en-US" dirty="0">
+                          <a:solidFill>
+                            <a:schemeClr val="bg1"/>
+                          </a:solidFill>
+                        </a:rPr>
+                        <a:t>0</a:t>
+                      </a:r>
+                    </a:p>
+                  </a:txBody>
+                  <a:tcPr>
+                    <a:noFill/>
+                  </a:tcPr>
+                </a:tc>
+                <a:extLst>
+                  <a:ext uri="{0D108BD9-81ED-4DB2-BD59-A6C34878D82A}">
+                    <a16:rowId xmlns:a16="http://schemas.microsoft.com/office/drawing/2014/main" val="3229640779"/>
+                  </a:ext>
+                </a:extLst>
+              </a:tr>
+            </a:tbl>
+          </a:graphicData>
+        </a:graphic>
+      </p:graphicFrame>
     </p:spTree>
     <p:extLst>
       <p:ext uri="{BB962C8B-B14F-4D97-AF65-F5344CB8AC3E}">
-        <p14:creationId xmlns:p14="http://schemas.microsoft.com/office/powerpoint/2010/main" val="37169505"/>
-      </p:ext>
-    </p:extLst>
-  </p:cSld>
-  <p:clrMapOvr>
-    <a:masterClrMapping/>
-  </p:clrMapOvr>
-  <mc:AlternateContent xmlns:mc="http://schemas.openxmlformats.org/markup-compatibility/2006" xmlns:p14="http://schemas.microsoft.com/office/powerpoint/2010/main">
-    <mc:Choice Requires="p14">
-      <p:transition spd="med" p14:dur="700" advClick="0">
-        <p:fade/>
-      </p:transition>
-    </mc:Choice>
-    <mc:Fallback xmlns="">
-      <p:transition spd="med" advClick="0">
-        <p:fade/>
-      </p:transition>
-    </mc:Fallback>
-  </mc:AlternateContent>
-</p:sld>
-</file>
-
-<file path=ppt/slides/slide29.xml><?xml version="1.0" encoding="utf-8"?>
-<p:sld xmlns:a="http://schemas.openxmlformats.org/drawingml/2006/main" xmlns:r="http://schemas.openxmlformats.org/officeDocument/2006/relationships" xmlns:p="http://schemas.openxmlformats.org/presentationml/2006/main">
-  <p:cSld>
-    <p:spTree>
-      <p:nvGrpSpPr>
-        <p:cNvPr id="1" name=""/>
-        <p:cNvGrpSpPr/>
-        <p:nvPr/>
-      </p:nvGrpSpPr>
-      <p:grpSpPr>
-        <a:xfrm>
-          <a:off x="0" y="0"/>
-          <a:ext cx="0" cy="0"/>
-          <a:chOff x="0" y="0"/>
-          <a:chExt cx="0" cy="0"/>
-        </a:xfrm>
-      </p:grpSpPr>
-      <p:sp>
-        <p:nvSpPr>
-          <p:cNvPr id="2" name="Title 1">
-            <a:extLst>
-              <a:ext uri="{FF2B5EF4-FFF2-40B4-BE49-F238E27FC236}">
-                <a16:creationId xmlns:a16="http://schemas.microsoft.com/office/drawing/2014/main" id="{7A4919D0-F177-4BBA-9A0B-DBA69E2ED764}"/>
-              </a:ext>
-            </a:extLst>
-          </p:cNvPr>
-          <p:cNvSpPr>
-            <a:spLocks noGrp="1"/>
-          </p:cNvSpPr>
-          <p:nvPr>
-            <p:ph type="title"/>
-          </p:nvPr>
-        </p:nvSpPr>
-        <p:spPr>
-          <a:xfrm>
-            <a:off x="1024128" y="585216"/>
-            <a:ext cx="9720072" cy="1499616"/>
-          </a:xfrm>
-        </p:spPr>
-        <p:txBody>
-          <a:bodyPr>
-            <a:normAutofit/>
-          </a:bodyPr>
-          <a:lstStyle/>
-          <a:p>
-            <a:r>
-              <a:rPr lang="en-US" dirty="0"/>
-              <a:t>FUTURE RESEARCH</a:t>
-            </a:r>
-          </a:p>
-        </p:txBody>
-      </p:sp>
-      <p:sp>
-        <p:nvSpPr>
-          <p:cNvPr id="6" name="Oval 5">
-            <a:extLst>
-              <a:ext uri="{FF2B5EF4-FFF2-40B4-BE49-F238E27FC236}">
-                <a16:creationId xmlns:a16="http://schemas.microsoft.com/office/drawing/2014/main" id="{7C2CB90C-26B8-094F-A153-82C9EA7A3653}"/>
-              </a:ext>
-            </a:extLst>
-          </p:cNvPr>
-          <p:cNvSpPr/>
-          <p:nvPr/>
-        </p:nvSpPr>
-        <p:spPr>
-          <a:xfrm>
-            <a:off x="1400175" y="2319426"/>
-            <a:ext cx="973749" cy="973749"/>
-          </a:xfrm>
-          <a:prstGeom prst="ellipse">
-            <a:avLst/>
-          </a:prstGeom>
-          <a:solidFill>
-            <a:schemeClr val="accent1"/>
-          </a:solidFill>
-        </p:spPr>
-        <p:style>
-          <a:lnRef idx="0">
-            <a:schemeClr val="lt1">
-              <a:alpha val="0"/>
-              <a:hueOff val="0"/>
-              <a:satOff val="0"/>
-              <a:lumOff val="0"/>
-              <a:alphaOff val="0"/>
-            </a:schemeClr>
-          </a:lnRef>
-          <a:fillRef idx="1">
-            <a:scrgbClr r="0" g="0" b="0"/>
-          </a:fillRef>
-          <a:effectRef idx="0">
-            <a:schemeClr val="accent2">
-              <a:hueOff val="0"/>
-              <a:satOff val="0"/>
-              <a:lumOff val="0"/>
-              <a:alphaOff val="0"/>
-            </a:schemeClr>
-          </a:effectRef>
-          <a:fontRef idx="minor"/>
-        </p:style>
-      </p:sp>
-      <p:sp>
-        <p:nvSpPr>
-          <p:cNvPr id="12" name="Rectangle 11">
-            <a:extLst>
-              <a:ext uri="{FF2B5EF4-FFF2-40B4-BE49-F238E27FC236}">
-                <a16:creationId xmlns:a16="http://schemas.microsoft.com/office/drawing/2014/main" id="{5CDA1F56-55BB-FA46-8BED-72F8BDA1CEF2}"/>
-              </a:ext>
-            </a:extLst>
-          </p:cNvPr>
-          <p:cNvSpPr/>
-          <p:nvPr/>
-        </p:nvSpPr>
-        <p:spPr>
-          <a:xfrm>
-            <a:off x="2824569" y="2483134"/>
-            <a:ext cx="7967255" cy="923330"/>
-          </a:xfrm>
-          <a:prstGeom prst="rect">
-            <a:avLst/>
-          </a:prstGeom>
-        </p:spPr>
-        <p:txBody>
-          <a:bodyPr wrap="square">
-            <a:spAutoFit/>
-          </a:bodyPr>
-          <a:lstStyle/>
-          <a:p>
-            <a:pPr lvl="0" algn="just">
-              <a:lnSpc>
-                <a:spcPct val="100000"/>
-              </a:lnSpc>
-              <a:defRPr cap="all"/>
-            </a:pPr>
-            <a:r>
-              <a:rPr lang="en-US" dirty="0"/>
-              <a:t>The CMS PILOT Program is established by providing financial aid for </a:t>
-            </a:r>
-            <a:r>
-              <a:rPr lang="en-US" dirty="0" err="1"/>
-              <a:t>lpn</a:t>
-            </a:r>
-            <a:r>
-              <a:rPr lang="en-US" dirty="0"/>
-              <a:t>-to-</a:t>
-            </a:r>
-            <a:r>
-              <a:rPr lang="en-US" dirty="0" err="1"/>
-              <a:t>rn</a:t>
-            </a:r>
-            <a:r>
-              <a:rPr lang="en-US" dirty="0"/>
-              <a:t> career pathway or promote awareness of existing programs. The </a:t>
-            </a:r>
-            <a:r>
-              <a:rPr lang="en-US" dirty="0" err="1"/>
-              <a:t>rct</a:t>
-            </a:r>
-            <a:r>
-              <a:rPr lang="en-US" dirty="0"/>
-              <a:t> should identify real impact of this program.</a:t>
-            </a:r>
-          </a:p>
-        </p:txBody>
-      </p:sp>
-      <p:sp>
-        <p:nvSpPr>
-          <p:cNvPr id="13" name="Oval 12">
-            <a:extLst>
-              <a:ext uri="{FF2B5EF4-FFF2-40B4-BE49-F238E27FC236}">
-                <a16:creationId xmlns:a16="http://schemas.microsoft.com/office/drawing/2014/main" id="{8B94F09B-6B88-DE40-9309-5743C2DA8C87}"/>
-              </a:ext>
-            </a:extLst>
-          </p:cNvPr>
-          <p:cNvSpPr/>
-          <p:nvPr/>
-        </p:nvSpPr>
-        <p:spPr>
-          <a:xfrm>
-            <a:off x="1400176" y="3691479"/>
-            <a:ext cx="973748" cy="973748"/>
-          </a:xfrm>
-          <a:prstGeom prst="ellipse">
-            <a:avLst/>
-          </a:prstGeom>
-          <a:solidFill>
-            <a:schemeClr val="accent1"/>
-          </a:solidFill>
-        </p:spPr>
-        <p:style>
-          <a:lnRef idx="0">
-            <a:schemeClr val="lt1">
-              <a:alpha val="0"/>
-              <a:hueOff val="0"/>
-              <a:satOff val="0"/>
-              <a:lumOff val="0"/>
-              <a:alphaOff val="0"/>
-            </a:schemeClr>
-          </a:lnRef>
-          <a:fillRef idx="1">
-            <a:scrgbClr r="0" g="0" b="0"/>
-          </a:fillRef>
-          <a:effectRef idx="0">
-            <a:schemeClr val="accent2">
-              <a:hueOff val="0"/>
-              <a:satOff val="0"/>
-              <a:lumOff val="0"/>
-              <a:alphaOff val="0"/>
-            </a:schemeClr>
-          </a:effectRef>
-          <a:fontRef idx="minor"/>
-        </p:style>
-      </p:sp>
-      <p:sp>
-        <p:nvSpPr>
-          <p:cNvPr id="16" name="Rectangle 15">
-            <a:extLst>
-              <a:ext uri="{FF2B5EF4-FFF2-40B4-BE49-F238E27FC236}">
-                <a16:creationId xmlns:a16="http://schemas.microsoft.com/office/drawing/2014/main" id="{2682F61B-305A-4246-A67A-4F8C3B26CB4E}"/>
-              </a:ext>
-            </a:extLst>
-          </p:cNvPr>
-          <p:cNvSpPr/>
-          <p:nvPr/>
-        </p:nvSpPr>
-        <p:spPr>
-          <a:xfrm>
-            <a:off x="2824570" y="3855186"/>
-            <a:ext cx="7967254" cy="923330"/>
-          </a:xfrm>
-          <a:prstGeom prst="rect">
-            <a:avLst/>
-          </a:prstGeom>
-        </p:spPr>
-        <p:txBody>
-          <a:bodyPr wrap="square">
-            <a:spAutoFit/>
-          </a:bodyPr>
-          <a:lstStyle/>
-          <a:p>
-            <a:pPr lvl="0" algn="just">
-              <a:lnSpc>
-                <a:spcPct val="100000"/>
-              </a:lnSpc>
-              <a:defRPr cap="all"/>
-            </a:pPr>
-            <a:r>
-              <a:rPr lang="en-US" dirty="0"/>
-              <a:t>The direct solution is by training machine or deep learning to identify inflation in self-report data that helps to make rating system more credible only if data audit is undertaken and this data exists. </a:t>
-            </a:r>
-          </a:p>
-        </p:txBody>
-      </p:sp>
-      <p:pic>
-        <p:nvPicPr>
-          <p:cNvPr id="4" name="Graphic 3" descr="Bar chart RTL">
-            <a:extLst>
-              <a:ext uri="{FF2B5EF4-FFF2-40B4-BE49-F238E27FC236}">
-                <a16:creationId xmlns:a16="http://schemas.microsoft.com/office/drawing/2014/main" id="{1D8BA161-A218-8742-996D-906EB9E7903A}"/>
-              </a:ext>
-            </a:extLst>
-          </p:cNvPr>
-          <p:cNvPicPr>
-            <a:picLocks noChangeAspect="1"/>
-          </p:cNvPicPr>
-          <p:nvPr/>
-        </p:nvPicPr>
-        <p:blipFill>
-          <a:blip r:embed="rId2">
-            <a:extLst>
-              <a:ext uri="{96DAC541-7B7A-43D3-8B79-37D633B846F1}">
-                <asvg:svgBlip xmlns:asvg="http://schemas.microsoft.com/office/drawing/2016/SVG/main" r:embed="rId3"/>
-              </a:ext>
-            </a:extLst>
-          </a:blip>
-          <a:stretch>
-            <a:fillRect/>
-          </a:stretch>
-        </p:blipFill>
-        <p:spPr>
-          <a:xfrm>
-            <a:off x="1429849" y="2349101"/>
-            <a:ext cx="914400" cy="914400"/>
-          </a:xfrm>
-          <a:prstGeom prst="rect">
-            <a:avLst/>
-          </a:prstGeom>
-        </p:spPr>
-      </p:pic>
-      <p:pic>
-        <p:nvPicPr>
-          <p:cNvPr id="8" name="Graphic 7" descr="Robot">
-            <a:extLst>
-              <a:ext uri="{FF2B5EF4-FFF2-40B4-BE49-F238E27FC236}">
-                <a16:creationId xmlns:a16="http://schemas.microsoft.com/office/drawing/2014/main" id="{A27C3794-B41E-6048-8318-891FC21D01B8}"/>
-              </a:ext>
-            </a:extLst>
-          </p:cNvPr>
-          <p:cNvPicPr>
-            <a:picLocks noChangeAspect="1"/>
-          </p:cNvPicPr>
-          <p:nvPr/>
-        </p:nvPicPr>
-        <p:blipFill>
-          <a:blip r:embed="rId4">
-            <a:extLst>
-              <a:ext uri="{96DAC541-7B7A-43D3-8B79-37D633B846F1}">
-                <asvg:svgBlip xmlns:asvg="http://schemas.microsoft.com/office/drawing/2016/SVG/main" r:embed="rId5"/>
-              </a:ext>
-            </a:extLst>
-          </a:blip>
-          <a:stretch>
-            <a:fillRect/>
-          </a:stretch>
-        </p:blipFill>
-        <p:spPr>
-          <a:xfrm>
-            <a:off x="1429849" y="3691479"/>
-            <a:ext cx="914400" cy="914400"/>
-          </a:xfrm>
-          <a:prstGeom prst="rect">
-            <a:avLst/>
-          </a:prstGeom>
-        </p:spPr>
-      </p:pic>
-    </p:spTree>
-    <p:extLst>
-      <p:ext uri="{BB962C8B-B14F-4D97-AF65-F5344CB8AC3E}">
-        <p14:creationId xmlns:p14="http://schemas.microsoft.com/office/powerpoint/2010/main" val="1682641727"/>
+        <p14:creationId xmlns:p14="http://schemas.microsoft.com/office/powerpoint/2010/main" val="2209915232"/>
       </p:ext>
     </p:extLst>
   </p:cSld>
@@ -33387,12 +33581,12 @@
   </p:clrMapOvr>
   <mc:AlternateContent xmlns:mc="http://schemas.openxmlformats.org/markup-compatibility/2006" xmlns:p159="http://schemas.microsoft.com/office/powerpoint/2015/09/main">
     <mc:Choice Requires="p159">
-      <p:transition xmlns:p14="http://schemas.microsoft.com/office/powerpoint/2010/main" spd="slow" p14:dur="2000">
+      <p:transition xmlns:p14="http://schemas.microsoft.com/office/powerpoint/2010/main" spd="slow" p14:dur="2000" advClick="0">
         <p159:morph option="byObject"/>
       </p:transition>
     </mc:Choice>
     <mc:Fallback xmlns="">
-      <p:transition spd="slow">
+      <p:transition spd="slow" advClick="0">
         <p:fade/>
       </p:transition>
     </mc:Fallback>
@@ -33610,6 +33804,1626 @@
 </file>
 
 <file path=ppt/slides/slide30.xml><?xml version="1.0" encoding="utf-8"?>
+<p:sld xmlns:a="http://schemas.openxmlformats.org/drawingml/2006/main" xmlns:r="http://schemas.openxmlformats.org/officeDocument/2006/relationships" xmlns:p="http://schemas.openxmlformats.org/presentationml/2006/main">
+  <p:cSld>
+    <p:spTree>
+      <p:nvGrpSpPr>
+        <p:cNvPr id="1" name=""/>
+        <p:cNvGrpSpPr/>
+        <p:nvPr/>
+      </p:nvGrpSpPr>
+      <p:grpSpPr>
+        <a:xfrm>
+          <a:off x="0" y="0"/>
+          <a:ext cx="0" cy="0"/>
+          <a:chOff x="0" y="0"/>
+          <a:chExt cx="0" cy="0"/>
+        </a:xfrm>
+      </p:grpSpPr>
+      <p:pic>
+        <p:nvPicPr>
+          <p:cNvPr id="4" name="Picture 3">
+            <a:extLst>
+              <a:ext uri="{FF2B5EF4-FFF2-40B4-BE49-F238E27FC236}">
+                <a16:creationId xmlns:a16="http://schemas.microsoft.com/office/drawing/2014/main" id="{BAACE20A-094E-6A44-BF20-BC2676706FD5}"/>
+              </a:ext>
+            </a:extLst>
+          </p:cNvPr>
+          <p:cNvPicPr>
+            <a:picLocks noChangeAspect="1"/>
+          </p:cNvPicPr>
+          <p:nvPr/>
+        </p:nvPicPr>
+        <p:blipFill>
+          <a:blip r:embed="rId2"/>
+          <a:stretch>
+            <a:fillRect/>
+          </a:stretch>
+        </p:blipFill>
+        <p:spPr>
+          <a:xfrm>
+            <a:off x="2231687" y="1705583"/>
+            <a:ext cx="7728624" cy="5152416"/>
+          </a:xfrm>
+          <a:prstGeom prst="rect">
+            <a:avLst/>
+          </a:prstGeom>
+        </p:spPr>
+      </p:pic>
+      <p:sp>
+        <p:nvSpPr>
+          <p:cNvPr id="2" name="Title 1">
+            <a:extLst>
+              <a:ext uri="{FF2B5EF4-FFF2-40B4-BE49-F238E27FC236}">
+                <a16:creationId xmlns:a16="http://schemas.microsoft.com/office/drawing/2014/main" id="{044BA6A0-EC7D-B243-95D3-A537C874F5BD}"/>
+              </a:ext>
+            </a:extLst>
+          </p:cNvPr>
+          <p:cNvSpPr>
+            <a:spLocks noGrp="1"/>
+          </p:cNvSpPr>
+          <p:nvPr>
+            <p:ph type="title"/>
+          </p:nvPr>
+        </p:nvSpPr>
+        <p:spPr>
+          <a:xfrm>
+            <a:off x="1024128" y="585216"/>
+            <a:ext cx="11167872" cy="1499616"/>
+          </a:xfrm>
+        </p:spPr>
+        <p:txBody>
+          <a:bodyPr>
+            <a:normAutofit/>
+          </a:bodyPr>
+          <a:lstStyle/>
+          <a:p>
+            <a:r>
+              <a:rPr lang="en-US" sz="4800" dirty="0"/>
+              <a:t>Actionable insights</a:t>
+            </a:r>
+          </a:p>
+        </p:txBody>
+      </p:sp>
+      <p:sp>
+        <p:nvSpPr>
+          <p:cNvPr id="5" name="Rectangle 4">
+            <a:extLst>
+              <a:ext uri="{FF2B5EF4-FFF2-40B4-BE49-F238E27FC236}">
+                <a16:creationId xmlns:a16="http://schemas.microsoft.com/office/drawing/2014/main" id="{C19BC429-679C-7247-A0DA-BCF4C0C702BC}"/>
+              </a:ext>
+            </a:extLst>
+          </p:cNvPr>
+          <p:cNvSpPr/>
+          <p:nvPr/>
+        </p:nvSpPr>
+        <p:spPr>
+          <a:xfrm>
+            <a:off x="-2" y="0"/>
+            <a:ext cx="12192000" cy="6858000"/>
+          </a:xfrm>
+          <a:prstGeom prst="rect">
+            <a:avLst/>
+          </a:prstGeom>
+          <a:solidFill>
+            <a:schemeClr val="dk1">
+              <a:alpha val="54695"/>
+            </a:schemeClr>
+          </a:solidFill>
+        </p:spPr>
+        <p:style>
+          <a:lnRef idx="2">
+            <a:schemeClr val="dk1">
+              <a:shade val="50000"/>
+            </a:schemeClr>
+          </a:lnRef>
+          <a:fillRef idx="1">
+            <a:schemeClr val="dk1"/>
+          </a:fillRef>
+          <a:effectRef idx="0">
+            <a:schemeClr val="dk1"/>
+          </a:effectRef>
+          <a:fontRef idx="minor">
+            <a:schemeClr val="lt1"/>
+          </a:fontRef>
+        </p:style>
+        <p:txBody>
+          <a:bodyPr rtlCol="0" anchor="ctr"/>
+          <a:lstStyle/>
+          <a:p>
+            <a:pPr algn="ctr"/>
+            <a:endParaRPr lang="en-US" dirty="0"/>
+          </a:p>
+        </p:txBody>
+      </p:sp>
+      <p:sp>
+        <p:nvSpPr>
+          <p:cNvPr id="6" name="Rectangle 5">
+            <a:extLst>
+              <a:ext uri="{FF2B5EF4-FFF2-40B4-BE49-F238E27FC236}">
+                <a16:creationId xmlns:a16="http://schemas.microsoft.com/office/drawing/2014/main" id="{30245D72-AB34-2C4F-8855-D56139C278B3}"/>
+              </a:ext>
+            </a:extLst>
+          </p:cNvPr>
+          <p:cNvSpPr/>
+          <p:nvPr/>
+        </p:nvSpPr>
+        <p:spPr>
+          <a:xfrm>
+            <a:off x="6096000" y="-1"/>
+            <a:ext cx="6096000" cy="6858000"/>
+          </a:xfrm>
+          <a:prstGeom prst="rect">
+            <a:avLst/>
+          </a:prstGeom>
+          <a:solidFill>
+            <a:schemeClr val="accent1"/>
+          </a:solidFill>
+          <a:ln>
+            <a:solidFill>
+              <a:schemeClr val="accent1"/>
+            </a:solidFill>
+          </a:ln>
+        </p:spPr>
+        <p:style>
+          <a:lnRef idx="2">
+            <a:schemeClr val="accent1">
+              <a:shade val="50000"/>
+            </a:schemeClr>
+          </a:lnRef>
+          <a:fillRef idx="1">
+            <a:schemeClr val="accent1"/>
+          </a:fillRef>
+          <a:effectRef idx="0">
+            <a:schemeClr val="accent1"/>
+          </a:effectRef>
+          <a:fontRef idx="minor">
+            <a:schemeClr val="lt1"/>
+          </a:fontRef>
+        </p:style>
+        <p:txBody>
+          <a:bodyPr rtlCol="0" anchor="ctr"/>
+          <a:lstStyle/>
+          <a:p>
+            <a:pPr lvl="1" algn="just"/>
+            <a:endParaRPr lang="en-US" dirty="0"/>
+          </a:p>
+        </p:txBody>
+      </p:sp>
+      <p:sp>
+        <p:nvSpPr>
+          <p:cNvPr id="7" name="TextBox 6">
+            <a:extLst>
+              <a:ext uri="{FF2B5EF4-FFF2-40B4-BE49-F238E27FC236}">
+                <a16:creationId xmlns:a16="http://schemas.microsoft.com/office/drawing/2014/main" id="{A8395157-BD18-754D-B33E-B297D8ADBB26}"/>
+              </a:ext>
+            </a:extLst>
+          </p:cNvPr>
+          <p:cNvSpPr txBox="1"/>
+          <p:nvPr/>
+        </p:nvSpPr>
+        <p:spPr>
+          <a:xfrm>
+            <a:off x="6294120" y="1839926"/>
+            <a:ext cx="5699759" cy="1754326"/>
+          </a:xfrm>
+          <a:prstGeom prst="rect">
+            <a:avLst/>
+          </a:prstGeom>
+          <a:noFill/>
+        </p:spPr>
+        <p:txBody>
+          <a:bodyPr wrap="square" rtlCol="0">
+            <a:spAutoFit/>
+          </a:bodyPr>
+          <a:lstStyle/>
+          <a:p>
+            <a:pPr lvl="1" algn="just"/>
+            <a:r>
+              <a:rPr lang="en-US" b="1" dirty="0">
+                <a:solidFill>
+                  <a:prstClr val="white"/>
+                </a:solidFill>
+              </a:rPr>
+              <a:t>But why?:</a:t>
+            </a:r>
+          </a:p>
+          <a:p>
+            <a:pPr lvl="1" algn="just"/>
+            <a:r>
+              <a:rPr lang="en-US" dirty="0">
+                <a:solidFill>
+                  <a:prstClr val="white"/>
+                </a:solidFill>
+              </a:rPr>
+              <a:t>The interaction term is to help understand more about nature of regressing y on x because the interaction term can dramatically change the coefficients. Without interaction term, the model assumes that there is no relationship between two independent variables.</a:t>
+            </a:r>
+          </a:p>
+        </p:txBody>
+      </p:sp>
+    </p:spTree>
+    <p:extLst>
+      <p:ext uri="{BB962C8B-B14F-4D97-AF65-F5344CB8AC3E}">
+        <p14:creationId xmlns:p14="http://schemas.microsoft.com/office/powerpoint/2010/main" val="263370954"/>
+      </p:ext>
+    </p:extLst>
+  </p:cSld>
+  <p:clrMapOvr>
+    <a:masterClrMapping/>
+  </p:clrMapOvr>
+  <mc:AlternateContent xmlns:mc="http://schemas.openxmlformats.org/markup-compatibility/2006">
+    <mc:Choice xmlns:p14="http://schemas.microsoft.com/office/powerpoint/2010/main" Requires="p14">
+      <p:transition spd="med" p14:dur="700" advClick="0">
+        <p:fade/>
+      </p:transition>
+    </mc:Choice>
+    <mc:Fallback>
+      <p:transition spd="med" advClick="0">
+        <p:fade/>
+      </p:transition>
+    </mc:Fallback>
+  </mc:AlternateContent>
+</p:sld>
+</file>
+
+<file path=ppt/slides/slide31.xml><?xml version="1.0" encoding="utf-8"?>
+<p:sld xmlns:a="http://schemas.openxmlformats.org/drawingml/2006/main" xmlns:r="http://schemas.openxmlformats.org/officeDocument/2006/relationships" xmlns:p="http://schemas.openxmlformats.org/presentationml/2006/main">
+  <p:cSld>
+    <p:spTree>
+      <p:nvGrpSpPr>
+        <p:cNvPr id="1" name=""/>
+        <p:cNvGrpSpPr/>
+        <p:nvPr/>
+      </p:nvGrpSpPr>
+      <p:grpSpPr>
+        <a:xfrm>
+          <a:off x="0" y="0"/>
+          <a:ext cx="0" cy="0"/>
+          <a:chOff x="0" y="0"/>
+          <a:chExt cx="0" cy="0"/>
+        </a:xfrm>
+      </p:grpSpPr>
+      <p:pic>
+        <p:nvPicPr>
+          <p:cNvPr id="4" name="Picture 3">
+            <a:extLst>
+              <a:ext uri="{FF2B5EF4-FFF2-40B4-BE49-F238E27FC236}">
+                <a16:creationId xmlns:a16="http://schemas.microsoft.com/office/drawing/2014/main" id="{BAACE20A-094E-6A44-BF20-BC2676706FD5}"/>
+              </a:ext>
+            </a:extLst>
+          </p:cNvPr>
+          <p:cNvPicPr>
+            <a:picLocks noChangeAspect="1"/>
+          </p:cNvPicPr>
+          <p:nvPr/>
+        </p:nvPicPr>
+        <p:blipFill>
+          <a:blip r:embed="rId2"/>
+          <a:stretch>
+            <a:fillRect/>
+          </a:stretch>
+        </p:blipFill>
+        <p:spPr>
+          <a:xfrm>
+            <a:off x="2231687" y="1705583"/>
+            <a:ext cx="7728624" cy="5152416"/>
+          </a:xfrm>
+          <a:prstGeom prst="rect">
+            <a:avLst/>
+          </a:prstGeom>
+        </p:spPr>
+      </p:pic>
+      <p:sp>
+        <p:nvSpPr>
+          <p:cNvPr id="2" name="Title 1">
+            <a:extLst>
+              <a:ext uri="{FF2B5EF4-FFF2-40B4-BE49-F238E27FC236}">
+                <a16:creationId xmlns:a16="http://schemas.microsoft.com/office/drawing/2014/main" id="{044BA6A0-EC7D-B243-95D3-A537C874F5BD}"/>
+              </a:ext>
+            </a:extLst>
+          </p:cNvPr>
+          <p:cNvSpPr>
+            <a:spLocks noGrp="1"/>
+          </p:cNvSpPr>
+          <p:nvPr>
+            <p:ph type="title"/>
+          </p:nvPr>
+        </p:nvSpPr>
+        <p:spPr>
+          <a:xfrm>
+            <a:off x="1024128" y="585216"/>
+            <a:ext cx="11167872" cy="1499616"/>
+          </a:xfrm>
+        </p:spPr>
+        <p:txBody>
+          <a:bodyPr>
+            <a:normAutofit/>
+          </a:bodyPr>
+          <a:lstStyle/>
+          <a:p>
+            <a:r>
+              <a:rPr lang="en-US" sz="4800" dirty="0"/>
+              <a:t>Actionable insights</a:t>
+            </a:r>
+          </a:p>
+        </p:txBody>
+      </p:sp>
+      <p:sp>
+        <p:nvSpPr>
+          <p:cNvPr id="5" name="Rectangle 4">
+            <a:extLst>
+              <a:ext uri="{FF2B5EF4-FFF2-40B4-BE49-F238E27FC236}">
+                <a16:creationId xmlns:a16="http://schemas.microsoft.com/office/drawing/2014/main" id="{C19BC429-679C-7247-A0DA-BCF4C0C702BC}"/>
+              </a:ext>
+            </a:extLst>
+          </p:cNvPr>
+          <p:cNvSpPr/>
+          <p:nvPr/>
+        </p:nvSpPr>
+        <p:spPr>
+          <a:xfrm>
+            <a:off x="-2" y="0"/>
+            <a:ext cx="12192000" cy="6858000"/>
+          </a:xfrm>
+          <a:prstGeom prst="rect">
+            <a:avLst/>
+          </a:prstGeom>
+          <a:solidFill>
+            <a:schemeClr val="dk1">
+              <a:alpha val="54695"/>
+            </a:schemeClr>
+          </a:solidFill>
+        </p:spPr>
+        <p:style>
+          <a:lnRef idx="2">
+            <a:schemeClr val="dk1">
+              <a:shade val="50000"/>
+            </a:schemeClr>
+          </a:lnRef>
+          <a:fillRef idx="1">
+            <a:schemeClr val="dk1"/>
+          </a:fillRef>
+          <a:effectRef idx="0">
+            <a:schemeClr val="dk1"/>
+          </a:effectRef>
+          <a:fontRef idx="minor">
+            <a:schemeClr val="lt1"/>
+          </a:fontRef>
+        </p:style>
+        <p:txBody>
+          <a:bodyPr rtlCol="0" anchor="ctr"/>
+          <a:lstStyle/>
+          <a:p>
+            <a:pPr algn="ctr"/>
+            <a:endParaRPr lang="en-US" dirty="0"/>
+          </a:p>
+        </p:txBody>
+      </p:sp>
+      <p:sp>
+        <p:nvSpPr>
+          <p:cNvPr id="6" name="Rectangle 5">
+            <a:extLst>
+              <a:ext uri="{FF2B5EF4-FFF2-40B4-BE49-F238E27FC236}">
+                <a16:creationId xmlns:a16="http://schemas.microsoft.com/office/drawing/2014/main" id="{30245D72-AB34-2C4F-8855-D56139C278B3}"/>
+              </a:ext>
+            </a:extLst>
+          </p:cNvPr>
+          <p:cNvSpPr/>
+          <p:nvPr/>
+        </p:nvSpPr>
+        <p:spPr>
+          <a:xfrm>
+            <a:off x="2" y="1"/>
+            <a:ext cx="6096000" cy="6858000"/>
+          </a:xfrm>
+          <a:prstGeom prst="rect">
+            <a:avLst/>
+          </a:prstGeom>
+          <a:solidFill>
+            <a:schemeClr val="accent1"/>
+          </a:solidFill>
+          <a:ln>
+            <a:solidFill>
+              <a:schemeClr val="accent1"/>
+            </a:solidFill>
+          </a:ln>
+        </p:spPr>
+        <p:style>
+          <a:lnRef idx="2">
+            <a:schemeClr val="accent1">
+              <a:shade val="50000"/>
+            </a:schemeClr>
+          </a:lnRef>
+          <a:fillRef idx="1">
+            <a:schemeClr val="accent1"/>
+          </a:fillRef>
+          <a:effectRef idx="0">
+            <a:schemeClr val="accent1"/>
+          </a:effectRef>
+          <a:fontRef idx="minor">
+            <a:schemeClr val="lt1"/>
+          </a:fontRef>
+        </p:style>
+        <p:txBody>
+          <a:bodyPr rtlCol="0" anchor="ctr"/>
+          <a:lstStyle/>
+          <a:p>
+            <a:pPr lvl="1" algn="just"/>
+            <a:endParaRPr lang="en-US" dirty="0"/>
+          </a:p>
+        </p:txBody>
+      </p:sp>
+      <p:sp>
+        <p:nvSpPr>
+          <p:cNvPr id="7" name="TextBox 6">
+            <a:extLst>
+              <a:ext uri="{FF2B5EF4-FFF2-40B4-BE49-F238E27FC236}">
+                <a16:creationId xmlns:a16="http://schemas.microsoft.com/office/drawing/2014/main" id="{A8395157-BD18-754D-B33E-B297D8ADBB26}"/>
+              </a:ext>
+            </a:extLst>
+          </p:cNvPr>
+          <p:cNvSpPr txBox="1"/>
+          <p:nvPr/>
+        </p:nvSpPr>
+        <p:spPr>
+          <a:xfrm>
+            <a:off x="0" y="0"/>
+            <a:ext cx="5699759" cy="6740307"/>
+          </a:xfrm>
+          <a:prstGeom prst="rect">
+            <a:avLst/>
+          </a:prstGeom>
+          <a:noFill/>
+        </p:spPr>
+        <p:txBody>
+          <a:bodyPr wrap="square" rtlCol="0">
+            <a:spAutoFit/>
+          </a:bodyPr>
+          <a:lstStyle/>
+          <a:p>
+            <a:pPr lvl="1" algn="just"/>
+            <a:r>
+              <a:rPr lang="en-US" b="1" dirty="0">
+                <a:solidFill>
+                  <a:prstClr val="white"/>
+                </a:solidFill>
+              </a:rPr>
+              <a:t>Interaction Terms:</a:t>
+            </a:r>
+          </a:p>
+          <a:p>
+            <a:pPr marL="742950" lvl="1" indent="-285750" algn="just">
+              <a:buFont typeface="Arial" panose="020B0604020202020204" pitchFamily="34" charset="0"/>
+              <a:buChar char="•"/>
+            </a:pPr>
+            <a:r>
+              <a:rPr lang="en-US" dirty="0">
+                <a:solidFill>
+                  <a:schemeClr val="bg1"/>
+                </a:solidFill>
+                <a:latin typeface="-apple-system"/>
+              </a:rPr>
+              <a:t>When the </a:t>
+            </a:r>
+            <a:r>
+              <a:rPr lang="en-US" i="1" dirty="0">
+                <a:solidFill>
+                  <a:schemeClr val="bg1"/>
+                </a:solidFill>
+                <a:latin typeface="-apple-system"/>
+              </a:rPr>
+              <a:t>h</a:t>
+            </a:r>
+            <a:r>
+              <a:rPr lang="en-US" i="1" baseline="-25000" dirty="0">
+                <a:solidFill>
+                  <a:schemeClr val="bg1"/>
+                </a:solidFill>
+                <a:latin typeface="-apple-system"/>
+              </a:rPr>
+              <a:t>i</a:t>
+            </a:r>
+            <a:r>
+              <a:rPr lang="en-US" dirty="0">
+                <a:solidFill>
+                  <a:schemeClr val="bg1"/>
+                </a:solidFill>
+                <a:latin typeface="-apple-system"/>
+              </a:rPr>
+              <a:t> interacts with </a:t>
+            </a:r>
+            <a:r>
+              <a:rPr lang="en-US" i="1" dirty="0">
+                <a:solidFill>
+                  <a:schemeClr val="bg1"/>
+                </a:solidFill>
+                <a:latin typeface="-apple-system"/>
+              </a:rPr>
+              <a:t>nur_aid</a:t>
+            </a:r>
+            <a:r>
+              <a:rPr lang="en-US" i="1" baseline="-25000" dirty="0">
+                <a:solidFill>
+                  <a:schemeClr val="bg1"/>
+                </a:solidFill>
+                <a:latin typeface="-apple-system"/>
+              </a:rPr>
+              <a:t>i</a:t>
+            </a:r>
+            <a:r>
+              <a:rPr lang="en-US" dirty="0">
+                <a:solidFill>
+                  <a:schemeClr val="bg1"/>
+                </a:solidFill>
+                <a:latin typeface="-apple-system"/>
+              </a:rPr>
+              <a:t>, the increase in number of hours that the nurse aides spend with residents each day has little to no impact on health inspection rating.</a:t>
+            </a:r>
+          </a:p>
+          <a:p>
+            <a:pPr lvl="1" algn="just"/>
+            <a:endParaRPr lang="en-US" dirty="0">
+              <a:solidFill>
+                <a:schemeClr val="bg1"/>
+              </a:solidFill>
+              <a:latin typeface="-apple-system"/>
+            </a:endParaRPr>
+          </a:p>
+          <a:p>
+            <a:pPr marL="742950" lvl="1" indent="-285750" algn="just">
+              <a:buFont typeface="Arial" panose="020B0604020202020204" pitchFamily="34" charset="0"/>
+              <a:buChar char="•"/>
+            </a:pPr>
+            <a:r>
+              <a:rPr lang="en-US" dirty="0">
+                <a:solidFill>
+                  <a:schemeClr val="bg1"/>
+                </a:solidFill>
+                <a:latin typeface="-apple-system"/>
+              </a:rPr>
+              <a:t>The registered nurses that interacts with </a:t>
+            </a:r>
+            <a:r>
+              <a:rPr lang="en-US" i="1" dirty="0">
+                <a:solidFill>
+                  <a:schemeClr val="bg1"/>
+                </a:solidFill>
+                <a:latin typeface="-apple-system"/>
+              </a:rPr>
+              <a:t>h</a:t>
+            </a:r>
+            <a:r>
+              <a:rPr lang="en-US" i="1" baseline="-25000" dirty="0">
+                <a:solidFill>
+                  <a:schemeClr val="bg1"/>
+                </a:solidFill>
+                <a:latin typeface="-apple-system"/>
+              </a:rPr>
+              <a:t>i</a:t>
+            </a:r>
+            <a:r>
+              <a:rPr lang="en-US" dirty="0">
+                <a:solidFill>
+                  <a:schemeClr val="bg1"/>
+                </a:solidFill>
+                <a:latin typeface="-apple-system"/>
+              </a:rPr>
+              <a:t> have a positive impact on this rating on the significance level.</a:t>
+            </a:r>
+          </a:p>
+          <a:p>
+            <a:pPr lvl="1" algn="just"/>
+            <a:endParaRPr lang="en-US" dirty="0">
+              <a:solidFill>
+                <a:schemeClr val="bg1"/>
+              </a:solidFill>
+              <a:latin typeface="-apple-system"/>
+            </a:endParaRPr>
+          </a:p>
+          <a:p>
+            <a:pPr marL="742950" lvl="1" indent="-285750" algn="just">
+              <a:buFont typeface="Arial" panose="020B0604020202020204" pitchFamily="34" charset="0"/>
+              <a:buChar char="•"/>
+            </a:pPr>
+            <a:r>
+              <a:rPr lang="en-US" dirty="0">
+                <a:solidFill>
+                  <a:schemeClr val="bg1"/>
+                </a:solidFill>
+                <a:latin typeface="-apple-system"/>
+              </a:rPr>
+              <a:t>More surprisingly, when the </a:t>
+            </a:r>
+            <a:r>
+              <a:rPr lang="en-US" i="1" dirty="0">
+                <a:solidFill>
+                  <a:schemeClr val="bg1"/>
+                </a:solidFill>
+                <a:latin typeface="-apple-system"/>
+              </a:rPr>
+              <a:t>h</a:t>
+            </a:r>
+            <a:r>
+              <a:rPr lang="en-US" i="1" baseline="-25000" dirty="0">
+                <a:solidFill>
+                  <a:schemeClr val="bg1"/>
+                </a:solidFill>
+                <a:latin typeface="-apple-system"/>
+              </a:rPr>
+              <a:t>i</a:t>
+            </a:r>
+            <a:r>
+              <a:rPr lang="en-US" dirty="0">
+                <a:solidFill>
+                  <a:schemeClr val="bg1"/>
+                </a:solidFill>
+                <a:latin typeface="-apple-system"/>
+              </a:rPr>
+              <a:t> interacts with </a:t>
+            </a:r>
+            <a:r>
+              <a:rPr lang="en-US" i="1" dirty="0" err="1">
+                <a:solidFill>
+                  <a:schemeClr val="bg1"/>
+                </a:solidFill>
+                <a:latin typeface="-apple-system"/>
+              </a:rPr>
+              <a:t>lpn</a:t>
+            </a:r>
+            <a:r>
+              <a:rPr lang="en-US" i="1" baseline="-25000" dirty="0" err="1">
+                <a:solidFill>
+                  <a:schemeClr val="bg1"/>
+                </a:solidFill>
+                <a:latin typeface="-apple-system"/>
+              </a:rPr>
+              <a:t>i</a:t>
+            </a:r>
+            <a:r>
+              <a:rPr lang="en-US" dirty="0">
+                <a:solidFill>
+                  <a:schemeClr val="bg1"/>
+                </a:solidFill>
+                <a:latin typeface="-apple-system"/>
+              </a:rPr>
+              <a:t>, the coefficient is -0.0881 with margin of error equal 0.07, and that is, the incremental increase in the number of hours that license practical nurses spend has a negative impact on this rating on the significance level.</a:t>
+            </a:r>
+          </a:p>
+          <a:p>
+            <a:pPr lvl="1" algn="just"/>
+            <a:endParaRPr lang="en-US" dirty="0">
+              <a:solidFill>
+                <a:schemeClr val="bg1"/>
+              </a:solidFill>
+              <a:latin typeface="-apple-system"/>
+            </a:endParaRPr>
+          </a:p>
+          <a:p>
+            <a:pPr lvl="1" algn="just"/>
+            <a:r>
+              <a:rPr lang="en-US" dirty="0">
+                <a:solidFill>
+                  <a:schemeClr val="accent1">
+                    <a:lumMod val="60000"/>
+                    <a:lumOff val="40000"/>
+                  </a:schemeClr>
+                </a:solidFill>
+                <a:latin typeface="-apple-system"/>
+              </a:rPr>
+              <a:t>For example, the quality score for depressive-related code is higher while the score for catheter-related code is lower. There is potential linkage between the roles of nurses. The registered nurses administer medication and treatments while the license practical nurses comfort the residents and provide the basic care including the insertion of catheters.</a:t>
+            </a:r>
+          </a:p>
+        </p:txBody>
+      </p:sp>
+    </p:spTree>
+    <p:extLst>
+      <p:ext uri="{BB962C8B-B14F-4D97-AF65-F5344CB8AC3E}">
+        <p14:creationId xmlns:p14="http://schemas.microsoft.com/office/powerpoint/2010/main" val="333291060"/>
+      </p:ext>
+    </p:extLst>
+  </p:cSld>
+  <p:clrMapOvr>
+    <a:masterClrMapping/>
+  </p:clrMapOvr>
+  <mc:AlternateContent xmlns:mc="http://schemas.openxmlformats.org/markup-compatibility/2006" xmlns:p159="http://schemas.microsoft.com/office/powerpoint/2015/09/main">
+    <mc:Choice Requires="p159">
+      <p:transition xmlns:p14="http://schemas.microsoft.com/office/powerpoint/2010/main" spd="slow" p14:dur="2000" advClick="0">
+        <p159:morph option="byObject"/>
+      </p:transition>
+    </mc:Choice>
+    <mc:Fallback xmlns="">
+      <p:transition spd="slow" advClick="0">
+        <p:fade/>
+      </p:transition>
+    </mc:Fallback>
+  </mc:AlternateContent>
+</p:sld>
+</file>
+
+<file path=ppt/slides/slide32.xml><?xml version="1.0" encoding="utf-8"?>
+<p:sld xmlns:a="http://schemas.openxmlformats.org/drawingml/2006/main" xmlns:r="http://schemas.openxmlformats.org/officeDocument/2006/relationships" xmlns:p="http://schemas.openxmlformats.org/presentationml/2006/main">
+  <p:cSld>
+    <p:spTree>
+      <p:nvGrpSpPr>
+        <p:cNvPr id="1" name=""/>
+        <p:cNvGrpSpPr/>
+        <p:nvPr/>
+      </p:nvGrpSpPr>
+      <p:grpSpPr>
+        <a:xfrm>
+          <a:off x="0" y="0"/>
+          <a:ext cx="0" cy="0"/>
+          <a:chOff x="0" y="0"/>
+          <a:chExt cx="0" cy="0"/>
+        </a:xfrm>
+      </p:grpSpPr>
+      <p:pic>
+        <p:nvPicPr>
+          <p:cNvPr id="4" name="Picture 3">
+            <a:extLst>
+              <a:ext uri="{FF2B5EF4-FFF2-40B4-BE49-F238E27FC236}">
+                <a16:creationId xmlns:a16="http://schemas.microsoft.com/office/drawing/2014/main" id="{BAACE20A-094E-6A44-BF20-BC2676706FD5}"/>
+              </a:ext>
+            </a:extLst>
+          </p:cNvPr>
+          <p:cNvPicPr>
+            <a:picLocks noChangeAspect="1"/>
+          </p:cNvPicPr>
+          <p:nvPr/>
+        </p:nvPicPr>
+        <p:blipFill>
+          <a:blip r:embed="rId2"/>
+          <a:stretch>
+            <a:fillRect/>
+          </a:stretch>
+        </p:blipFill>
+        <p:spPr>
+          <a:xfrm>
+            <a:off x="2231687" y="1705583"/>
+            <a:ext cx="7728624" cy="5152416"/>
+          </a:xfrm>
+          <a:prstGeom prst="rect">
+            <a:avLst/>
+          </a:prstGeom>
+        </p:spPr>
+      </p:pic>
+      <p:sp>
+        <p:nvSpPr>
+          <p:cNvPr id="2" name="Title 1">
+            <a:extLst>
+              <a:ext uri="{FF2B5EF4-FFF2-40B4-BE49-F238E27FC236}">
+                <a16:creationId xmlns:a16="http://schemas.microsoft.com/office/drawing/2014/main" id="{044BA6A0-EC7D-B243-95D3-A537C874F5BD}"/>
+              </a:ext>
+            </a:extLst>
+          </p:cNvPr>
+          <p:cNvSpPr>
+            <a:spLocks noGrp="1"/>
+          </p:cNvSpPr>
+          <p:nvPr>
+            <p:ph type="title"/>
+          </p:nvPr>
+        </p:nvSpPr>
+        <p:spPr>
+          <a:xfrm>
+            <a:off x="1024128" y="585216"/>
+            <a:ext cx="11167872" cy="1499616"/>
+          </a:xfrm>
+        </p:spPr>
+        <p:txBody>
+          <a:bodyPr>
+            <a:normAutofit/>
+          </a:bodyPr>
+          <a:lstStyle/>
+          <a:p>
+            <a:r>
+              <a:rPr lang="en-US" sz="4800" dirty="0"/>
+              <a:t>Actionable insights</a:t>
+            </a:r>
+          </a:p>
+        </p:txBody>
+      </p:sp>
+      <p:sp>
+        <p:nvSpPr>
+          <p:cNvPr id="5" name="Rectangle 4">
+            <a:extLst>
+              <a:ext uri="{FF2B5EF4-FFF2-40B4-BE49-F238E27FC236}">
+                <a16:creationId xmlns:a16="http://schemas.microsoft.com/office/drawing/2014/main" id="{C19BC429-679C-7247-A0DA-BCF4C0C702BC}"/>
+              </a:ext>
+            </a:extLst>
+          </p:cNvPr>
+          <p:cNvSpPr/>
+          <p:nvPr/>
+        </p:nvSpPr>
+        <p:spPr>
+          <a:xfrm>
+            <a:off x="-2" y="0"/>
+            <a:ext cx="12192000" cy="6858000"/>
+          </a:xfrm>
+          <a:prstGeom prst="rect">
+            <a:avLst/>
+          </a:prstGeom>
+          <a:solidFill>
+            <a:schemeClr val="dk1">
+              <a:alpha val="54695"/>
+            </a:schemeClr>
+          </a:solidFill>
+        </p:spPr>
+        <p:style>
+          <a:lnRef idx="2">
+            <a:schemeClr val="dk1">
+              <a:shade val="50000"/>
+            </a:schemeClr>
+          </a:lnRef>
+          <a:fillRef idx="1">
+            <a:schemeClr val="dk1"/>
+          </a:fillRef>
+          <a:effectRef idx="0">
+            <a:schemeClr val="dk1"/>
+          </a:effectRef>
+          <a:fontRef idx="minor">
+            <a:schemeClr val="lt1"/>
+          </a:fontRef>
+        </p:style>
+        <p:txBody>
+          <a:bodyPr rtlCol="0" anchor="ctr"/>
+          <a:lstStyle/>
+          <a:p>
+            <a:pPr algn="ctr"/>
+            <a:endParaRPr lang="en-US" dirty="0"/>
+          </a:p>
+        </p:txBody>
+      </p:sp>
+      <p:sp>
+        <p:nvSpPr>
+          <p:cNvPr id="6" name="Rectangle 5">
+            <a:extLst>
+              <a:ext uri="{FF2B5EF4-FFF2-40B4-BE49-F238E27FC236}">
+                <a16:creationId xmlns:a16="http://schemas.microsoft.com/office/drawing/2014/main" id="{30245D72-AB34-2C4F-8855-D56139C278B3}"/>
+              </a:ext>
+            </a:extLst>
+          </p:cNvPr>
+          <p:cNvSpPr/>
+          <p:nvPr/>
+        </p:nvSpPr>
+        <p:spPr>
+          <a:xfrm>
+            <a:off x="0" y="1"/>
+            <a:ext cx="6096000" cy="6858000"/>
+          </a:xfrm>
+          <a:prstGeom prst="rect">
+            <a:avLst/>
+          </a:prstGeom>
+          <a:solidFill>
+            <a:schemeClr val="accent1"/>
+          </a:solidFill>
+          <a:ln>
+            <a:solidFill>
+              <a:schemeClr val="accent1"/>
+            </a:solidFill>
+          </a:ln>
+        </p:spPr>
+        <p:style>
+          <a:lnRef idx="2">
+            <a:schemeClr val="accent1">
+              <a:shade val="50000"/>
+            </a:schemeClr>
+          </a:lnRef>
+          <a:fillRef idx="1">
+            <a:schemeClr val="accent1"/>
+          </a:fillRef>
+          <a:effectRef idx="0">
+            <a:schemeClr val="accent1"/>
+          </a:effectRef>
+          <a:fontRef idx="minor">
+            <a:schemeClr val="lt1"/>
+          </a:fontRef>
+        </p:style>
+        <p:txBody>
+          <a:bodyPr rtlCol="0" anchor="ctr"/>
+          <a:lstStyle/>
+          <a:p>
+            <a:pPr lvl="1" algn="just"/>
+            <a:endParaRPr lang="en-US" dirty="0"/>
+          </a:p>
+        </p:txBody>
+      </p:sp>
+      <p:sp>
+        <p:nvSpPr>
+          <p:cNvPr id="7" name="TextBox 6">
+            <a:extLst>
+              <a:ext uri="{FF2B5EF4-FFF2-40B4-BE49-F238E27FC236}">
+                <a16:creationId xmlns:a16="http://schemas.microsoft.com/office/drawing/2014/main" id="{A8395157-BD18-754D-B33E-B297D8ADBB26}"/>
+              </a:ext>
+            </a:extLst>
+          </p:cNvPr>
+          <p:cNvSpPr txBox="1"/>
+          <p:nvPr/>
+        </p:nvSpPr>
+        <p:spPr>
+          <a:xfrm>
+            <a:off x="-2" y="0"/>
+            <a:ext cx="5699759" cy="6740307"/>
+          </a:xfrm>
+          <a:prstGeom prst="rect">
+            <a:avLst/>
+          </a:prstGeom>
+          <a:noFill/>
+        </p:spPr>
+        <p:txBody>
+          <a:bodyPr wrap="square" rtlCol="0">
+            <a:spAutoFit/>
+          </a:bodyPr>
+          <a:lstStyle/>
+          <a:p>
+            <a:pPr lvl="1" algn="just"/>
+            <a:r>
+              <a:rPr lang="en-US" b="1" dirty="0">
+                <a:solidFill>
+                  <a:schemeClr val="accent1">
+                    <a:lumMod val="60000"/>
+                    <a:lumOff val="40000"/>
+                  </a:schemeClr>
+                </a:solidFill>
+              </a:rPr>
+              <a:t>Interaction Terms:</a:t>
+            </a:r>
+          </a:p>
+          <a:p>
+            <a:pPr marL="742950" lvl="1" indent="-285750" algn="just">
+              <a:buFont typeface="Arial" panose="020B0604020202020204" pitchFamily="34" charset="0"/>
+              <a:buChar char="•"/>
+            </a:pPr>
+            <a:r>
+              <a:rPr lang="en-US" dirty="0">
+                <a:solidFill>
+                  <a:schemeClr val="accent1">
+                    <a:lumMod val="60000"/>
+                    <a:lumOff val="40000"/>
+                  </a:schemeClr>
+                </a:solidFill>
+                <a:latin typeface="-apple-system"/>
+              </a:rPr>
+              <a:t>When the </a:t>
+            </a:r>
+            <a:r>
+              <a:rPr lang="en-US" i="1" dirty="0">
+                <a:solidFill>
+                  <a:schemeClr val="accent1">
+                    <a:lumMod val="60000"/>
+                    <a:lumOff val="40000"/>
+                  </a:schemeClr>
+                </a:solidFill>
+                <a:latin typeface="-apple-system"/>
+              </a:rPr>
+              <a:t>h</a:t>
+            </a:r>
+            <a:r>
+              <a:rPr lang="en-US" i="1" baseline="-25000" dirty="0">
+                <a:solidFill>
+                  <a:schemeClr val="accent1">
+                    <a:lumMod val="60000"/>
+                    <a:lumOff val="40000"/>
+                  </a:schemeClr>
+                </a:solidFill>
+                <a:latin typeface="-apple-system"/>
+              </a:rPr>
+              <a:t>i</a:t>
+            </a:r>
+            <a:r>
+              <a:rPr lang="en-US" dirty="0">
+                <a:solidFill>
+                  <a:schemeClr val="accent1">
+                    <a:lumMod val="60000"/>
+                    <a:lumOff val="40000"/>
+                  </a:schemeClr>
+                </a:solidFill>
+                <a:latin typeface="-apple-system"/>
+              </a:rPr>
+              <a:t> interacts with </a:t>
+            </a:r>
+            <a:r>
+              <a:rPr lang="en-US" i="1" dirty="0">
+                <a:solidFill>
+                  <a:schemeClr val="accent1">
+                    <a:lumMod val="60000"/>
+                    <a:lumOff val="40000"/>
+                  </a:schemeClr>
+                </a:solidFill>
+                <a:latin typeface="-apple-system"/>
+              </a:rPr>
+              <a:t>nur_aid</a:t>
+            </a:r>
+            <a:r>
+              <a:rPr lang="en-US" i="1" baseline="-25000" dirty="0">
+                <a:solidFill>
+                  <a:schemeClr val="accent1">
+                    <a:lumMod val="60000"/>
+                    <a:lumOff val="40000"/>
+                  </a:schemeClr>
+                </a:solidFill>
+                <a:latin typeface="-apple-system"/>
+              </a:rPr>
+              <a:t>i</a:t>
+            </a:r>
+            <a:r>
+              <a:rPr lang="en-US" dirty="0">
+                <a:solidFill>
+                  <a:schemeClr val="accent1">
+                    <a:lumMod val="60000"/>
+                    <a:lumOff val="40000"/>
+                  </a:schemeClr>
+                </a:solidFill>
+                <a:latin typeface="-apple-system"/>
+              </a:rPr>
+              <a:t>, the increase in number of hours that the nurse aides spend with residents each day has little to no impact on health inspection rating.</a:t>
+            </a:r>
+          </a:p>
+          <a:p>
+            <a:pPr lvl="1" algn="just"/>
+            <a:endParaRPr lang="en-US" dirty="0">
+              <a:solidFill>
+                <a:schemeClr val="accent1">
+                  <a:lumMod val="60000"/>
+                  <a:lumOff val="40000"/>
+                </a:schemeClr>
+              </a:solidFill>
+              <a:latin typeface="-apple-system"/>
+            </a:endParaRPr>
+          </a:p>
+          <a:p>
+            <a:pPr marL="742950" lvl="1" indent="-285750" algn="just">
+              <a:buFont typeface="Arial" panose="020B0604020202020204" pitchFamily="34" charset="0"/>
+              <a:buChar char="•"/>
+            </a:pPr>
+            <a:r>
+              <a:rPr lang="en-US" dirty="0">
+                <a:solidFill>
+                  <a:schemeClr val="accent1">
+                    <a:lumMod val="60000"/>
+                    <a:lumOff val="40000"/>
+                  </a:schemeClr>
+                </a:solidFill>
+                <a:latin typeface="-apple-system"/>
+              </a:rPr>
+              <a:t>The registered nurses that interacts with </a:t>
+            </a:r>
+            <a:r>
+              <a:rPr lang="en-US" i="1" dirty="0">
+                <a:solidFill>
+                  <a:schemeClr val="accent1">
+                    <a:lumMod val="60000"/>
+                    <a:lumOff val="40000"/>
+                  </a:schemeClr>
+                </a:solidFill>
+                <a:latin typeface="-apple-system"/>
+              </a:rPr>
+              <a:t>h</a:t>
+            </a:r>
+            <a:r>
+              <a:rPr lang="en-US" i="1" baseline="-25000" dirty="0">
+                <a:solidFill>
+                  <a:schemeClr val="accent1">
+                    <a:lumMod val="60000"/>
+                    <a:lumOff val="40000"/>
+                  </a:schemeClr>
+                </a:solidFill>
+                <a:latin typeface="-apple-system"/>
+              </a:rPr>
+              <a:t>i</a:t>
+            </a:r>
+            <a:r>
+              <a:rPr lang="en-US" dirty="0">
+                <a:solidFill>
+                  <a:schemeClr val="accent1">
+                    <a:lumMod val="60000"/>
+                    <a:lumOff val="40000"/>
+                  </a:schemeClr>
+                </a:solidFill>
+                <a:latin typeface="-apple-system"/>
+              </a:rPr>
+              <a:t> have a positive impact on this rating on the significance level.</a:t>
+            </a:r>
+          </a:p>
+          <a:p>
+            <a:pPr lvl="1" algn="just"/>
+            <a:endParaRPr lang="en-US" dirty="0">
+              <a:solidFill>
+                <a:schemeClr val="accent1">
+                  <a:lumMod val="60000"/>
+                  <a:lumOff val="40000"/>
+                </a:schemeClr>
+              </a:solidFill>
+              <a:latin typeface="-apple-system"/>
+            </a:endParaRPr>
+          </a:p>
+          <a:p>
+            <a:pPr marL="742950" lvl="1" indent="-285750" algn="just">
+              <a:buFont typeface="Arial" panose="020B0604020202020204" pitchFamily="34" charset="0"/>
+              <a:buChar char="•"/>
+            </a:pPr>
+            <a:r>
+              <a:rPr lang="en-US" dirty="0">
+                <a:solidFill>
+                  <a:schemeClr val="accent1">
+                    <a:lumMod val="60000"/>
+                    <a:lumOff val="40000"/>
+                  </a:schemeClr>
+                </a:solidFill>
+                <a:latin typeface="-apple-system"/>
+              </a:rPr>
+              <a:t>More surprisingly, when the </a:t>
+            </a:r>
+            <a:r>
+              <a:rPr lang="en-US" i="1" dirty="0">
+                <a:solidFill>
+                  <a:schemeClr val="accent1">
+                    <a:lumMod val="60000"/>
+                    <a:lumOff val="40000"/>
+                  </a:schemeClr>
+                </a:solidFill>
+                <a:latin typeface="-apple-system"/>
+              </a:rPr>
+              <a:t>h</a:t>
+            </a:r>
+            <a:r>
+              <a:rPr lang="en-US" i="1" baseline="-25000" dirty="0">
+                <a:solidFill>
+                  <a:schemeClr val="accent1">
+                    <a:lumMod val="60000"/>
+                    <a:lumOff val="40000"/>
+                  </a:schemeClr>
+                </a:solidFill>
+                <a:latin typeface="-apple-system"/>
+              </a:rPr>
+              <a:t>i</a:t>
+            </a:r>
+            <a:r>
+              <a:rPr lang="en-US" dirty="0">
+                <a:solidFill>
+                  <a:schemeClr val="accent1">
+                    <a:lumMod val="60000"/>
+                    <a:lumOff val="40000"/>
+                  </a:schemeClr>
+                </a:solidFill>
+                <a:latin typeface="-apple-system"/>
+              </a:rPr>
+              <a:t> interacts with </a:t>
+            </a:r>
+            <a:r>
+              <a:rPr lang="en-US" i="1" dirty="0" err="1">
+                <a:solidFill>
+                  <a:schemeClr val="accent1">
+                    <a:lumMod val="60000"/>
+                    <a:lumOff val="40000"/>
+                  </a:schemeClr>
+                </a:solidFill>
+                <a:latin typeface="-apple-system"/>
+              </a:rPr>
+              <a:t>lpn</a:t>
+            </a:r>
+            <a:r>
+              <a:rPr lang="en-US" i="1" baseline="-25000" dirty="0" err="1">
+                <a:solidFill>
+                  <a:schemeClr val="accent1">
+                    <a:lumMod val="60000"/>
+                    <a:lumOff val="40000"/>
+                  </a:schemeClr>
+                </a:solidFill>
+                <a:latin typeface="-apple-system"/>
+              </a:rPr>
+              <a:t>i</a:t>
+            </a:r>
+            <a:r>
+              <a:rPr lang="en-US" dirty="0">
+                <a:solidFill>
+                  <a:schemeClr val="accent1">
+                    <a:lumMod val="60000"/>
+                    <a:lumOff val="40000"/>
+                  </a:schemeClr>
+                </a:solidFill>
+                <a:latin typeface="-apple-system"/>
+              </a:rPr>
+              <a:t>, the coefficient is -0.0881 with margin of error equal 0.07, and that is, the incremental increase in the number of hours that license practical nurses spend has a negative impact on this rating on the significance level.</a:t>
+            </a:r>
+          </a:p>
+          <a:p>
+            <a:pPr lvl="1" algn="just"/>
+            <a:endParaRPr lang="en-US" dirty="0">
+              <a:solidFill>
+                <a:schemeClr val="bg1"/>
+              </a:solidFill>
+              <a:latin typeface="-apple-system"/>
+            </a:endParaRPr>
+          </a:p>
+          <a:p>
+            <a:pPr lvl="1" algn="just"/>
+            <a:r>
+              <a:rPr lang="en-US" dirty="0">
+                <a:solidFill>
+                  <a:schemeClr val="bg1"/>
+                </a:solidFill>
+                <a:latin typeface="-apple-system"/>
+              </a:rPr>
+              <a:t>For example, the quality score for depressive-related code is higher while the score for catheter-related code is lower. There is potential linkage between the roles of nurses. The registered nurses administer medication and treatments while the license practical nurses comfort the residents and provide the basic care including the insertion of catheters.</a:t>
+            </a:r>
+          </a:p>
+        </p:txBody>
+      </p:sp>
+    </p:spTree>
+    <p:extLst>
+      <p:ext uri="{BB962C8B-B14F-4D97-AF65-F5344CB8AC3E}">
+        <p14:creationId xmlns:p14="http://schemas.microsoft.com/office/powerpoint/2010/main" val="37169505"/>
+      </p:ext>
+    </p:extLst>
+  </p:cSld>
+  <p:clrMapOvr>
+    <a:masterClrMapping/>
+  </p:clrMapOvr>
+  <mc:AlternateContent xmlns:mc="http://schemas.openxmlformats.org/markup-compatibility/2006" xmlns:p14="http://schemas.microsoft.com/office/powerpoint/2010/main">
+    <mc:Choice Requires="p14">
+      <p:transition spd="med" p14:dur="700" advClick="0">
+        <p:fade/>
+      </p:transition>
+    </mc:Choice>
+    <mc:Fallback xmlns="">
+      <p:transition spd="med" advClick="0">
+        <p:fade/>
+      </p:transition>
+    </mc:Fallback>
+  </mc:AlternateContent>
+</p:sld>
+</file>
+
+<file path=ppt/slides/slide33.xml><?xml version="1.0" encoding="utf-8"?>
+<p:sld xmlns:a="http://schemas.openxmlformats.org/drawingml/2006/main" xmlns:r="http://schemas.openxmlformats.org/officeDocument/2006/relationships" xmlns:p="http://schemas.openxmlformats.org/presentationml/2006/main">
+  <p:cSld>
+    <p:spTree>
+      <p:nvGrpSpPr>
+        <p:cNvPr id="1" name=""/>
+        <p:cNvGrpSpPr/>
+        <p:nvPr/>
+      </p:nvGrpSpPr>
+      <p:grpSpPr>
+        <a:xfrm>
+          <a:off x="0" y="0"/>
+          <a:ext cx="0" cy="0"/>
+          <a:chOff x="0" y="0"/>
+          <a:chExt cx="0" cy="0"/>
+        </a:xfrm>
+      </p:grpSpPr>
+      <p:sp>
+        <p:nvSpPr>
+          <p:cNvPr id="2" name="Title 1">
+            <a:extLst>
+              <a:ext uri="{FF2B5EF4-FFF2-40B4-BE49-F238E27FC236}">
+                <a16:creationId xmlns:a16="http://schemas.microsoft.com/office/drawing/2014/main" id="{7A4919D0-F177-4BBA-9A0B-DBA69E2ED764}"/>
+              </a:ext>
+            </a:extLst>
+          </p:cNvPr>
+          <p:cNvSpPr>
+            <a:spLocks noGrp="1"/>
+          </p:cNvSpPr>
+          <p:nvPr>
+            <p:ph type="title"/>
+          </p:nvPr>
+        </p:nvSpPr>
+        <p:spPr>
+          <a:xfrm>
+            <a:off x="1024128" y="585216"/>
+            <a:ext cx="9720072" cy="1499616"/>
+          </a:xfrm>
+        </p:spPr>
+        <p:txBody>
+          <a:bodyPr>
+            <a:normAutofit/>
+          </a:bodyPr>
+          <a:lstStyle/>
+          <a:p>
+            <a:r>
+              <a:rPr lang="en-US" dirty="0"/>
+              <a:t>FUTURE RESEARCH</a:t>
+            </a:r>
+          </a:p>
+        </p:txBody>
+      </p:sp>
+      <p:sp>
+        <p:nvSpPr>
+          <p:cNvPr id="6" name="Oval 5">
+            <a:extLst>
+              <a:ext uri="{FF2B5EF4-FFF2-40B4-BE49-F238E27FC236}">
+                <a16:creationId xmlns:a16="http://schemas.microsoft.com/office/drawing/2014/main" id="{7C2CB90C-26B8-094F-A153-82C9EA7A3653}"/>
+              </a:ext>
+            </a:extLst>
+          </p:cNvPr>
+          <p:cNvSpPr/>
+          <p:nvPr/>
+        </p:nvSpPr>
+        <p:spPr>
+          <a:xfrm>
+            <a:off x="1400175" y="2319426"/>
+            <a:ext cx="973749" cy="973749"/>
+          </a:xfrm>
+          <a:prstGeom prst="ellipse">
+            <a:avLst/>
+          </a:prstGeom>
+          <a:solidFill>
+            <a:schemeClr val="accent1"/>
+          </a:solidFill>
+        </p:spPr>
+        <p:style>
+          <a:lnRef idx="0">
+            <a:schemeClr val="lt1">
+              <a:alpha val="0"/>
+              <a:hueOff val="0"/>
+              <a:satOff val="0"/>
+              <a:lumOff val="0"/>
+              <a:alphaOff val="0"/>
+            </a:schemeClr>
+          </a:lnRef>
+          <a:fillRef idx="1">
+            <a:scrgbClr r="0" g="0" b="0"/>
+          </a:fillRef>
+          <a:effectRef idx="0">
+            <a:schemeClr val="accent2">
+              <a:hueOff val="0"/>
+              <a:satOff val="0"/>
+              <a:lumOff val="0"/>
+              <a:alphaOff val="0"/>
+            </a:schemeClr>
+          </a:effectRef>
+          <a:fontRef idx="minor"/>
+        </p:style>
+      </p:sp>
+      <p:sp>
+        <p:nvSpPr>
+          <p:cNvPr id="12" name="Rectangle 11">
+            <a:extLst>
+              <a:ext uri="{FF2B5EF4-FFF2-40B4-BE49-F238E27FC236}">
+                <a16:creationId xmlns:a16="http://schemas.microsoft.com/office/drawing/2014/main" id="{5CDA1F56-55BB-FA46-8BED-72F8BDA1CEF2}"/>
+              </a:ext>
+            </a:extLst>
+          </p:cNvPr>
+          <p:cNvSpPr/>
+          <p:nvPr/>
+        </p:nvSpPr>
+        <p:spPr>
+          <a:xfrm>
+            <a:off x="2824569" y="2483134"/>
+            <a:ext cx="7967255" cy="923330"/>
+          </a:xfrm>
+          <a:prstGeom prst="rect">
+            <a:avLst/>
+          </a:prstGeom>
+        </p:spPr>
+        <p:txBody>
+          <a:bodyPr wrap="square">
+            <a:spAutoFit/>
+          </a:bodyPr>
+          <a:lstStyle/>
+          <a:p>
+            <a:pPr lvl="0" algn="just">
+              <a:lnSpc>
+                <a:spcPct val="100000"/>
+              </a:lnSpc>
+              <a:defRPr cap="all"/>
+            </a:pPr>
+            <a:r>
+              <a:rPr lang="en-US" dirty="0"/>
+              <a:t>The CMS PILOT Program is established by providing financial aid for </a:t>
+            </a:r>
+            <a:r>
+              <a:rPr lang="en-US" dirty="0" err="1"/>
+              <a:t>lpn</a:t>
+            </a:r>
+            <a:r>
+              <a:rPr lang="en-US" dirty="0"/>
+              <a:t>-to-</a:t>
+            </a:r>
+            <a:r>
+              <a:rPr lang="en-US" dirty="0" err="1"/>
+              <a:t>rn</a:t>
+            </a:r>
+            <a:r>
+              <a:rPr lang="en-US" dirty="0"/>
+              <a:t> career pathway or promote awareness of existing programs. The </a:t>
+            </a:r>
+            <a:r>
+              <a:rPr lang="en-US" dirty="0" err="1"/>
+              <a:t>rct</a:t>
+            </a:r>
+            <a:r>
+              <a:rPr lang="en-US" dirty="0"/>
+              <a:t> should identify real impact of this program.</a:t>
+            </a:r>
+          </a:p>
+        </p:txBody>
+      </p:sp>
+      <p:sp>
+        <p:nvSpPr>
+          <p:cNvPr id="13" name="Oval 12">
+            <a:extLst>
+              <a:ext uri="{FF2B5EF4-FFF2-40B4-BE49-F238E27FC236}">
+                <a16:creationId xmlns:a16="http://schemas.microsoft.com/office/drawing/2014/main" id="{8B94F09B-6B88-DE40-9309-5743C2DA8C87}"/>
+              </a:ext>
+            </a:extLst>
+          </p:cNvPr>
+          <p:cNvSpPr/>
+          <p:nvPr/>
+        </p:nvSpPr>
+        <p:spPr>
+          <a:xfrm>
+            <a:off x="1400176" y="3691479"/>
+            <a:ext cx="973748" cy="973748"/>
+          </a:xfrm>
+          <a:prstGeom prst="ellipse">
+            <a:avLst/>
+          </a:prstGeom>
+          <a:solidFill>
+            <a:schemeClr val="accent1"/>
+          </a:solidFill>
+        </p:spPr>
+        <p:style>
+          <a:lnRef idx="0">
+            <a:schemeClr val="lt1">
+              <a:alpha val="0"/>
+              <a:hueOff val="0"/>
+              <a:satOff val="0"/>
+              <a:lumOff val="0"/>
+              <a:alphaOff val="0"/>
+            </a:schemeClr>
+          </a:lnRef>
+          <a:fillRef idx="1">
+            <a:scrgbClr r="0" g="0" b="0"/>
+          </a:fillRef>
+          <a:effectRef idx="0">
+            <a:schemeClr val="accent2">
+              <a:hueOff val="0"/>
+              <a:satOff val="0"/>
+              <a:lumOff val="0"/>
+              <a:alphaOff val="0"/>
+            </a:schemeClr>
+          </a:effectRef>
+          <a:fontRef idx="minor"/>
+        </p:style>
+      </p:sp>
+      <p:sp>
+        <p:nvSpPr>
+          <p:cNvPr id="16" name="Rectangle 15">
+            <a:extLst>
+              <a:ext uri="{FF2B5EF4-FFF2-40B4-BE49-F238E27FC236}">
+                <a16:creationId xmlns:a16="http://schemas.microsoft.com/office/drawing/2014/main" id="{2682F61B-305A-4246-A67A-4F8C3B26CB4E}"/>
+              </a:ext>
+            </a:extLst>
+          </p:cNvPr>
+          <p:cNvSpPr/>
+          <p:nvPr/>
+        </p:nvSpPr>
+        <p:spPr>
+          <a:xfrm>
+            <a:off x="2824570" y="3855186"/>
+            <a:ext cx="7967254" cy="923330"/>
+          </a:xfrm>
+          <a:prstGeom prst="rect">
+            <a:avLst/>
+          </a:prstGeom>
+        </p:spPr>
+        <p:txBody>
+          <a:bodyPr wrap="square">
+            <a:spAutoFit/>
+          </a:bodyPr>
+          <a:lstStyle/>
+          <a:p>
+            <a:pPr lvl="0" algn="just">
+              <a:lnSpc>
+                <a:spcPct val="100000"/>
+              </a:lnSpc>
+              <a:defRPr cap="all"/>
+            </a:pPr>
+            <a:r>
+              <a:rPr lang="en-US" dirty="0"/>
+              <a:t>The direct solution is by training machine or deep learning to identify inflation in self-report data that helps to make rating system more credible only if data audit is undertaken and this data exists. </a:t>
+            </a:r>
+          </a:p>
+        </p:txBody>
+      </p:sp>
+      <p:pic>
+        <p:nvPicPr>
+          <p:cNvPr id="4" name="Graphic 3" descr="Bar chart RTL">
+            <a:extLst>
+              <a:ext uri="{FF2B5EF4-FFF2-40B4-BE49-F238E27FC236}">
+                <a16:creationId xmlns:a16="http://schemas.microsoft.com/office/drawing/2014/main" id="{1D8BA161-A218-8742-996D-906EB9E7903A}"/>
+              </a:ext>
+            </a:extLst>
+          </p:cNvPr>
+          <p:cNvPicPr>
+            <a:picLocks noChangeAspect="1"/>
+          </p:cNvPicPr>
+          <p:nvPr/>
+        </p:nvPicPr>
+        <p:blipFill>
+          <a:blip r:embed="rId2">
+            <a:extLst>
+              <a:ext uri="{96DAC541-7B7A-43D3-8B79-37D633B846F1}">
+                <asvg:svgBlip xmlns:asvg="http://schemas.microsoft.com/office/drawing/2016/SVG/main" r:embed="rId3"/>
+              </a:ext>
+            </a:extLst>
+          </a:blip>
+          <a:stretch>
+            <a:fillRect/>
+          </a:stretch>
+        </p:blipFill>
+        <p:spPr>
+          <a:xfrm>
+            <a:off x="1429849" y="2349101"/>
+            <a:ext cx="914400" cy="914400"/>
+          </a:xfrm>
+          <a:prstGeom prst="rect">
+            <a:avLst/>
+          </a:prstGeom>
+        </p:spPr>
+      </p:pic>
+      <p:pic>
+        <p:nvPicPr>
+          <p:cNvPr id="8" name="Graphic 7" descr="Robot">
+            <a:extLst>
+              <a:ext uri="{FF2B5EF4-FFF2-40B4-BE49-F238E27FC236}">
+                <a16:creationId xmlns:a16="http://schemas.microsoft.com/office/drawing/2014/main" id="{A27C3794-B41E-6048-8318-891FC21D01B8}"/>
+              </a:ext>
+            </a:extLst>
+          </p:cNvPr>
+          <p:cNvPicPr>
+            <a:picLocks noChangeAspect="1"/>
+          </p:cNvPicPr>
+          <p:nvPr/>
+        </p:nvPicPr>
+        <p:blipFill>
+          <a:blip r:embed="rId4">
+            <a:extLst>
+              <a:ext uri="{96DAC541-7B7A-43D3-8B79-37D633B846F1}">
+                <asvg:svgBlip xmlns:asvg="http://schemas.microsoft.com/office/drawing/2016/SVG/main" r:embed="rId5"/>
+              </a:ext>
+            </a:extLst>
+          </a:blip>
+          <a:stretch>
+            <a:fillRect/>
+          </a:stretch>
+        </p:blipFill>
+        <p:spPr>
+          <a:xfrm>
+            <a:off x="1429849" y="3691479"/>
+            <a:ext cx="914400" cy="914400"/>
+          </a:xfrm>
+          <a:prstGeom prst="rect">
+            <a:avLst/>
+          </a:prstGeom>
+        </p:spPr>
+      </p:pic>
+    </p:spTree>
+    <p:extLst>
+      <p:ext uri="{BB962C8B-B14F-4D97-AF65-F5344CB8AC3E}">
+        <p14:creationId xmlns:p14="http://schemas.microsoft.com/office/powerpoint/2010/main" val="1682641727"/>
+      </p:ext>
+    </p:extLst>
+  </p:cSld>
+  <p:clrMapOvr>
+    <a:masterClrMapping/>
+  </p:clrMapOvr>
+  <mc:AlternateContent xmlns:mc="http://schemas.openxmlformats.org/markup-compatibility/2006" xmlns:p159="http://schemas.microsoft.com/office/powerpoint/2015/09/main">
+    <mc:Choice Requires="p159">
+      <p:transition xmlns:p14="http://schemas.microsoft.com/office/powerpoint/2010/main" spd="slow" p14:dur="2000">
+        <p159:morph option="byObject"/>
+      </p:transition>
+    </mc:Choice>
+    <mc:Fallback xmlns="">
+      <p:transition spd="slow">
+        <p:fade/>
+      </p:transition>
+    </mc:Fallback>
+  </mc:AlternateContent>
+</p:sld>
+</file>
+
+<file path=ppt/slides/slide34.xml><?xml version="1.0" encoding="utf-8"?>
 <p:sld xmlns:a="http://schemas.openxmlformats.org/drawingml/2006/main" xmlns:r="http://schemas.openxmlformats.org/officeDocument/2006/relationships" xmlns:p="http://schemas.openxmlformats.org/presentationml/2006/main">
   <p:cSld>
     <p:spTree>
@@ -36151,237 +37965,147 @@
           </a:p>
         </p:txBody>
       </p:sp>
-      <p:grpSp>
-        <p:nvGrpSpPr>
-          <p:cNvPr id="7" name="Group 6">
+      <p:sp>
+        <p:nvSpPr>
+          <p:cNvPr id="5" name="Rectangle 4">
             <a:extLst>
               <a:ext uri="{FF2B5EF4-FFF2-40B4-BE49-F238E27FC236}">
-                <a16:creationId xmlns:a16="http://schemas.microsoft.com/office/drawing/2014/main" id="{EBE04B05-AA58-A74B-8885-25882DD9C58A}"/>
+                <a16:creationId xmlns:a16="http://schemas.microsoft.com/office/drawing/2014/main" id="{31EBCB3B-8EC7-EB46-ABD5-9325BAD03D59}"/>
               </a:ext>
             </a:extLst>
           </p:cNvPr>
-          <p:cNvGrpSpPr/>
+          <p:cNvSpPr/>
           <p:nvPr/>
-        </p:nvGrpSpPr>
-        <p:grpSpPr>
+        </p:nvSpPr>
+        <p:spPr>
           <a:xfrm>
             <a:off x="6096000" y="0"/>
             <a:ext cx="6096000" cy="6858000"/>
-            <a:chOff x="6096000" y="0"/>
-            <a:chExt cx="6096000" cy="6858000"/>
           </a:xfrm>
-        </p:grpSpPr>
-        <p:sp>
-          <p:nvSpPr>
-            <p:cNvPr id="5" name="Rectangle 4">
-              <a:extLst>
-                <a:ext uri="{FF2B5EF4-FFF2-40B4-BE49-F238E27FC236}">
-                  <a16:creationId xmlns:a16="http://schemas.microsoft.com/office/drawing/2014/main" id="{31EBCB3B-8EC7-EB46-ABD5-9325BAD03D59}"/>
-                </a:ext>
-              </a:extLst>
-            </p:cNvPr>
-            <p:cNvSpPr/>
-            <p:nvPr/>
-          </p:nvSpPr>
-          <p:spPr>
-            <a:xfrm>
-              <a:off x="6096000" y="0"/>
-              <a:ext cx="6096000" cy="6858000"/>
-            </a:xfrm>
-            <a:prstGeom prst="rect">
-              <a:avLst/>
-            </a:prstGeom>
+          <a:prstGeom prst="rect">
+            <a:avLst/>
+          </a:prstGeom>
+          <a:solidFill>
+            <a:schemeClr val="accent1"/>
+          </a:solidFill>
+          <a:ln>
             <a:solidFill>
               <a:schemeClr val="accent1"/>
             </a:solidFill>
-            <a:ln>
-              <a:solidFill>
-                <a:schemeClr val="accent1"/>
-              </a:solidFill>
-            </a:ln>
-          </p:spPr>
-          <p:style>
-            <a:lnRef idx="2">
-              <a:schemeClr val="accent1">
-                <a:shade val="50000"/>
-              </a:schemeClr>
-            </a:lnRef>
-            <a:fillRef idx="1">
-              <a:schemeClr val="accent1"/>
-            </a:fillRef>
-            <a:effectRef idx="0">
-              <a:schemeClr val="accent1"/>
-            </a:effectRef>
-            <a:fontRef idx="minor">
-              <a:schemeClr val="lt1"/>
-            </a:fontRef>
-          </p:style>
-          <p:txBody>
-            <a:bodyPr rtlCol="0" anchor="ctr"/>
-            <a:lstStyle/>
-            <a:p>
-              <a:pPr lvl="1" algn="just"/>
-              <a:endParaRPr lang="en-US" dirty="0"/>
-            </a:p>
-          </p:txBody>
-        </p:sp>
-        <p:sp>
-          <p:nvSpPr>
-            <p:cNvPr id="3" name="TextBox 2">
-              <a:extLst>
-                <a:ext uri="{FF2B5EF4-FFF2-40B4-BE49-F238E27FC236}">
-                  <a16:creationId xmlns:a16="http://schemas.microsoft.com/office/drawing/2014/main" id="{DFC537CF-97EF-B540-B692-B6A481AC1FCF}"/>
-                </a:ext>
-              </a:extLst>
-            </p:cNvPr>
-            <p:cNvSpPr txBox="1"/>
-            <p:nvPr/>
-          </p:nvSpPr>
-          <p:spPr>
-            <a:xfrm>
-              <a:off x="6096001" y="1614143"/>
-              <a:ext cx="5699759" cy="3970318"/>
-            </a:xfrm>
-            <a:prstGeom prst="rect">
-              <a:avLst/>
-            </a:prstGeom>
-            <a:noFill/>
-          </p:spPr>
-          <p:txBody>
-            <a:bodyPr wrap="square" rtlCol="0">
-              <a:spAutoFit/>
-            </a:bodyPr>
-            <a:lstStyle/>
-            <a:p>
-              <a:pPr lvl="1" algn="just"/>
-              <a:r>
-                <a:rPr lang="en-US" b="1" dirty="0">
-                  <a:solidFill>
-                    <a:prstClr val="white"/>
-                  </a:solidFill>
-                </a:rPr>
-                <a:t>MDS Quality Measures Score:</a:t>
-              </a:r>
-            </a:p>
-            <a:p>
-              <a:pPr marL="742950" lvl="1" indent="-285750" algn="just">
-                <a:buFont typeface="Arial" panose="020B0604020202020204" pitchFamily="34" charset="0"/>
-                <a:buChar char="•"/>
-              </a:pPr>
-              <a:r>
-                <a:rPr lang="en-US" dirty="0">
-                  <a:solidFill>
-                    <a:prstClr val="white"/>
-                  </a:solidFill>
-                </a:rPr>
-                <a:t>Continuous</a:t>
-              </a:r>
-            </a:p>
-            <a:p>
-              <a:pPr marL="742950" lvl="1" indent="-285750" algn="just">
-                <a:buFont typeface="Arial" panose="020B0604020202020204" pitchFamily="34" charset="0"/>
-                <a:buChar char="•"/>
-              </a:pPr>
-              <a:r>
-                <a:rPr lang="el-GR" dirty="0">
-                  <a:solidFill>
-                    <a:prstClr val="white"/>
-                  </a:solidFill>
-                </a:rPr>
-                <a:t>ε(0,100)</a:t>
-              </a:r>
-              <a:endParaRPr lang="en-US" dirty="0">
+          </a:ln>
+        </p:spPr>
+        <p:style>
+          <a:lnRef idx="2">
+            <a:schemeClr val="accent1">
+              <a:shade val="50000"/>
+            </a:schemeClr>
+          </a:lnRef>
+          <a:fillRef idx="1">
+            <a:schemeClr val="accent1"/>
+          </a:fillRef>
+          <a:effectRef idx="0">
+            <a:schemeClr val="accent1"/>
+          </a:effectRef>
+          <a:fontRef idx="minor">
+            <a:schemeClr val="lt1"/>
+          </a:fontRef>
+        </p:style>
+        <p:txBody>
+          <a:bodyPr rtlCol="0" anchor="ctr"/>
+          <a:lstStyle/>
+          <a:p>
+            <a:pPr lvl="1" algn="just"/>
+            <a:endParaRPr lang="en-US" dirty="0"/>
+          </a:p>
+        </p:txBody>
+      </p:sp>
+      <p:sp>
+        <p:nvSpPr>
+          <p:cNvPr id="3" name="TextBox 2">
+            <a:extLst>
+              <a:ext uri="{FF2B5EF4-FFF2-40B4-BE49-F238E27FC236}">
+                <a16:creationId xmlns:a16="http://schemas.microsoft.com/office/drawing/2014/main" id="{DFC537CF-97EF-B540-B692-B6A481AC1FCF}"/>
+              </a:ext>
+            </a:extLst>
+          </p:cNvPr>
+          <p:cNvSpPr txBox="1"/>
+          <p:nvPr/>
+        </p:nvSpPr>
+        <p:spPr>
+          <a:xfrm>
+            <a:off x="6096001" y="1614143"/>
+            <a:ext cx="5699759" cy="3693319"/>
+          </a:xfrm>
+          <a:prstGeom prst="rect">
+            <a:avLst/>
+          </a:prstGeom>
+          <a:noFill/>
+        </p:spPr>
+        <p:txBody>
+          <a:bodyPr wrap="square" rtlCol="0">
+            <a:spAutoFit/>
+          </a:bodyPr>
+          <a:lstStyle/>
+          <a:p>
+            <a:pPr lvl="1" algn="just"/>
+            <a:r>
+              <a:rPr lang="en-US" b="1" dirty="0">
                 <a:solidFill>
                   <a:prstClr val="white"/>
                 </a:solidFill>
-              </a:endParaRPr>
-            </a:p>
-            <a:p>
-              <a:pPr marL="742950" lvl="1" indent="-285750" algn="just">
-                <a:buFont typeface="Arial" panose="020B0604020202020204" pitchFamily="34" charset="0"/>
-                <a:buChar char="•"/>
-              </a:pPr>
-              <a:r>
-                <a:rPr lang="en-US" dirty="0">
-                  <a:solidFill>
-                    <a:prstClr val="white"/>
-                  </a:solidFill>
-                </a:rPr>
-                <a:t>Cross-sectional</a:t>
-              </a:r>
-            </a:p>
-            <a:p>
-              <a:pPr marL="742950" lvl="1" indent="-285750" algn="just">
-                <a:buFont typeface="Arial" panose="020B0604020202020204" pitchFamily="34" charset="0"/>
-                <a:buChar char="•"/>
-              </a:pPr>
-              <a:r>
-                <a:rPr lang="en-US" dirty="0">
-                  <a:solidFill>
-                    <a:prstClr val="white"/>
-                  </a:solidFill>
-                </a:rPr>
-                <a:t>Bimodally distributed</a:t>
-              </a:r>
-            </a:p>
-            <a:p>
-              <a:pPr marL="742950" lvl="1" indent="-285750" algn="just">
-                <a:buFont typeface="Arial" panose="020B0604020202020204" pitchFamily="34" charset="0"/>
-                <a:buChar char="•"/>
-              </a:pPr>
-              <a:endParaRPr lang="en-US" dirty="0">
+              </a:rPr>
+              <a:t>Purpose of this plot:</a:t>
+            </a:r>
+          </a:p>
+          <a:p>
+            <a:pPr lvl="1" algn="just"/>
+            <a:r>
+              <a:rPr lang="en-US" dirty="0">
                 <a:solidFill>
                   <a:prstClr val="white"/>
                 </a:solidFill>
-              </a:endParaRPr>
-            </a:p>
-            <a:p>
-              <a:pPr lvl="1" algn="just"/>
-              <a:endParaRPr lang="en-US" dirty="0">
+              </a:rPr>
+              <a:t>The empirical distribution is real shape of distribution that is based on MDS quality measure. The statistical descriptive shows the comparison between empirical and theoretical distribution. Both shapes should be similar. But this test shows that both shapes are not similar at all.</a:t>
+            </a:r>
+          </a:p>
+          <a:p>
+            <a:pPr lvl="1" algn="just"/>
+            <a:endParaRPr lang="en-US" dirty="0">
+              <a:solidFill>
+                <a:prstClr val="white"/>
+              </a:solidFill>
+            </a:endParaRPr>
+          </a:p>
+          <a:p>
+            <a:pPr lvl="1" algn="just"/>
+            <a:r>
+              <a:rPr lang="en-US" b="1" dirty="0">
                 <a:solidFill>
-                  <a:prstClr val="white"/>
+                  <a:schemeClr val="accent2">
+                    <a:lumMod val="60000"/>
+                    <a:lumOff val="40000"/>
+                  </a:schemeClr>
                 </a:solidFill>
-              </a:endParaRPr>
-            </a:p>
-            <a:p>
-              <a:pPr lvl="1" algn="just"/>
-              <a:endParaRPr lang="en-US" dirty="0">
+              </a:rPr>
+              <a:t>But why am I doing this plot?:</a:t>
+            </a:r>
+          </a:p>
+          <a:p>
+            <a:pPr lvl="1" algn="just"/>
+            <a:r>
+              <a:rPr lang="en-US" dirty="0">
                 <a:solidFill>
-                  <a:prstClr val="white"/>
+                  <a:schemeClr val="accent2">
+                    <a:lumMod val="60000"/>
+                    <a:lumOff val="40000"/>
+                  </a:schemeClr>
                 </a:solidFill>
-              </a:endParaRPr>
-            </a:p>
-            <a:p>
-              <a:pPr lvl="1" algn="just"/>
-              <a:r>
-                <a:rPr lang="en-US" dirty="0">
-                  <a:solidFill>
-                    <a:prstClr val="white"/>
-                  </a:solidFill>
-                </a:rPr>
-                <a:t>This empirical distribution is compared with theoretical </a:t>
-              </a:r>
-              <a:r>
-                <a:rPr lang="en-US" i="1" dirty="0">
-                  <a:solidFill>
-                    <a:prstClr val="white"/>
-                  </a:solidFill>
-                </a:rPr>
-                <a:t>Beta</a:t>
-              </a:r>
-              <a:r>
-                <a:rPr lang="en-US" dirty="0">
-                  <a:solidFill>
-                    <a:prstClr val="white"/>
-                  </a:solidFill>
-                </a:rPr>
-                <a:t> distribution, a continuous version of binomial. This plot shows that this distribution is not consistent with theoretical one and this shape will not change due to law of large number. For this reason, the permutation test is in use.</a:t>
-              </a:r>
-              <a:endParaRPr lang="en-US" dirty="0"/>
-            </a:p>
-          </p:txBody>
-        </p:sp>
-      </p:grpSp>
+              </a:rPr>
+              <a:t>Normally, you want to test hypothesis to see if difference is statistically significant using Central Limit Theorem or any parametric tests. But this analysis shows that this method won’t work.</a:t>
+            </a:r>
+          </a:p>
+        </p:txBody>
+      </p:sp>
     </p:spTree>
     <p:extLst>
       <p:ext uri="{BB962C8B-B14F-4D97-AF65-F5344CB8AC3E}">
@@ -36463,7 +38187,7 @@
                                 </p:cTn>
                               </p:par>
                               <p:par>
-                                <p:cTn id="8" presetID="2" presetClass="entr" presetSubtype="2" accel="50000" decel="50000" fill="hold" nodeType="withEffect">
+                                <p:cTn id="8" presetID="2" presetClass="entr" presetSubtype="2" accel="50000" decel="50000" fill="hold" grpId="0" nodeType="withEffect">
                                   <p:stCondLst>
                                     <p:cond delay="0"/>
                                   </p:stCondLst>
@@ -36476,7 +38200,7 @@
                                           </p:stCondLst>
                                         </p:cTn>
                                         <p:tgtEl>
-                                          <p:spTgt spid="7"/>
+                                          <p:spTgt spid="5"/>
                                         </p:tgtEl>
                                         <p:attrNameLst>
                                           <p:attrName>style.visibility</p:attrName>
@@ -36490,7 +38214,7 @@
                                       <p:cBhvr additive="base">
                                         <p:cTn id="10" dur="1000" fill="hold"/>
                                         <p:tgtEl>
-                                          <p:spTgt spid="7"/>
+                                          <p:spTgt spid="5"/>
                                         </p:tgtEl>
                                         <p:attrNameLst>
                                           <p:attrName>ppt_x</p:attrName>
@@ -36513,7 +38237,80 @@
                                       <p:cBhvr additive="base">
                                         <p:cTn id="11" dur="1000" fill="hold"/>
                                         <p:tgtEl>
-                                          <p:spTgt spid="7"/>
+                                          <p:spTgt spid="5"/>
+                                        </p:tgtEl>
+                                        <p:attrNameLst>
+                                          <p:attrName>ppt_y</p:attrName>
+                                        </p:attrNameLst>
+                                      </p:cBhvr>
+                                      <p:tavLst>
+                                        <p:tav tm="0">
+                                          <p:val>
+                                            <p:strVal val="#ppt_y"/>
+                                          </p:val>
+                                        </p:tav>
+                                        <p:tav tm="100000">
+                                          <p:val>
+                                            <p:strVal val="#ppt_y"/>
+                                          </p:val>
+                                        </p:tav>
+                                      </p:tavLst>
+                                    </p:anim>
+                                  </p:childTnLst>
+                                </p:cTn>
+                              </p:par>
+                              <p:par>
+                                <p:cTn id="12" presetID="2" presetClass="entr" presetSubtype="2" accel="50000" decel="50000" fill="hold" grpId="0" nodeType="withEffect">
+                                  <p:stCondLst>
+                                    <p:cond delay="0"/>
+                                  </p:stCondLst>
+                                  <p:childTnLst>
+                                    <p:set>
+                                      <p:cBhvr>
+                                        <p:cTn id="13" dur="1" fill="hold">
+                                          <p:stCondLst>
+                                            <p:cond delay="0"/>
+                                          </p:stCondLst>
+                                        </p:cTn>
+                                        <p:tgtEl>
+                                          <p:spTgt spid="3"/>
+                                        </p:tgtEl>
+                                        <p:attrNameLst>
+                                          <p:attrName>style.visibility</p:attrName>
+                                        </p:attrNameLst>
+                                      </p:cBhvr>
+                                      <p:to>
+                                        <p:strVal val="visible"/>
+                                      </p:to>
+                                    </p:set>
+                                    <p:anim calcmode="lin" valueType="num">
+                                      <p:cBhvr additive="base">
+                                        <p:cTn id="14" dur="1000" fill="hold"/>
+                                        <p:tgtEl>
+                                          <p:spTgt spid="3"/>
+                                        </p:tgtEl>
+                                        <p:attrNameLst>
+                                          <p:attrName>ppt_x</p:attrName>
+                                        </p:attrNameLst>
+                                      </p:cBhvr>
+                                      <p:tavLst>
+                                        <p:tav tm="0">
+                                          <p:val>
+                                            <p:strVal val="1+#ppt_w/2"/>
+                                          </p:val>
+                                        </p:tav>
+                                        <p:tav tm="100000">
+                                          <p:val>
+                                            <p:strVal val="#ppt_x"/>
+                                          </p:val>
+                                        </p:tav>
+                                      </p:tavLst>
+                                    </p:anim>
+                                    <p:anim calcmode="lin" valueType="num">
+                                      <p:cBhvr additive="base">
+                                        <p:cTn id="15" dur="1000" fill="hold"/>
+                                        <p:tgtEl>
+                                          <p:spTgt spid="3"/>
                                         </p:tgtEl>
                                         <p:attrNameLst>
                                           <p:attrName>ppt_y</p:attrName>
@@ -36564,6 +38361,8 @@
     </p:tnLst>
     <p:bldLst>
       <p:bldP spid="4" grpId="0" animBg="1"/>
+      <p:bldP spid="5" grpId="0" animBg="1"/>
+      <p:bldP spid="3" grpId="0"/>
     </p:bldLst>
   </p:timing>
 </p:sld>
@@ -37133,20 +38932,20 @@
 </file>
 
 <file path=customXml/item1.xml><?xml version="1.0" encoding="utf-8"?>
+<p:properties xmlns:p="http://schemas.microsoft.com/office/2006/metadata/properties" xmlns:xsi="http://www.w3.org/2001/XMLSchema-instance" xmlns:pc="http://schemas.microsoft.com/office/infopath/2007/PartnerControls">
+  <documentManagement>
+    <MediaServiceKeyPoints xmlns="71af3243-3dd4-4a8d-8c0d-dd76da1f02a5" xsi:nil="true"/>
+  </documentManagement>
+</p:properties>
+</file>
+
+<file path=customXml/item2.xml><?xml version="1.0" encoding="utf-8"?>
 <?mso-contentType ?>
 <FormTemplates xmlns="http://schemas.microsoft.com/sharepoint/v3/contenttype/forms">
   <Display>DocumentLibraryForm</Display>
   <Edit>DocumentLibraryForm</Edit>
   <New>DocumentLibraryForm</New>
 </FormTemplates>
-</file>
-
-<file path=customXml/item2.xml><?xml version="1.0" encoding="utf-8"?>
-<p:properties xmlns:p="http://schemas.microsoft.com/office/2006/metadata/properties" xmlns:xsi="http://www.w3.org/2001/XMLSchema-instance" xmlns:pc="http://schemas.microsoft.com/office/infopath/2007/PartnerControls">
-  <documentManagement>
-    <MediaServiceKeyPoints xmlns="71af3243-3dd4-4a8d-8c0d-dd76da1f02a5" xsi:nil="true"/>
-  </documentManagement>
-</p:properties>
 </file>
 
 <file path=customXml/item3.xml><?xml version="1.0" encoding="utf-8"?>
@@ -37361,19 +39160,19 @@
 </file>
 
 <file path=customXml/itemProps1.xml><?xml version="1.0" encoding="utf-8"?>
-<ds:datastoreItem xmlns:ds="http://schemas.openxmlformats.org/officeDocument/2006/customXml" ds:itemID="{4F44C90D-2A62-4985-9618-3460247437B1}">
+<ds:datastoreItem xmlns:ds="http://schemas.openxmlformats.org/officeDocument/2006/customXml" ds:itemID="{788A2F88-55C5-4ED1-9541-807C65424763}">
   <ds:schemaRefs>
-    <ds:schemaRef ds:uri="http://schemas.microsoft.com/sharepoint/v3/contenttype/forms"/>
+    <ds:schemaRef ds:uri="http://schemas.microsoft.com/office/2006/metadata/properties"/>
+    <ds:schemaRef ds:uri="http://schemas.microsoft.com/office/infopath/2007/PartnerControls"/>
+    <ds:schemaRef ds:uri="71af3243-3dd4-4a8d-8c0d-dd76da1f02a5"/>
   </ds:schemaRefs>
 </ds:datastoreItem>
 </file>
 
 <file path=customXml/itemProps2.xml><?xml version="1.0" encoding="utf-8"?>
-<ds:datastoreItem xmlns:ds="http://schemas.openxmlformats.org/officeDocument/2006/customXml" ds:itemID="{788A2F88-55C5-4ED1-9541-807C65424763}">
+<ds:datastoreItem xmlns:ds="http://schemas.openxmlformats.org/officeDocument/2006/customXml" ds:itemID="{4F44C90D-2A62-4985-9618-3460247437B1}">
   <ds:schemaRefs>
-    <ds:schemaRef ds:uri="http://schemas.microsoft.com/office/2006/metadata/properties"/>
-    <ds:schemaRef ds:uri="http://schemas.microsoft.com/office/infopath/2007/PartnerControls"/>
-    <ds:schemaRef ds:uri="71af3243-3dd4-4a8d-8c0d-dd76da1f02a5"/>
+    <ds:schemaRef ds:uri="http://schemas.microsoft.com/sharepoint/v3/contenttype/forms"/>
   </ds:schemaRefs>
 </ds:datastoreItem>
 </file>

--- a/Documentation/home_nurse.pptx
+++ b/Documentation/home_nurse.pptx
@@ -21451,7 +21451,7 @@
         <p:spPr>
           <a:xfrm>
             <a:off x="6096001" y="1614143"/>
-            <a:ext cx="5699759" cy="3693319"/>
+            <a:ext cx="5699759" cy="3970318"/>
           </a:xfrm>
           <a:prstGeom prst="rect">
             <a:avLst/>
@@ -21521,7 +21521,7 @@
                   <a:schemeClr val="bg1"/>
                 </a:solidFill>
               </a:rPr>
-              <a:t>Normally, you want to test hypothesis to see if difference is statistically significant using Central Limit Theorem or any parametric tests. But this analysis shows that this method won’t work.</a:t>
+              <a:t>Normally, you want to test hypothesis to see if difference is statistically significant using Central Limit Theorem or any parametric tests. But this analysis shows that this method won’t work. This analysis suggests me to use permutation test instead.</a:t>
             </a:r>
           </a:p>
         </p:txBody>
@@ -21536,13 +21536,13 @@
   <p:clrMapOvr>
     <a:masterClrMapping/>
   </p:clrMapOvr>
-  <mc:AlternateContent xmlns:mc="http://schemas.openxmlformats.org/markup-compatibility/2006">
-    <mc:Choice xmlns:p14="http://schemas.microsoft.com/office/powerpoint/2010/main" Requires="p14">
+  <mc:AlternateContent xmlns:mc="http://schemas.openxmlformats.org/markup-compatibility/2006" xmlns:p14="http://schemas.microsoft.com/office/powerpoint/2010/main">
+    <mc:Choice Requires="p14">
       <p:transition spd="med" p14:dur="700" advClick="0">
         <p:fade/>
       </p:transition>
     </mc:Choice>
-    <mc:Fallback>
+    <mc:Fallback xmlns="">
       <p:transition spd="med" advClick="0">
         <p:fade/>
       </p:transition>
@@ -28369,8 +28369,8 @@
           </a:p>
         </p:txBody>
       </p:sp>
-      <mc:AlternateContent xmlns:mc="http://schemas.openxmlformats.org/markup-compatibility/2006">
-        <mc:Choice xmlns:a14="http://schemas.microsoft.com/office/drawing/2010/main" Requires="a14">
+      <mc:AlternateContent xmlns:mc="http://schemas.openxmlformats.org/markup-compatibility/2006" xmlns:a14="http://schemas.microsoft.com/office/drawing/2010/main">
+        <mc:Choice Requires="a14">
           <p:sp>
             <p:nvSpPr>
               <p:cNvPr id="10" name="TextBox 9">
@@ -29287,7 +29287,7 @@
             </p:txBody>
           </p:sp>
         </mc:Choice>
-        <mc:Fallback>
+        <mc:Fallback xmlns="">
           <p:sp>
             <p:nvSpPr>
               <p:cNvPr id="10" name="TextBox 9">
@@ -29691,8 +29691,8 @@
           </a:p>
         </p:txBody>
       </p:sp>
-      <mc:AlternateContent xmlns:mc="http://schemas.openxmlformats.org/markup-compatibility/2006">
-        <mc:Choice xmlns:a14="http://schemas.microsoft.com/office/drawing/2010/main" Requires="a14">
+      <mc:AlternateContent xmlns:mc="http://schemas.openxmlformats.org/markup-compatibility/2006" xmlns:a14="http://schemas.microsoft.com/office/drawing/2010/main">
+        <mc:Choice Requires="a14">
           <p:sp>
             <p:nvSpPr>
               <p:cNvPr id="10" name="TextBox 9">
@@ -30735,7 +30735,7 @@
             </p:txBody>
           </p:sp>
         </mc:Choice>
-        <mc:Fallback>
+        <mc:Fallback xmlns="">
           <p:sp>
             <p:nvSpPr>
               <p:cNvPr id="10" name="TextBox 9">
@@ -34051,13 +34051,13 @@
   <p:clrMapOvr>
     <a:masterClrMapping/>
   </p:clrMapOvr>
-  <mc:AlternateContent xmlns:mc="http://schemas.openxmlformats.org/markup-compatibility/2006">
-    <mc:Choice xmlns:p14="http://schemas.microsoft.com/office/powerpoint/2010/main" Requires="p14">
+  <mc:AlternateContent xmlns:mc="http://schemas.openxmlformats.org/markup-compatibility/2006" xmlns:p14="http://schemas.microsoft.com/office/powerpoint/2010/main">
+    <mc:Choice Requires="p14">
       <p:transition spd="med" p14:dur="700" advClick="0">
         <p:fade/>
       </p:transition>
     </mc:Choice>
-    <mc:Fallback>
+    <mc:Fallback xmlns="">
       <p:transition spd="med" advClick="0">
         <p:fade/>
       </p:transition>
@@ -38034,7 +38034,7 @@
         <p:spPr>
           <a:xfrm>
             <a:off x="6096001" y="1614143"/>
-            <a:ext cx="5699759" cy="3693319"/>
+            <a:ext cx="5699759" cy="3970318"/>
           </a:xfrm>
           <a:prstGeom prst="rect">
             <a:avLst/>
@@ -38101,7 +38101,7 @@
                   </a:schemeClr>
                 </a:solidFill>
               </a:rPr>
-              <a:t>Normally, you want to test hypothesis to see if difference is statistically significant using Central Limit Theorem or any parametric tests. But this analysis shows that this method won’t work.</a:t>
+              <a:t>Normally, you want to test hypothesis to see if difference is statistically significant using Central Limit Theorem or any parametric tests. But this analysis shows that this method won’t work. This analysis suggests me to use permutation test instead.</a:t>
             </a:r>
           </a:p>
         </p:txBody>
@@ -38940,15 +38940,6 @@
 </file>
 
 <file path=customXml/item2.xml><?xml version="1.0" encoding="utf-8"?>
-<?mso-contentType ?>
-<FormTemplates xmlns="http://schemas.microsoft.com/sharepoint/v3/contenttype/forms">
-  <Display>DocumentLibraryForm</Display>
-  <Edit>DocumentLibraryForm</Edit>
-  <New>DocumentLibraryForm</New>
-</FormTemplates>
-</file>
-
-<file path=customXml/item3.xml><?xml version="1.0" encoding="utf-8"?>
 <ct:contentTypeSchema xmlns:ct="http://schemas.microsoft.com/office/2006/metadata/contentType" xmlns:ma="http://schemas.microsoft.com/office/2006/metadata/properties/metaAttributes" ct:_="" ma:_="" ma:contentTypeName="Document" ma:contentTypeID="0x01010079F111ED35F8CC479449609E8A0923A6" ma:contentTypeVersion="11" ma:contentTypeDescription="Create a new document." ma:contentTypeScope="" ma:versionID="9677210f24a1be23c92c90fd886aa0aa">
   <xsd:schema xmlns:xsd="http://www.w3.org/2001/XMLSchema" xmlns:xs="http://www.w3.org/2001/XMLSchema" xmlns:p="http://schemas.microsoft.com/office/2006/metadata/properties" xmlns:ns2="71af3243-3dd4-4a8d-8c0d-dd76da1f02a5" xmlns:ns3="16c05727-aa75-4e4a-9b5f-8a80a1165891" targetNamespace="http://schemas.microsoft.com/office/2006/metadata/properties" ma:root="true" ma:fieldsID="60e05723c5c1908df1a1a4ebf11d344e" ns2:_="" ns3:_="">
     <xsd:import namespace="71af3243-3dd4-4a8d-8c0d-dd76da1f02a5"/>
@@ -39159,6 +39150,15 @@
 </ct:contentTypeSchema>
 </file>
 
+<file path=customXml/item3.xml><?xml version="1.0" encoding="utf-8"?>
+<?mso-contentType ?>
+<FormTemplates xmlns="http://schemas.microsoft.com/sharepoint/v3/contenttype/forms">
+  <Display>DocumentLibraryForm</Display>
+  <Edit>DocumentLibraryForm</Edit>
+  <New>DocumentLibraryForm</New>
+</FormTemplates>
+</file>
+
 <file path=customXml/itemProps1.xml><?xml version="1.0" encoding="utf-8"?>
 <ds:datastoreItem xmlns:ds="http://schemas.openxmlformats.org/officeDocument/2006/customXml" ds:itemID="{788A2F88-55C5-4ED1-9541-807C65424763}">
   <ds:schemaRefs>
@@ -39170,14 +39170,6 @@
 </file>
 
 <file path=customXml/itemProps2.xml><?xml version="1.0" encoding="utf-8"?>
-<ds:datastoreItem xmlns:ds="http://schemas.openxmlformats.org/officeDocument/2006/customXml" ds:itemID="{4F44C90D-2A62-4985-9618-3460247437B1}">
-  <ds:schemaRefs>
-    <ds:schemaRef ds:uri="http://schemas.microsoft.com/sharepoint/v3/contenttype/forms"/>
-  </ds:schemaRefs>
-</ds:datastoreItem>
-</file>
-
-<file path=customXml/itemProps3.xml><?xml version="1.0" encoding="utf-8"?>
 <ds:datastoreItem xmlns:ds="http://schemas.openxmlformats.org/officeDocument/2006/customXml" ds:itemID="{B61EAB5F-88FC-4FAE-AE3C-037A3C365EB8}">
   <ds:schemaRefs>
     <ds:schemaRef ds:uri="http://schemas.microsoft.com/office/2006/metadata/contentType"/>
@@ -39194,4 +39186,12 @@
     <ds:schemaRef ds:uri="http://schemas.microsoft.com/internal/obd"/>
   </ds:schemaRefs>
 </ds:datastoreItem>
+</file>
+
+<file path=customXml/itemProps3.xml><?xml version="1.0" encoding="utf-8"?>
+<ds:datastoreItem xmlns:ds="http://schemas.openxmlformats.org/officeDocument/2006/customXml" ds:itemID="{4F44C90D-2A62-4985-9618-3460247437B1}">
+  <ds:schemaRefs>
+    <ds:schemaRef ds:uri="http://schemas.microsoft.com/sharepoint/v3/contenttype/forms"/>
+  </ds:schemaRefs>
+</ds:datastoreItem>
 </file>